--- a/Text/02.화면설계도/0916_영우 화면설계서 ver2.pptx
+++ b/Text/02.화면설계도/0916_영우 화면설계서 ver2.pptx
@@ -1,28 +1,27 @@
 
 <file path=ppt/presentation.xml><?xml version="1.0" encoding="utf-8"?>
-<p:presentation xmlns:a="http://schemas.openxmlformats.org/drawingml/2006/main" xmlns:r="http://schemas.openxmlformats.org/officeDocument/2006/relationships" xmlns:p="http://schemas.openxmlformats.org/presentationml/2006/main" saveSubsetFonts="1">
+<p:presentation xmlns:a="http://schemas.openxmlformats.org/drawingml/2006/main" xmlns:r="http://schemas.openxmlformats.org/officeDocument/2006/relationships" xmlns:p="http://schemas.openxmlformats.org/presentationml/2006/main" xmlns:p14="http://schemas.microsoft.com/office/powerpoint/2010/main" saveSubsetFonts="1">
   <p:sldMasterIdLst>
-    <p:sldMasterId id="2147483663" r:id="rId1"/>
+    <p:sldMasterId id="2147483664" r:id="rId13"/>
   </p:sldMasterIdLst>
   <p:notesMasterIdLst>
-    <p:notesMasterId r:id="rId14"/>
+    <p:notesMasterId r:id="rId17"/>
   </p:notesMasterIdLst>
   <p:handoutMasterIdLst>
     <p:handoutMasterId r:id="rId15"/>
   </p:handoutMasterIdLst>
   <p:sldIdLst>
-    <p:sldId id="256" r:id="rId2"/>
-    <p:sldId id="265" r:id="rId3"/>
-    <p:sldId id="257" r:id="rId4"/>
-    <p:sldId id="258" r:id="rId5"/>
-    <p:sldId id="259" r:id="rId6"/>
-    <p:sldId id="270" r:id="rId7"/>
-    <p:sldId id="260" r:id="rId8"/>
-    <p:sldId id="266" r:id="rId9"/>
-    <p:sldId id="267" r:id="rId10"/>
-    <p:sldId id="268" r:id="rId11"/>
-    <p:sldId id="269" r:id="rId12"/>
-    <p:sldId id="262" r:id="rId13"/>
+    <p:sldId id="256" r:id="rId19"/>
+    <p:sldId id="265" r:id="rId20"/>
+    <p:sldId id="257" r:id="rId21"/>
+    <p:sldId id="258" r:id="rId22"/>
+    <p:sldId id="259" r:id="rId23"/>
+    <p:sldId id="270" r:id="rId24"/>
+    <p:sldId id="271" r:id="rId25"/>
+    <p:sldId id="266" r:id="rId26"/>
+    <p:sldId id="267" r:id="rId27"/>
+    <p:sldId id="268" r:id="rId28"/>
+    <p:sldId id="269" r:id="rId29"/>
   </p:sldIdLst>
   <p:sldSz cx="12192000" cy="6858000"/>
   <p:notesSz cx="6858000" cy="9144000"/>
@@ -124,6 +123,20 @@
   <p:extLst>
     <p:ext uri="{2D200454-40CA-4A62-9FC3-DE9A4176ACB9}">
       <p15:notesGuideLst xmlns:p15="http://schemas.microsoft.com/office/powerpoint/2012/main" xmlns:p14="http://schemas.microsoft.com/office/powerpoint/2010/main" xmlns=""/>
+    </p:ext>
+    <p:ext uri="{EFAFB233-063F-42B5-8137-9DF3F51BA10A}">
+      <p15:sldGuideLst xmlns:p15="http://schemas.microsoft.com/office/powerpoint/2012/main">
+        <p15:guide id="0" orient="horz" pos="2159" userDrawn="1">
+          <p15:clr>
+            <a:srgbClr val="A4A3A4"/>
+          </p15:clr>
+        </p15:guide>
+        <p15:guide id="1" pos="3839" userDrawn="1">
+          <p15:clr>
+            <a:srgbClr val="A4A3A4"/>
+          </p15:clr>
+        </p15:guide>
+      </p15:sldGuideLst>
     </p:ext>
   </p:extLst>
 </p:presentation>
@@ -896,90 +909,6 @@
 </p:notes>
 </file>
 
-<file path=ppt/notesSlides/notesSlide12.xml><?xml version="1.0" encoding="utf-8"?>
-<p:notes xmlns:a="http://schemas.openxmlformats.org/drawingml/2006/main" xmlns:r="http://schemas.openxmlformats.org/officeDocument/2006/relationships" xmlns:p="http://schemas.openxmlformats.org/presentationml/2006/main">
-  <p:cSld>
-    <p:spTree>
-      <p:nvGrpSpPr>
-        <p:cNvPr id="1" name=""/>
-        <p:cNvGrpSpPr/>
-        <p:nvPr/>
-      </p:nvGrpSpPr>
-      <p:grpSpPr>
-        <a:xfrm>
-          <a:off x="0" y="0"/>
-          <a:ext cx="0" cy="0"/>
-          <a:chOff x="0" y="0"/>
-          <a:chExt cx="0" cy="0"/>
-        </a:xfrm>
-      </p:grpSpPr>
-      <p:sp>
-        <p:nvSpPr>
-          <p:cNvPr id="2" name="슬라이드 이미지 개체 틀 1"/>
-          <p:cNvSpPr>
-            <a:spLocks noGrp="1" noRot="1" noChangeAspect="1"/>
-          </p:cNvSpPr>
-          <p:nvPr>
-            <p:ph type="sldImg"/>
-          </p:nvPr>
-        </p:nvSpPr>
-        <p:spPr/>
-      </p:sp>
-      <p:sp>
-        <p:nvSpPr>
-          <p:cNvPr id="3" name="슬라이드 노트 개체 틀 2"/>
-          <p:cNvSpPr>
-            <a:spLocks noGrp="1"/>
-          </p:cNvSpPr>
-          <p:nvPr>
-            <p:ph type="body" idx="1"/>
-          </p:nvPr>
-        </p:nvSpPr>
-        <p:spPr/>
-        <p:txBody>
-          <a:bodyPr/>
-          <a:lstStyle/>
-          <a:p>
-            <a:endParaRPr lang="ko-KR" altLang="en-US"/>
-          </a:p>
-        </p:txBody>
-      </p:sp>
-      <p:sp>
-        <p:nvSpPr>
-          <p:cNvPr id="4" name="슬라이드 번호 개체 틀 3"/>
-          <p:cNvSpPr>
-            <a:spLocks noGrp="1"/>
-          </p:cNvSpPr>
-          <p:nvPr>
-            <p:ph type="sldNum" sz="quarter" idx="10"/>
-          </p:nvPr>
-        </p:nvSpPr>
-        <p:spPr/>
-        <p:txBody>
-          <a:bodyPr/>
-          <a:lstStyle/>
-          <a:p>
-            <a:fld id="{20B16B34-ED2F-4269-81E8-097D50C90279}" type="slidenum">
-              <a:rPr lang="ko-KR" altLang="en-US" smtClean="0"/>
-              <a:t>12</a:t>
-            </a:fld>
-            <a:endParaRPr lang="ko-KR" altLang="en-US"/>
-          </a:p>
-        </p:txBody>
-      </p:sp>
-    </p:spTree>
-    <p:extLst>
-      <p:ext uri="{BB962C8B-B14F-4D97-AF65-F5344CB8AC3E}">
-        <p14:creationId xmlns:p14="http://schemas.microsoft.com/office/powerpoint/2010/main" val="3106456608"/>
-      </p:ext>
-    </p:extLst>
-  </p:cSld>
-  <p:clrMapOvr>
-    <a:masterClrMapping/>
-  </p:clrMapOvr>
-</p:notes>
-</file>
-
 <file path=ppt/notesSlides/notesSlide2.xml><?xml version="1.0" encoding="utf-8"?>
 <p:notes xmlns:a="http://schemas.openxmlformats.org/drawingml/2006/main" xmlns:r="http://schemas.openxmlformats.org/officeDocument/2006/relationships" xmlns:p="http://schemas.openxmlformats.org/presentationml/2006/main">
   <p:cSld>
@@ -1419,68 +1348,147 @@
       </p:grpSpPr>
       <p:sp>
         <p:nvSpPr>
-          <p:cNvPr id="2" name="슬라이드 이미지 개체 틀 1"/>
+          <p:cNvPr id="2" name="Rect 0"/>
           <p:cNvSpPr>
-            <a:spLocks noGrp="1" noRot="1" noChangeAspect="1"/>
+            <a:spLocks noChangeAspect="1"/>
           </p:cNvSpPr>
           <p:nvPr>
             <p:ph type="sldImg"/>
           </p:nvPr>
         </p:nvSpPr>
-        <p:spPr/>
+        <p:spPr>
+          <a:xfrm rot="0">
+            <a:off x="685800" y="1143000"/>
+            <a:ext cx="5487035" cy="3086735"/>
+          </a:xfrm>
+          <a:prstGeom prst="rect"/>
+          <a:noFill/>
+          <a:ln w="12700" cap="flat" cmpd="sng">
+            <a:solidFill>
+              <a:srgbClr val="000000">
+                <a:alpha val="100000"/>
+              </a:srgbClr>
+            </a:solidFill>
+            <a:prstDash val="solid"/>
+          </a:ln>
+        </p:spPr>
+        <p:txBody>
+          <a:bodyPr wrap="square" lIns="0" tIns="0" rIns="0" bIns="0" vert="horz" anchor="t">
+            <a:noAutofit/>
+          </a:bodyPr>
+          <a:lstStyle/>
+          <a:p>
+            <a:pPr marL="0" indent="0" defTabSz="508000">
+              <a:lnSpc>
+                <a:spcPct val="100000"/>
+              </a:lnSpc>
+              <a:spcBef>
+                <a:spcPts val="0"/>
+              </a:spcBef>
+              <a:spcAft>
+                <a:spcPts val="0"/>
+              </a:spcAft>
+              <a:buFontTx/>
+              <a:buNone/>
+            </a:pPr>
+          </a:p>
+        </p:txBody>
       </p:sp>
       <p:sp>
         <p:nvSpPr>
-          <p:cNvPr id="3" name="슬라이드 노트 개체 틀 2"/>
-          <p:cNvSpPr>
-            <a:spLocks noGrp="1"/>
+          <p:cNvPr id="3" name="Rect 0"/>
+          <p:cNvSpPr txBox="1">
+            <a:spLocks/>
           </p:cNvSpPr>
           <p:nvPr>
             <p:ph type="body" idx="1"/>
           </p:nvPr>
         </p:nvSpPr>
-        <p:spPr/>
+        <p:spPr>
+          <a:xfrm rot="0">
+            <a:off x="685800" y="4400550"/>
+            <a:ext cx="5487035" cy="3601085"/>
+          </a:xfrm>
+          <a:prstGeom prst="rect"/>
+        </p:spPr>
         <p:txBody>
-          <a:bodyPr/>
+          <a:bodyPr wrap="square" lIns="91440" tIns="45720" rIns="91440" bIns="45720" numCol="1" vert="horz" anchor="t">
+            <a:noAutofit/>
+          </a:bodyPr>
           <a:lstStyle/>
           <a:p>
-            <a:endParaRPr lang="ko-KR" altLang="en-US"/>
+            <a:pPr marL="0" indent="0" defTabSz="508000">
+              <a:lnSpc>
+                <a:spcPct val="100000"/>
+              </a:lnSpc>
+              <a:spcBef>
+                <a:spcPts val="0"/>
+              </a:spcBef>
+              <a:spcAft>
+                <a:spcPts val="0"/>
+              </a:spcAft>
+              <a:buFontTx/>
+              <a:buNone/>
+            </a:pPr>
           </a:p>
         </p:txBody>
       </p:sp>
       <p:sp>
         <p:nvSpPr>
-          <p:cNvPr id="4" name="슬라이드 번호 개체 틀 3"/>
-          <p:cNvSpPr>
-            <a:spLocks noGrp="1"/>
+          <p:cNvPr id="4" name="Rect 0"/>
+          <p:cNvSpPr txBox="1">
+            <a:spLocks/>
           </p:cNvSpPr>
           <p:nvPr>
-            <p:ph type="sldNum" sz="quarter" idx="10"/>
+            <p:ph type="sldNum" idx="10"/>
           </p:nvPr>
         </p:nvSpPr>
-        <p:spPr/>
+        <p:spPr>
+          <a:xfrm rot="0">
+            <a:off x="3884930" y="8685530"/>
+            <a:ext cx="2972435" cy="459105"/>
+          </a:xfrm>
+          <a:prstGeom prst="rect"/>
+        </p:spPr>
         <p:txBody>
-          <a:bodyPr/>
+          <a:bodyPr wrap="square" lIns="91440" tIns="45720" rIns="91440" bIns="45720" numCol="1" vert="horz" anchor="b">
+            <a:noAutofit/>
+          </a:bodyPr>
           <a:lstStyle/>
           <a:p>
-            <a:fld id="{20B16B34-ED2F-4269-81E8-097D50C90279}" type="slidenum">
-              <a:rPr lang="ko-KR" altLang="en-US" smtClean="0"/>
-              <a:t>7</a:t>
+            <a:pPr marL="0" indent="0" defTabSz="508000">
+              <a:lnSpc>
+                <a:spcPct val="100000"/>
+              </a:lnSpc>
+              <a:spcBef>
+                <a:spcPts val="0"/>
+              </a:spcBef>
+              <a:spcAft>
+                <a:spcPts val="0"/>
+              </a:spcAft>
+              <a:buFontTx/>
+              <a:buNone/>
+            </a:pPr>
+            <a:fld id="{B9320F77-B9A0-41C5-862A-B4B631284C64}" type="slidenum">
+              <a:rPr lang="ko-KR" altLang="en-US" sz="1200"/>
+              <a:t>8</a:t>
             </a:fld>
-            <a:endParaRPr lang="ko-KR" altLang="en-US"/>
           </a:p>
         </p:txBody>
       </p:sp>
     </p:spTree>
-    <p:extLst>
-      <p:ext uri="{BB962C8B-B14F-4D97-AF65-F5344CB8AC3E}">
-        <p14:creationId xmlns:p14="http://schemas.microsoft.com/office/powerpoint/2010/main" val="3106456608"/>
-      </p:ext>
-    </p:extLst>
   </p:cSld>
   <p:clrMapOvr>
     <a:masterClrMapping/>
   </p:clrMapOvr>
+  <mc:AlternateContent xmlns:mc="http://schemas.openxmlformats.org/markup-compatibility/2006">
+    <mc:Choice xmlns:p14="http://schemas.microsoft.com/office/powerpoint/2010/main" Requires="p14">
+      <p:transition spd="slow" p14:dur="0"/>
+    </mc:Choice>
+    <mc:Fallback>
+      <p:transition spd="slow"/>
+    </mc:Fallback>
+  </mc:AlternateContent>
 </p:notes>
 </file>
 
@@ -4493,7 +4501,7 @@
 </file>
 
 <file path=ppt/slides/slide1.xml><?xml version="1.0" encoding="utf-8"?>
-<p:sld xmlns:a="http://schemas.openxmlformats.org/drawingml/2006/main" xmlns:r="http://schemas.openxmlformats.org/officeDocument/2006/relationships" xmlns:p="http://schemas.openxmlformats.org/presentationml/2006/main">
+<p:sld xmlns:a="http://schemas.openxmlformats.org/drawingml/2006/main" xmlns:r="http://schemas.openxmlformats.org/officeDocument/2006/relationships" xmlns:p="http://schemas.openxmlformats.org/presentationml/2006/main" xmlns:p14="http://schemas.microsoft.com/office/powerpoint/2010/main">
   <p:cSld>
     <p:spTree>
       <p:nvGrpSpPr>
@@ -7012,7 +7020,7 @@
         </p:blipFill>
         <p:spPr bwMode="auto">
           <a:xfrm>
-            <a:off x="2154249" y="1167447"/>
+            <a:off x="2154555" y="1167130"/>
             <a:ext cx="5591175" cy="5038725"/>
           </a:xfrm>
           <a:prstGeom prst="rect">
@@ -7063,11 +7071,11 @@
   <p:clrMapOvr>
     <a:masterClrMapping/>
   </p:clrMapOvr>
-  <mc:AlternateContent xmlns:mc="http://schemas.openxmlformats.org/markup-compatibility/2006" xmlns:p14="http://schemas.microsoft.com/office/powerpoint/2010/main">
-    <mc:Choice Requires="p14">
+  <mc:AlternateContent xmlns:mc="http://schemas.openxmlformats.org/markup-compatibility/2006">
+    <mc:Choice xmlns:p14="http://schemas.microsoft.com/office/powerpoint/2010/main" Requires="p14">
       <p:transition spd="slow" p14:dur="2000"/>
     </mc:Choice>
-    <mc:Fallback xmlns="">
+    <mc:Fallback>
       <p:transition spd="slow"/>
     </mc:Fallback>
   </mc:AlternateContent>
@@ -7082,7 +7090,7 @@
 </file>
 
 <file path=ppt/slides/slide10.xml><?xml version="1.0" encoding="utf-8"?>
-<p:sld xmlns:a="http://schemas.openxmlformats.org/drawingml/2006/main" xmlns:r="http://schemas.openxmlformats.org/officeDocument/2006/relationships" xmlns:p="http://schemas.openxmlformats.org/presentationml/2006/main">
+<p:sld xmlns:a="http://schemas.openxmlformats.org/drawingml/2006/main" xmlns:r="http://schemas.openxmlformats.org/officeDocument/2006/relationships" xmlns:p="http://schemas.openxmlformats.org/presentationml/2006/main" xmlns:p14="http://schemas.microsoft.com/office/powerpoint/2010/main">
   <p:cSld>
     <p:spTree>
       <p:nvGrpSpPr>
@@ -10647,9 +10655,39 @@
           </a:graphicData>
         </a:graphic>
       </p:graphicFrame>
+      <p:pic>
+        <p:nvPicPr>
+          <p:cNvPr id="7170" name="Picture 2" descr="C:/Users/mk/AppData/Roaming/PolarisOffice/ETemp/13096_8347160/image7.png"/>
+          <p:cNvPicPr>
+            <a:picLocks noChangeAspect="1"/>
+          </p:cNvPicPr>
+          <p:nvPr/>
+        </p:nvPicPr>
+        <p:blipFill rotWithShape="1">
+          <a:blip r:embed="rId3" cstate="hqprint">
+            <a:extLst>
+              <a:ext uri="{28A0092B-C50C-407E-A947-70E740481C1C}">
+                <a14:useLocalDpi xmlns:a14="http://schemas.microsoft.com/office/drawing/2010/main"/>
+              </a:ext>
+            </a:extLst>
+          </a:blip>
+          <a:srcRect l="22495" t="13302" r="11002" b="12142"/>
+          <a:stretch>
+            <a:fillRect/>
+          </a:stretch>
+        </p:blipFill>
+        <p:spPr bwMode="auto">
+          <a:xfrm rot="0">
+            <a:off x="2386330" y="1277620"/>
+            <a:ext cx="4680585" cy="4819015"/>
+          </a:xfrm>
+          <a:prstGeom prst="rect"/>
+          <a:noFill/>
+        </p:spPr>
+      </p:pic>
       <p:graphicFrame>
         <p:nvGraphicFramePr>
-          <p:cNvPr id="6" name="표 5"/>
+          <p:cNvPr id="7171" name="표 7170"/>
           <p:cNvGraphicFramePr>
             <a:graphicFrameLocks noGrp="1"/>
           </p:cNvGraphicFramePr>
@@ -10689,7 +10727,7 @@
                         <a:buNone/>
                       </a:pPr>
                       <a:r>
-                        <a:rPr lang="en-US" altLang="ko-KR" sz="1000" b="0" i="0" kern="1200">
+                        <a:rPr lang="en-US" altLang="ko-KR" sz="1000" kern="1200" i="0" b="0">
                           <a:solidFill>
                             <a:schemeClr val="tx1"/>
                           </a:solidFill>
@@ -10698,7 +10736,7 @@
                         </a:rPr>
                         <a:t>작성자</a:t>
                       </a:r>
-                      <a:endParaRPr lang="ko-KR" altLang="en-US" sz="1000" b="0" i="0" kern="1200">
+                      <a:endParaRPr lang="ko-KR" altLang="en-US" sz="1000" kern="1200" i="0" b="0">
                         <a:solidFill>
                           <a:schemeClr val="tx1"/>
                         </a:solidFill>
@@ -10707,7 +10745,7 @@
                       </a:endParaRPr>
                     </a:p>
                   </a:txBody>
-                  <a:tcPr marL="90170" marR="90170" marT="46990" marB="46990">
+                  <a:tcPr marL="90170" marR="90170" marT="46990" marB="46990" anchor="t">
                     <a:lnL w="12700" cap="flat" cmpd="sng" algn="ctr">
                       <a:solidFill>
                         <a:srgbClr val="000000">
@@ -10778,7 +10816,17 @@
                         <a:buFontTx/>
                         <a:buNone/>
                       </a:pPr>
-                      <a:endParaRPr lang="ko-KR" altLang="en-US" sz="1000" b="1" i="0" kern="1200">
+                      <a:r>
+                        <a:rPr lang="ko-KR" altLang="en-US" sz="1000" kern="1200" i="0" b="1">
+                          <a:solidFill>
+                            <a:schemeClr val="tx1"/>
+                          </a:solidFill>
+                          <a:latin typeface="맑은 고딕" charset="0"/>
+                          <a:ea typeface="맑은 고딕" charset="0"/>
+                        </a:rPr>
+                        <a:t>안영우</a:t>
+                      </a:r>
+                      <a:endParaRPr lang="ko-KR" altLang="en-US" sz="1000" kern="1200" i="0" b="1">
                         <a:solidFill>
                           <a:schemeClr val="tx1"/>
                         </a:solidFill>
@@ -10787,7 +10835,7 @@
                       </a:endParaRPr>
                     </a:p>
                   </a:txBody>
-                  <a:tcPr marL="90170" marR="90170" marT="46990" marB="46990">
+                  <a:tcPr marL="90170" marR="90170" marT="46990" marB="46990" anchor="t">
                     <a:lnL w="12700" cap="flat" cmpd="sng" algn="ctr">
                       <a:solidFill>
                         <a:srgbClr val="000000">
@@ -10842,45 +10890,6 @@
           </a:graphicData>
         </a:graphic>
       </p:graphicFrame>
-      <p:pic>
-        <p:nvPicPr>
-          <p:cNvPr id="7170" name="Picture 2" descr="C:\Users\mk\Downloads\[글 (상세보기, 글쓰기 폼) - (영우)] 게시글수정.png"/>
-          <p:cNvPicPr>
-            <a:picLocks noChangeAspect="1" noChangeArrowheads="1"/>
-          </p:cNvPicPr>
-          <p:nvPr/>
-        </p:nvPicPr>
-        <p:blipFill rotWithShape="1">
-          <a:blip r:embed="rId3" cstate="print">
-            <a:extLst>
-              <a:ext uri="{28A0092B-C50C-407E-A947-70E740481C1C}">
-                <a14:useLocalDpi xmlns:a14="http://schemas.microsoft.com/office/drawing/2010/main" val="0"/>
-              </a:ext>
-            </a:extLst>
-          </a:blip>
-          <a:srcRect l="22495" t="13302" r="11002" b="12142"/>
-          <a:stretch/>
-        </p:blipFill>
-        <p:spPr bwMode="auto">
-          <a:xfrm>
-            <a:off x="2473969" y="1277576"/>
-            <a:ext cx="4680000" cy="4818468"/>
-          </a:xfrm>
-          <a:prstGeom prst="rect">
-            <a:avLst/>
-          </a:prstGeom>
-          <a:noFill/>
-          <a:extLst>
-            <a:ext uri="{909E8E84-426E-40DD-AFC4-6F175D3DCCD1}">
-              <a14:hiddenFill xmlns:a14="http://schemas.microsoft.com/office/drawing/2010/main">
-                <a:solidFill>
-                  <a:srgbClr val="FFFFFF"/>
-                </a:solidFill>
-              </a14:hiddenFill>
-            </a:ext>
-          </a:extLst>
-        </p:spPr>
-      </p:pic>
     </p:spTree>
     <p:extLst>
       <p:ext uri="{BB962C8B-B14F-4D97-AF65-F5344CB8AC3E}">
@@ -10891,11 +10900,11 @@
   <p:clrMapOvr>
     <a:masterClrMapping/>
   </p:clrMapOvr>
-  <mc:AlternateContent xmlns:mc="http://schemas.openxmlformats.org/markup-compatibility/2006" xmlns:p14="http://schemas.microsoft.com/office/powerpoint/2010/main">
-    <mc:Choice Requires="p14">
+  <mc:AlternateContent xmlns:mc="http://schemas.openxmlformats.org/markup-compatibility/2006">
+    <mc:Choice xmlns:p14="http://schemas.microsoft.com/office/powerpoint/2010/main" Requires="p14">
       <p:transition spd="slow" p14:dur="2000"/>
     </mc:Choice>
-    <mc:Fallback xmlns="">
+    <mc:Fallback>
       <p:transition spd="slow"/>
     </mc:Fallback>
   </mc:AlternateContent>
@@ -10910,7 +10919,7 @@
 </file>
 
 <file path=ppt/slides/slide11.xml><?xml version="1.0" encoding="utf-8"?>
-<p:sld xmlns:a="http://schemas.openxmlformats.org/drawingml/2006/main" xmlns:r="http://schemas.openxmlformats.org/officeDocument/2006/relationships" xmlns:p="http://schemas.openxmlformats.org/presentationml/2006/main">
+<p:sld xmlns:a="http://schemas.openxmlformats.org/drawingml/2006/main" xmlns:r="http://schemas.openxmlformats.org/officeDocument/2006/relationships" xmlns:p="http://schemas.openxmlformats.org/presentationml/2006/main" xmlns:p14="http://schemas.microsoft.com/office/powerpoint/2010/main">
   <p:cSld>
     <p:spTree>
       <p:nvGrpSpPr>
@@ -14496,16 +14505,55 @@
           </a:graphicData>
         </a:graphic>
       </p:graphicFrame>
+      <p:pic>
+        <p:nvPicPr>
+          <p:cNvPr id="8194" name="Picture 2"/>
+          <p:cNvPicPr>
+            <a:picLocks noChangeAspect="1" noChangeArrowheads="1"/>
+          </p:cNvPicPr>
+          <p:nvPr/>
+        </p:nvPicPr>
+        <p:blipFill rotWithShape="1">
+          <a:blip r:embed="rId3" cstate="print">
+            <a:extLst>
+              <a:ext uri="{28A0092B-C50C-407E-A947-70E740481C1C}">
+                <a14:useLocalDpi xmlns:a14="http://schemas.microsoft.com/office/drawing/2010/main" val="0"/>
+              </a:ext>
+            </a:extLst>
+          </a:blip>
+          <a:srcRect l="32238" t="35993" r="32796" b="40156"/>
+          <a:stretch/>
+        </p:blipFill>
+        <p:spPr bwMode="auto">
+          <a:xfrm>
+            <a:off x="2838450" y="2256155"/>
+            <a:ext cx="3147060" cy="1971040"/>
+          </a:xfrm>
+          <a:prstGeom prst="rect">
+            <a:avLst/>
+          </a:prstGeom>
+          <a:noFill/>
+          <a:extLst>
+            <a:ext uri="{909E8E84-426E-40DD-AFC4-6F175D3DCCD1}">
+              <a14:hiddenFill xmlns:a14="http://schemas.microsoft.com/office/drawing/2010/main">
+                <a:solidFill>
+                  <a:srgbClr val="FFFFFF"/>
+                </a:solidFill>
+              </a14:hiddenFill>
+            </a:ext>
+          </a:extLst>
+        </p:spPr>
+      </p:pic>
       <p:graphicFrame>
         <p:nvGraphicFramePr>
-          <p:cNvPr id="6" name="표 5"/>
+          <p:cNvPr id="8195" name="표 8194"/>
           <p:cNvGraphicFramePr>
             <a:graphicFrameLocks noGrp="1"/>
           </p:cNvGraphicFramePr>
           <p:nvPr/>
         </p:nvGraphicFramePr>
         <p:xfrm>
-          <a:off x="8020050" y="152400"/>
+          <a:off x="8020050" y="130810"/>
           <a:ext cx="1993265" cy="247650"/>
         </p:xfrm>
         <a:graphic>
@@ -14538,7 +14586,7 @@
                         <a:buNone/>
                       </a:pPr>
                       <a:r>
-                        <a:rPr lang="en-US" altLang="ko-KR" sz="1000" b="0" i="0" kern="1200">
+                        <a:rPr lang="en-US" altLang="ko-KR" sz="1000" kern="1200" i="0" b="0">
                           <a:solidFill>
                             <a:schemeClr val="tx1"/>
                           </a:solidFill>
@@ -14547,7 +14595,7 @@
                         </a:rPr>
                         <a:t>작성자</a:t>
                       </a:r>
-                      <a:endParaRPr lang="ko-KR" altLang="en-US" sz="1000" b="0" i="0" kern="1200">
+                      <a:endParaRPr lang="ko-KR" altLang="en-US" sz="1000" kern="1200" i="0" b="0">
                         <a:solidFill>
                           <a:schemeClr val="tx1"/>
                         </a:solidFill>
@@ -14556,7 +14604,7 @@
                       </a:endParaRPr>
                     </a:p>
                   </a:txBody>
-                  <a:tcPr marL="90170" marR="90170" marT="46990" marB="46990">
+                  <a:tcPr marL="90170" marR="90170" marT="46990" marB="46990" anchor="t">
                     <a:lnL w="12700" cap="flat" cmpd="sng" algn="ctr">
                       <a:solidFill>
                         <a:srgbClr val="000000">
@@ -14627,7 +14675,17 @@
                         <a:buFontTx/>
                         <a:buNone/>
                       </a:pPr>
-                      <a:endParaRPr lang="ko-KR" altLang="en-US" sz="1000" b="1" i="0" kern="1200">
+                      <a:r>
+                        <a:rPr lang="ko-KR" altLang="en-US" sz="1000" kern="1200" i="0" b="1">
+                          <a:solidFill>
+                            <a:schemeClr val="tx1"/>
+                          </a:solidFill>
+                          <a:latin typeface="맑은 고딕" charset="0"/>
+                          <a:ea typeface="맑은 고딕" charset="0"/>
+                        </a:rPr>
+                        <a:t>안영우</a:t>
+                      </a:r>
+                      <a:endParaRPr lang="ko-KR" altLang="en-US" sz="1000" kern="1200" i="0" b="1">
                         <a:solidFill>
                           <a:schemeClr val="tx1"/>
                         </a:solidFill>
@@ -14636,3745 +14694,7 @@
                       </a:endParaRPr>
                     </a:p>
                   </a:txBody>
-                  <a:tcPr marL="90170" marR="90170" marT="46990" marB="46990">
-                    <a:lnL w="12700" cap="flat" cmpd="sng" algn="ctr">
-                      <a:solidFill>
-                        <a:srgbClr val="000000">
-                          <a:alpha val="100000"/>
-                        </a:srgbClr>
-                      </a:solidFill>
-                      <a:prstDash val="solid"/>
-                      <a:round/>
-                      <a:headEnd type="none" w="med" len="med"/>
-                      <a:tailEnd type="none" w="med" len="med"/>
-                    </a:lnL>
-                    <a:lnR w="12700" cap="flat" cmpd="sng" algn="ctr">
-                      <a:solidFill>
-                        <a:srgbClr val="000000">
-                          <a:alpha val="100000"/>
-                        </a:srgbClr>
-                      </a:solidFill>
-                      <a:prstDash val="solid"/>
-                      <a:round/>
-                      <a:headEnd type="none" w="med" len="med"/>
-                      <a:tailEnd type="none" w="med" len="med"/>
-                    </a:lnR>
-                    <a:lnT w="12700" cap="flat" cmpd="sng" algn="ctr">
-                      <a:solidFill>
-                        <a:srgbClr val="000000">
-                          <a:alpha val="100000"/>
-                        </a:srgbClr>
-                      </a:solidFill>
-                      <a:prstDash val="solid"/>
-                      <a:round/>
-                      <a:headEnd type="none" w="med" len="med"/>
-                      <a:tailEnd type="none" w="med" len="med"/>
-                    </a:lnT>
-                    <a:lnB w="12700" cap="flat" cmpd="sng" algn="ctr">
-                      <a:solidFill>
-                        <a:srgbClr val="000000">
-                          <a:alpha val="100000"/>
-                        </a:srgbClr>
-                      </a:solidFill>
-                      <a:prstDash val="solid"/>
-                      <a:round/>
-                      <a:headEnd type="none" w="med" len="med"/>
-                      <a:tailEnd type="none" w="med" len="med"/>
-                    </a:lnB>
-                    <a:solidFill>
-                      <a:schemeClr val="bg1"/>
-                    </a:solidFill>
-                  </a:tcPr>
-                </a:tc>
-              </a:tr>
-            </a:tbl>
-          </a:graphicData>
-        </a:graphic>
-      </p:graphicFrame>
-      <p:pic>
-        <p:nvPicPr>
-          <p:cNvPr id="8194" name="Picture 2" descr="C:\Users\mk\Downloads\[글 (상세보기, 글쓰기 폼) - (영우)] 게시글삭제.png"/>
-          <p:cNvPicPr>
-            <a:picLocks noChangeAspect="1" noChangeArrowheads="1"/>
-          </p:cNvPicPr>
-          <p:nvPr/>
-        </p:nvPicPr>
-        <p:blipFill rotWithShape="1">
-          <a:blip r:embed="rId3" cstate="print">
-            <a:extLst>
-              <a:ext uri="{28A0092B-C50C-407E-A947-70E740481C1C}">
-                <a14:useLocalDpi xmlns:a14="http://schemas.microsoft.com/office/drawing/2010/main" val="0"/>
-              </a:ext>
-            </a:extLst>
-          </a:blip>
-          <a:srcRect l="32238" t="35993" r="32796" b="40156"/>
-          <a:stretch/>
-        </p:blipFill>
-        <p:spPr bwMode="auto">
-          <a:xfrm>
-            <a:off x="2838202" y="2256312"/>
-            <a:ext cx="3146961" cy="1971304"/>
-          </a:xfrm>
-          <a:prstGeom prst="rect">
-            <a:avLst/>
-          </a:prstGeom>
-          <a:noFill/>
-          <a:extLst>
-            <a:ext uri="{909E8E84-426E-40DD-AFC4-6F175D3DCCD1}">
-              <a14:hiddenFill xmlns:a14="http://schemas.microsoft.com/office/drawing/2010/main">
-                <a:solidFill>
-                  <a:srgbClr val="FFFFFF"/>
-                </a:solidFill>
-              </a14:hiddenFill>
-            </a:ext>
-          </a:extLst>
-        </p:spPr>
-      </p:pic>
-    </p:spTree>
-    <p:extLst>
-      <p:ext uri="{BB962C8B-B14F-4D97-AF65-F5344CB8AC3E}">
-        <p14:creationId xmlns:p14="http://schemas.microsoft.com/office/powerpoint/2010/main" val="1102940845"/>
-      </p:ext>
-    </p:extLst>
-  </p:cSld>
-  <p:clrMapOvr>
-    <a:masterClrMapping/>
-  </p:clrMapOvr>
-  <mc:AlternateContent xmlns:mc="http://schemas.openxmlformats.org/markup-compatibility/2006" xmlns:p14="http://schemas.microsoft.com/office/powerpoint/2010/main">
-    <mc:Choice Requires="p14">
-      <p:transition spd="slow" p14:dur="2000"/>
-    </mc:Choice>
-    <mc:Fallback xmlns="">
-      <p:transition spd="slow"/>
-    </mc:Fallback>
-  </mc:AlternateContent>
-  <p:timing>
-    <p:tnLst>
-      <p:par>
-        <p:cTn id="1" dur="indefinite" restart="never" nodeType="tmRoot"/>
-      </p:par>
-    </p:tnLst>
-  </p:timing>
-</p:sld>
-</file>
-
-<file path=ppt/slides/slide12.xml><?xml version="1.0" encoding="utf-8"?>
-<p:sld xmlns:a="http://schemas.openxmlformats.org/drawingml/2006/main" xmlns:r="http://schemas.openxmlformats.org/officeDocument/2006/relationships" xmlns:p="http://schemas.openxmlformats.org/presentationml/2006/main">
-  <p:cSld>
-    <p:spTree>
-      <p:nvGrpSpPr>
-        <p:cNvPr id="1" name=""/>
-        <p:cNvGrpSpPr/>
-        <p:nvPr/>
-      </p:nvGrpSpPr>
-      <p:grpSpPr>
-        <a:xfrm>
-          <a:off x="0" y="0"/>
-          <a:ext cx="0" cy="0"/>
-          <a:chOff x="0" y="0"/>
-          <a:chExt cx="0" cy="0"/>
-        </a:xfrm>
-      </p:grpSpPr>
-      <p:graphicFrame>
-        <p:nvGraphicFramePr>
-          <p:cNvPr id="2" name="표 1"/>
-          <p:cNvGraphicFramePr>
-            <a:graphicFrameLocks noGrp="1"/>
-          </p:cNvGraphicFramePr>
-          <p:nvPr/>
-        </p:nvGraphicFramePr>
-        <p:xfrm>
-          <a:off x="147320" y="152400"/>
-          <a:ext cx="2207895" cy="495300"/>
-        </p:xfrm>
-        <a:graphic>
-          <a:graphicData uri="http://schemas.openxmlformats.org/drawingml/2006/table">
-            <a:tbl>
-              <a:tblPr firstRow="1" bandRow="1">
-                <a:tableStyleId>{5C22544A-7EE6-4342-B048-85BDC9FD1C3A}</a:tableStyleId>
-              </a:tblPr>
-              <a:tblGrid>
-                <a:gridCol w="814070"/>
-                <a:gridCol w="1393825"/>
-              </a:tblGrid>
-              <a:tr h="247650">
-                <a:tc>
-                  <a:txBody>
-                    <a:bodyPr/>
-                    <a:lstStyle/>
-                    <a:p>
-                      <a:pPr marL="0" indent="0" algn="l" defTabSz="914400" eaLnBrk="1" latinLnBrk="1" hangingPunct="1">
-                        <a:lnSpc>
-                          <a:spcPct val="100000"/>
-                        </a:lnSpc>
-                        <a:spcBef>
-                          <a:spcPts val="0"/>
-                        </a:spcBef>
-                        <a:spcAft>
-                          <a:spcPts val="0"/>
-                        </a:spcAft>
-                        <a:buFontTx/>
-                        <a:buNone/>
-                      </a:pPr>
-                      <a:r>
-                        <a:rPr lang="en-US" altLang="ko-KR" sz="1000" b="0" i="0" kern="1200">
-                          <a:solidFill>
-                            <a:schemeClr val="tx1"/>
-                          </a:solidFill>
-                          <a:latin typeface="맑은 고딕" charset="0"/>
-                          <a:ea typeface="맑은 고딕" charset="0"/>
-                        </a:rPr>
-                        <a:t>화면 코드</a:t>
-                      </a:r>
-                      <a:endParaRPr lang="ko-KR" altLang="en-US" sz="1000" b="0" i="0" kern="1200">
-                        <a:solidFill>
-                          <a:schemeClr val="tx1"/>
-                        </a:solidFill>
-                        <a:latin typeface="맑은 고딕" charset="0"/>
-                        <a:ea typeface="맑은 고딕" charset="0"/>
-                      </a:endParaRPr>
-                    </a:p>
-                  </a:txBody>
-                  <a:tcPr marL="90170" marR="90170" marT="46990" marB="46990">
-                    <a:lnL w="12700" cap="flat" cmpd="sng" algn="ctr">
-                      <a:solidFill>
-                        <a:srgbClr val="000000">
-                          <a:alpha val="100000"/>
-                        </a:srgbClr>
-                      </a:solidFill>
-                      <a:prstDash val="solid"/>
-                      <a:round/>
-                      <a:headEnd type="none" w="med" len="med"/>
-                      <a:tailEnd type="none" w="med" len="med"/>
-                    </a:lnL>
-                    <a:lnR w="12700" cap="flat" cmpd="sng" algn="ctr">
-                      <a:solidFill>
-                        <a:srgbClr val="000000">
-                          <a:alpha val="100000"/>
-                        </a:srgbClr>
-                      </a:solidFill>
-                      <a:prstDash val="solid"/>
-                      <a:round/>
-                      <a:headEnd type="none" w="med" len="med"/>
-                      <a:tailEnd type="none" w="med" len="med"/>
-                    </a:lnR>
-                    <a:lnT w="12700" cap="flat" cmpd="sng" algn="ctr">
-                      <a:solidFill>
-                        <a:srgbClr val="000000">
-                          <a:alpha val="100000"/>
-                        </a:srgbClr>
-                      </a:solidFill>
-                      <a:prstDash val="solid"/>
-                      <a:round/>
-                      <a:headEnd type="none" w="med" len="med"/>
-                      <a:tailEnd type="none" w="med" len="med"/>
-                    </a:lnT>
-                    <a:lnB w="12700" cap="flat" cmpd="sng" algn="ctr">
-                      <a:solidFill>
-                        <a:srgbClr val="000000">
-                          <a:alpha val="100000"/>
-                        </a:srgbClr>
-                      </a:solidFill>
-                      <a:prstDash val="solid"/>
-                      <a:round/>
-                      <a:headEnd type="none" w="med" len="med"/>
-                      <a:tailEnd type="none" w="med" len="med"/>
-                    </a:lnB>
-                    <a:solidFill>
-                      <a:schemeClr val="bg1">
-                        <a:lumMod val="85000"/>
-                        <a:lumOff val="0"/>
-                      </a:schemeClr>
-                    </a:solidFill>
-                  </a:tcPr>
-                </a:tc>
-                <a:tc>
-                  <a:txBody>
-                    <a:bodyPr/>
-                    <a:lstStyle/>
-                    <a:p>
-                      <a:pPr marL="0" indent="0" algn="ctr" defTabSz="914400" eaLnBrk="1" latinLnBrk="1" hangingPunct="1">
-                        <a:lnSpc>
-                          <a:spcPct val="100000"/>
-                        </a:lnSpc>
-                        <a:spcBef>
-                          <a:spcPts val="0"/>
-                        </a:spcBef>
-                        <a:spcAft>
-                          <a:spcPts val="0"/>
-                        </a:spcAft>
-                        <a:buFontTx/>
-                        <a:buNone/>
-                      </a:pPr>
-                      <a:r>
-                        <a:rPr lang="en-US" altLang="ko-KR" sz="1000" b="1" i="0" kern="1200">
-                          <a:solidFill>
-                            <a:schemeClr val="tx1"/>
-                          </a:solidFill>
-                          <a:latin typeface="맑은 고딕" charset="0"/>
-                          <a:ea typeface="맑은 고딕" charset="0"/>
-                        </a:rPr>
-                        <a:t>F-MA</a:t>
-                      </a:r>
-                      <a:endParaRPr lang="ko-KR" altLang="en-US" sz="1000" b="1" i="0" kern="1200">
-                        <a:solidFill>
-                          <a:schemeClr val="tx1"/>
-                        </a:solidFill>
-                        <a:latin typeface="맑은 고딕" charset="0"/>
-                        <a:ea typeface="맑은 고딕" charset="0"/>
-                      </a:endParaRPr>
-                    </a:p>
-                  </a:txBody>
-                  <a:tcPr marL="90170" marR="90170" marT="46990" marB="46990">
-                    <a:lnL w="12700" cap="flat" cmpd="sng" algn="ctr">
-                      <a:solidFill>
-                        <a:srgbClr val="000000">
-                          <a:alpha val="100000"/>
-                        </a:srgbClr>
-                      </a:solidFill>
-                      <a:prstDash val="solid"/>
-                      <a:round/>
-                      <a:headEnd type="none" w="med" len="med"/>
-                      <a:tailEnd type="none" w="med" len="med"/>
-                    </a:lnL>
-                    <a:lnR w="12700" cap="flat" cmpd="sng" algn="ctr">
-                      <a:solidFill>
-                        <a:srgbClr val="000000">
-                          <a:alpha val="100000"/>
-                        </a:srgbClr>
-                      </a:solidFill>
-                      <a:prstDash val="solid"/>
-                      <a:round/>
-                      <a:headEnd type="none" w="med" len="med"/>
-                      <a:tailEnd type="none" w="med" len="med"/>
-                    </a:lnR>
-                    <a:lnT w="12700" cap="flat" cmpd="sng" algn="ctr">
-                      <a:solidFill>
-                        <a:srgbClr val="000000">
-                          <a:alpha val="100000"/>
-                        </a:srgbClr>
-                      </a:solidFill>
-                      <a:prstDash val="solid"/>
-                      <a:round/>
-                      <a:headEnd type="none" w="med" len="med"/>
-                      <a:tailEnd type="none" w="med" len="med"/>
-                    </a:lnT>
-                    <a:lnB w="12700" cap="flat" cmpd="sng" algn="ctr">
-                      <a:solidFill>
-                        <a:srgbClr val="000000">
-                          <a:alpha val="100000"/>
-                        </a:srgbClr>
-                      </a:solidFill>
-                      <a:prstDash val="solid"/>
-                      <a:round/>
-                      <a:headEnd type="none" w="med" len="med"/>
-                      <a:tailEnd type="none" w="med" len="med"/>
-                    </a:lnB>
-                    <a:solidFill>
-                      <a:schemeClr val="bg1"/>
-                    </a:solidFill>
-                  </a:tcPr>
-                </a:tc>
-              </a:tr>
-              <a:tr h="247650">
-                <a:tc>
-                  <a:txBody>
-                    <a:bodyPr/>
-                    <a:lstStyle/>
-                    <a:p>
-                      <a:pPr marL="0" indent="0" algn="l" defTabSz="914400" eaLnBrk="1" latinLnBrk="1" hangingPunct="1">
-                        <a:lnSpc>
-                          <a:spcPct val="100000"/>
-                        </a:lnSpc>
-                        <a:spcBef>
-                          <a:spcPts val="0"/>
-                        </a:spcBef>
-                        <a:spcAft>
-                          <a:spcPts val="0"/>
-                        </a:spcAft>
-                        <a:buFontTx/>
-                        <a:buNone/>
-                      </a:pPr>
-                      <a:r>
-                        <a:rPr lang="en-US" altLang="ko-KR" sz="1000" b="0" i="0" kern="1200">
-                          <a:solidFill>
-                            <a:schemeClr val="tx1"/>
-                          </a:solidFill>
-                          <a:latin typeface="맑은 고딕" charset="0"/>
-                          <a:ea typeface="맑은 고딕" charset="0"/>
-                        </a:rPr>
-                        <a:t>화면명</a:t>
-                      </a:r>
-                      <a:endParaRPr lang="ko-KR" altLang="en-US" sz="1000" b="0" i="0" kern="1200">
-                        <a:solidFill>
-                          <a:schemeClr val="tx1"/>
-                        </a:solidFill>
-                        <a:latin typeface="맑은 고딕" charset="0"/>
-                        <a:ea typeface="맑은 고딕" charset="0"/>
-                      </a:endParaRPr>
-                    </a:p>
-                  </a:txBody>
-                  <a:tcPr marL="90170" marR="90170" marT="46990" marB="46990">
-                    <a:lnL w="12700" cap="flat" cmpd="sng" algn="ctr">
-                      <a:solidFill>
-                        <a:srgbClr val="000000">
-                          <a:alpha val="100000"/>
-                        </a:srgbClr>
-                      </a:solidFill>
-                      <a:prstDash val="solid"/>
-                      <a:round/>
-                      <a:headEnd type="none" w="med" len="med"/>
-                      <a:tailEnd type="none" w="med" len="med"/>
-                    </a:lnL>
-                    <a:lnR w="12700" cap="flat" cmpd="sng" algn="ctr">
-                      <a:solidFill>
-                        <a:srgbClr val="000000">
-                          <a:alpha val="100000"/>
-                        </a:srgbClr>
-                      </a:solidFill>
-                      <a:prstDash val="solid"/>
-                      <a:round/>
-                      <a:headEnd type="none" w="med" len="med"/>
-                      <a:tailEnd type="none" w="med" len="med"/>
-                    </a:lnR>
-                    <a:lnT w="12700" cap="flat" cmpd="sng" algn="ctr">
-                      <a:solidFill>
-                        <a:srgbClr val="000000">
-                          <a:alpha val="100000"/>
-                        </a:srgbClr>
-                      </a:solidFill>
-                      <a:prstDash val="solid"/>
-                      <a:round/>
-                      <a:headEnd type="none" w="med" len="med"/>
-                      <a:tailEnd type="none" w="med" len="med"/>
-                    </a:lnT>
-                    <a:lnB w="12700" cap="flat" cmpd="sng" algn="ctr">
-                      <a:solidFill>
-                        <a:srgbClr val="000000">
-                          <a:alpha val="100000"/>
-                        </a:srgbClr>
-                      </a:solidFill>
-                      <a:prstDash val="solid"/>
-                      <a:round/>
-                      <a:headEnd type="none" w="med" len="med"/>
-                      <a:tailEnd type="none" w="med" len="med"/>
-                    </a:lnB>
-                    <a:solidFill>
-                      <a:schemeClr val="bg1">
-                        <a:lumMod val="85000"/>
-                        <a:lumOff val="0"/>
-                      </a:schemeClr>
-                    </a:solidFill>
-                  </a:tcPr>
-                </a:tc>
-                <a:tc>
-                  <a:txBody>
-                    <a:bodyPr/>
-                    <a:lstStyle/>
-                    <a:p>
-                      <a:pPr marL="0" indent="0" algn="ctr" defTabSz="914400" eaLnBrk="1" latinLnBrk="1" hangingPunct="1">
-                        <a:lnSpc>
-                          <a:spcPct val="100000"/>
-                        </a:lnSpc>
-                        <a:spcBef>
-                          <a:spcPts val="0"/>
-                        </a:spcBef>
-                        <a:spcAft>
-                          <a:spcPts val="0"/>
-                        </a:spcAft>
-                        <a:buFontTx/>
-                        <a:buNone/>
-                      </a:pPr>
-                      <a:endParaRPr lang="ko-KR" altLang="en-US" sz="1000" b="0" i="0" kern="1200">
-                        <a:solidFill>
-                          <a:schemeClr val="tx1"/>
-                        </a:solidFill>
-                        <a:latin typeface="맑은 고딕" charset="0"/>
-                        <a:ea typeface="맑은 고딕" charset="0"/>
-                      </a:endParaRPr>
-                    </a:p>
-                  </a:txBody>
-                  <a:tcPr marL="90170" marR="90170" marT="46990" marB="46990">
-                    <a:lnL w="12700" cap="flat" cmpd="sng" algn="ctr">
-                      <a:solidFill>
-                        <a:srgbClr val="000000">
-                          <a:alpha val="100000"/>
-                        </a:srgbClr>
-                      </a:solidFill>
-                      <a:prstDash val="solid"/>
-                      <a:round/>
-                      <a:headEnd type="none" w="med" len="med"/>
-                      <a:tailEnd type="none" w="med" len="med"/>
-                    </a:lnL>
-                    <a:lnR w="12700" cap="flat" cmpd="sng" algn="ctr">
-                      <a:solidFill>
-                        <a:srgbClr val="000000">
-                          <a:alpha val="100000"/>
-                        </a:srgbClr>
-                      </a:solidFill>
-                      <a:prstDash val="solid"/>
-                      <a:round/>
-                      <a:headEnd type="none" w="med" len="med"/>
-                      <a:tailEnd type="none" w="med" len="med"/>
-                    </a:lnR>
-                    <a:lnT w="12700" cap="flat" cmpd="sng" algn="ctr">
-                      <a:solidFill>
-                        <a:srgbClr val="000000">
-                          <a:alpha val="100000"/>
-                        </a:srgbClr>
-                      </a:solidFill>
-                      <a:prstDash val="solid"/>
-                      <a:round/>
-                      <a:headEnd type="none" w="med" len="med"/>
-                      <a:tailEnd type="none" w="med" len="med"/>
-                    </a:lnT>
-                    <a:lnB w="12700" cap="flat" cmpd="sng" algn="ctr">
-                      <a:solidFill>
-                        <a:srgbClr val="000000">
-                          <a:alpha val="100000"/>
-                        </a:srgbClr>
-                      </a:solidFill>
-                      <a:prstDash val="solid"/>
-                      <a:round/>
-                      <a:headEnd type="none" w="med" len="med"/>
-                      <a:tailEnd type="none" w="med" len="med"/>
-                    </a:lnB>
-                    <a:solidFill>
-                      <a:schemeClr val="bg1"/>
-                    </a:solidFill>
-                  </a:tcPr>
-                </a:tc>
-              </a:tr>
-            </a:tbl>
-          </a:graphicData>
-        </a:graphic>
-      </p:graphicFrame>
-      <p:sp>
-        <p:nvSpPr>
-          <p:cNvPr id="3" name="도형 2"/>
-          <p:cNvSpPr>
-            <a:spLocks/>
-          </p:cNvSpPr>
-          <p:nvPr/>
-        </p:nvSpPr>
-        <p:spPr>
-          <a:xfrm>
-            <a:off x="142875" y="714375"/>
-            <a:ext cx="8992870" cy="5944870"/>
-          </a:xfrm>
-          <a:prstGeom prst="rect">
-            <a:avLst/>
-          </a:prstGeom>
-          <a:noFill/>
-          <a:ln w="12700" cap="flat" cmpd="sng">
-            <a:solidFill>
-              <a:schemeClr val="tx1">
-                <a:alpha val="100000"/>
-              </a:schemeClr>
-            </a:solidFill>
-            <a:prstDash val="solid"/>
-            <a:miter lim="800000"/>
-          </a:ln>
-        </p:spPr>
-        <p:style>
-          <a:lnRef idx="2">
-            <a:schemeClr val="accent1">
-              <a:shade val="50000"/>
-            </a:schemeClr>
-          </a:lnRef>
-          <a:fillRef idx="1">
-            <a:schemeClr val="accent1"/>
-          </a:fillRef>
-          <a:effectRef idx="0">
-            <a:schemeClr val="accent1"/>
-          </a:effectRef>
-          <a:fontRef idx="minor">
-            <a:schemeClr val="lt1"/>
-          </a:fontRef>
-        </p:style>
-        <p:txBody>
-          <a:bodyPr vert="horz" wrap="square" lIns="91440" tIns="45720" rIns="91440" bIns="45720" numCol="1" anchor="ctr">
-            <a:noAutofit/>
-          </a:bodyPr>
-          <a:lstStyle/>
-          <a:p>
-            <a:pPr marL="0" indent="0" algn="ctr" defTabSz="914400" eaLnBrk="1" latinLnBrk="1" hangingPunct="1">
-              <a:lnSpc>
-                <a:spcPct val="100000"/>
-              </a:lnSpc>
-              <a:spcBef>
-                <a:spcPts val="0"/>
-              </a:spcBef>
-              <a:spcAft>
-                <a:spcPts val="0"/>
-              </a:spcAft>
-              <a:buFontTx/>
-              <a:buNone/>
-            </a:pPr>
-            <a:endParaRPr lang="ko-KR" altLang="en-US" sz="1000">
-              <a:solidFill>
-                <a:schemeClr val="tx1"/>
-              </a:solidFill>
-              <a:latin typeface="맑은 고딕" charset="0"/>
-              <a:ea typeface="맑은 고딕" charset="0"/>
-            </a:endParaRPr>
-          </a:p>
-        </p:txBody>
-      </p:sp>
-      <p:graphicFrame>
-        <p:nvGraphicFramePr>
-          <p:cNvPr id="4" name="표 3"/>
-          <p:cNvGraphicFramePr>
-            <a:graphicFrameLocks noGrp="1"/>
-          </p:cNvGraphicFramePr>
-          <p:nvPr/>
-        </p:nvGraphicFramePr>
-        <p:xfrm>
-          <a:off x="9196070" y="718185"/>
-          <a:ext cx="2900680" cy="5925820"/>
-        </p:xfrm>
-        <a:graphic>
-          <a:graphicData uri="http://schemas.openxmlformats.org/drawingml/2006/table">
-            <a:tbl>
-              <a:tblPr firstRow="1" bandRow="1">
-                <a:tableStyleId>{5C22544A-7EE6-4342-B048-85BDC9FD1C3A}</a:tableStyleId>
-              </a:tblPr>
-              <a:tblGrid>
-                <a:gridCol w="400050"/>
-                <a:gridCol w="452755"/>
-                <a:gridCol w="2047875"/>
-              </a:tblGrid>
-              <a:tr h="247650">
-                <a:tc>
-                  <a:txBody>
-                    <a:bodyPr/>
-                    <a:lstStyle/>
-                    <a:p>
-                      <a:pPr marL="0" indent="0" algn="ctr" defTabSz="914400" eaLnBrk="1" latinLnBrk="1" hangingPunct="1">
-                        <a:lnSpc>
-                          <a:spcPct val="100000"/>
-                        </a:lnSpc>
-                        <a:spcBef>
-                          <a:spcPts val="0"/>
-                        </a:spcBef>
-                        <a:spcAft>
-                          <a:spcPts val="0"/>
-                        </a:spcAft>
-                        <a:buFontTx/>
-                        <a:buNone/>
-                      </a:pPr>
-                      <a:r>
-                        <a:rPr lang="en-US" altLang="ko-KR" sz="1000" b="1" i="0" kern="1200">
-                          <a:solidFill>
-                            <a:schemeClr val="tx1"/>
-                          </a:solidFill>
-                          <a:latin typeface="맑은 고딕" charset="0"/>
-                          <a:ea typeface="맑은 고딕" charset="0"/>
-                        </a:rPr>
-                        <a:t>No.</a:t>
-                      </a:r>
-                      <a:endParaRPr lang="ko-KR" altLang="en-US" sz="1000" b="1" i="0" kern="1200">
-                        <a:solidFill>
-                          <a:schemeClr val="tx1"/>
-                        </a:solidFill>
-                        <a:latin typeface="맑은 고딕" charset="0"/>
-                        <a:ea typeface="맑은 고딕" charset="0"/>
-                      </a:endParaRPr>
-                    </a:p>
-                  </a:txBody>
-                  <a:tcPr marL="0" marR="0" marT="0" marB="0" anchor="ctr">
-                    <a:lnL w="12700" cap="flat" cmpd="sng" algn="ctr">
-                      <a:solidFill>
-                        <a:srgbClr val="000000">
-                          <a:alpha val="100000"/>
-                        </a:srgbClr>
-                      </a:solidFill>
-                      <a:prstDash val="solid"/>
-                      <a:round/>
-                      <a:headEnd type="none" w="med" len="med"/>
-                      <a:tailEnd type="none" w="med" len="med"/>
-                    </a:lnL>
-                    <a:lnR w="12700" cap="flat" cmpd="sng" algn="ctr">
-                      <a:solidFill>
-                        <a:srgbClr val="000000">
-                          <a:alpha val="100000"/>
-                        </a:srgbClr>
-                      </a:solidFill>
-                      <a:prstDash val="solid"/>
-                      <a:round/>
-                      <a:headEnd type="none" w="med" len="med"/>
-                      <a:tailEnd type="none" w="med" len="med"/>
-                    </a:lnR>
-                    <a:lnT w="12700" cap="flat" cmpd="sng" algn="ctr">
-                      <a:solidFill>
-                        <a:srgbClr val="000000">
-                          <a:alpha val="100000"/>
-                        </a:srgbClr>
-                      </a:solidFill>
-                      <a:prstDash val="solid"/>
-                      <a:round/>
-                      <a:headEnd type="none" w="med" len="med"/>
-                      <a:tailEnd type="none" w="med" len="med"/>
-                    </a:lnT>
-                    <a:lnB w="12700" cap="flat" cmpd="sng" algn="ctr">
-                      <a:solidFill>
-                        <a:srgbClr val="000000">
-                          <a:alpha val="100000"/>
-                        </a:srgbClr>
-                      </a:solidFill>
-                      <a:prstDash val="solid"/>
-                      <a:round/>
-                      <a:headEnd type="none" w="med" len="med"/>
-                      <a:tailEnd type="none" w="med" len="med"/>
-                    </a:lnB>
-                    <a:solidFill>
-                      <a:schemeClr val="bg1">
-                        <a:lumMod val="85000"/>
-                        <a:lumOff val="0"/>
-                      </a:schemeClr>
-                    </a:solidFill>
-                  </a:tcPr>
-                </a:tc>
-                <a:tc>
-                  <a:txBody>
-                    <a:bodyPr/>
-                    <a:lstStyle/>
-                    <a:p>
-                      <a:pPr marL="0" indent="0" algn="ctr" defTabSz="914400" eaLnBrk="1" latinLnBrk="1" hangingPunct="1">
-                        <a:lnSpc>
-                          <a:spcPct val="100000"/>
-                        </a:lnSpc>
-                        <a:spcBef>
-                          <a:spcPts val="0"/>
-                        </a:spcBef>
-                        <a:spcAft>
-                          <a:spcPts val="0"/>
-                        </a:spcAft>
-                        <a:buFontTx/>
-                        <a:buNone/>
-                      </a:pPr>
-                      <a:r>
-                        <a:rPr lang="en-US" altLang="ko-KR" sz="1000" b="1" i="0" kern="1200">
-                          <a:solidFill>
-                            <a:schemeClr val="tx1"/>
-                          </a:solidFill>
-                          <a:latin typeface="맑은 고딕" charset="0"/>
-                          <a:ea typeface="맑은 고딕" charset="0"/>
-                        </a:rPr>
-                        <a:t>CRUD</a:t>
-                      </a:r>
-                      <a:endParaRPr lang="ko-KR" altLang="en-US" sz="1000" b="1" i="0" kern="1200">
-                        <a:solidFill>
-                          <a:schemeClr val="tx1"/>
-                        </a:solidFill>
-                        <a:latin typeface="맑은 고딕" charset="0"/>
-                        <a:ea typeface="맑은 고딕" charset="0"/>
-                      </a:endParaRPr>
-                    </a:p>
-                  </a:txBody>
-                  <a:tcPr marL="0" marR="0" marT="0" marB="0" anchor="ctr">
-                    <a:lnL w="12700" cap="flat" cmpd="sng" algn="ctr">
-                      <a:solidFill>
-                        <a:srgbClr val="000000">
-                          <a:alpha val="100000"/>
-                        </a:srgbClr>
-                      </a:solidFill>
-                      <a:prstDash val="solid"/>
-                      <a:round/>
-                      <a:headEnd type="none" w="med" len="med"/>
-                      <a:tailEnd type="none" w="med" len="med"/>
-                    </a:lnL>
-                    <a:lnR w="12700" cap="flat" cmpd="sng" algn="ctr">
-                      <a:solidFill>
-                        <a:srgbClr val="000000">
-                          <a:alpha val="100000"/>
-                        </a:srgbClr>
-                      </a:solidFill>
-                      <a:prstDash val="solid"/>
-                      <a:round/>
-                      <a:headEnd type="none" w="med" len="med"/>
-                      <a:tailEnd type="none" w="med" len="med"/>
-                    </a:lnR>
-                    <a:lnT w="12700" cap="flat" cmpd="sng" algn="ctr">
-                      <a:solidFill>
-                        <a:srgbClr val="000000">
-                          <a:alpha val="100000"/>
-                        </a:srgbClr>
-                      </a:solidFill>
-                      <a:prstDash val="solid"/>
-                      <a:round/>
-                      <a:headEnd type="none" w="med" len="med"/>
-                      <a:tailEnd type="none" w="med" len="med"/>
-                    </a:lnT>
-                    <a:lnB w="12700" cap="flat" cmpd="sng" algn="ctr">
-                      <a:solidFill>
-                        <a:srgbClr val="000000">
-                          <a:alpha val="100000"/>
-                        </a:srgbClr>
-                      </a:solidFill>
-                      <a:prstDash val="solid"/>
-                      <a:round/>
-                      <a:headEnd type="none" w="med" len="med"/>
-                      <a:tailEnd type="none" w="med" len="med"/>
-                    </a:lnB>
-                    <a:solidFill>
-                      <a:schemeClr val="bg1">
-                        <a:lumMod val="85000"/>
-                        <a:lumOff val="0"/>
-                      </a:schemeClr>
-                    </a:solidFill>
-                  </a:tcPr>
-                </a:tc>
-                <a:tc>
-                  <a:txBody>
-                    <a:bodyPr/>
-                    <a:lstStyle/>
-                    <a:p>
-                      <a:pPr marL="0" indent="0" algn="ctr" defTabSz="914400" eaLnBrk="1" latinLnBrk="1" hangingPunct="1">
-                        <a:lnSpc>
-                          <a:spcPct val="100000"/>
-                        </a:lnSpc>
-                        <a:spcBef>
-                          <a:spcPts val="0"/>
-                        </a:spcBef>
-                        <a:spcAft>
-                          <a:spcPts val="0"/>
-                        </a:spcAft>
-                        <a:buFontTx/>
-                        <a:buNone/>
-                      </a:pPr>
-                      <a:r>
-                        <a:rPr lang="en-US" altLang="ko-KR" sz="1000" b="1" i="0" kern="1200">
-                          <a:solidFill>
-                            <a:schemeClr val="tx1"/>
-                          </a:solidFill>
-                          <a:latin typeface="맑은 고딕" charset="0"/>
-                          <a:ea typeface="맑은 고딕" charset="0"/>
-                        </a:rPr>
-                        <a:t>기능</a:t>
-                      </a:r>
-                      <a:endParaRPr lang="ko-KR" altLang="en-US" sz="1000" b="1" i="0" kern="1200">
-                        <a:solidFill>
-                          <a:schemeClr val="tx1"/>
-                        </a:solidFill>
-                        <a:latin typeface="맑은 고딕" charset="0"/>
-                        <a:ea typeface="맑은 고딕" charset="0"/>
-                      </a:endParaRPr>
-                    </a:p>
-                  </a:txBody>
-                  <a:tcPr marL="0" marR="0" marT="0" marB="0" anchor="ctr">
-                    <a:lnL w="12700" cap="flat" cmpd="sng" algn="ctr">
-                      <a:solidFill>
-                        <a:srgbClr val="000000">
-                          <a:alpha val="100000"/>
-                        </a:srgbClr>
-                      </a:solidFill>
-                      <a:prstDash val="solid"/>
-                      <a:round/>
-                      <a:headEnd type="none" w="med" len="med"/>
-                      <a:tailEnd type="none" w="med" len="med"/>
-                    </a:lnL>
-                    <a:lnR w="12700" cap="flat" cmpd="sng" algn="ctr">
-                      <a:solidFill>
-                        <a:srgbClr val="000000">
-                          <a:alpha val="100000"/>
-                        </a:srgbClr>
-                      </a:solidFill>
-                      <a:prstDash val="solid"/>
-                      <a:round/>
-                      <a:headEnd type="none" w="med" len="med"/>
-                      <a:tailEnd type="none" w="med" len="med"/>
-                    </a:lnR>
-                    <a:lnT w="12700" cap="flat" cmpd="sng" algn="ctr">
-                      <a:solidFill>
-                        <a:srgbClr val="000000">
-                          <a:alpha val="100000"/>
-                        </a:srgbClr>
-                      </a:solidFill>
-                      <a:prstDash val="solid"/>
-                      <a:round/>
-                      <a:headEnd type="none" w="med" len="med"/>
-                      <a:tailEnd type="none" w="med" len="med"/>
-                    </a:lnT>
-                    <a:lnB w="12700" cap="flat" cmpd="sng" algn="ctr">
-                      <a:solidFill>
-                        <a:srgbClr val="000000">
-                          <a:alpha val="100000"/>
-                        </a:srgbClr>
-                      </a:solidFill>
-                      <a:prstDash val="solid"/>
-                      <a:round/>
-                      <a:headEnd type="none" w="med" len="med"/>
-                      <a:tailEnd type="none" w="med" len="med"/>
-                    </a:lnB>
-                    <a:solidFill>
-                      <a:schemeClr val="bg1">
-                        <a:lumMod val="85000"/>
-                        <a:lumOff val="0"/>
-                      </a:schemeClr>
-                    </a:solidFill>
-                  </a:tcPr>
-                </a:tc>
-              </a:tr>
-              <a:tr h="526415">
-                <a:tc>
-                  <a:txBody>
-                    <a:bodyPr/>
-                    <a:lstStyle/>
-                    <a:p>
-                      <a:pPr marL="0" indent="0" algn="ctr" defTabSz="914400" eaLnBrk="1" latinLnBrk="1" hangingPunct="1">
-                        <a:lnSpc>
-                          <a:spcPct val="100000"/>
-                        </a:lnSpc>
-                        <a:spcBef>
-                          <a:spcPts val="0"/>
-                        </a:spcBef>
-                        <a:spcAft>
-                          <a:spcPts val="0"/>
-                        </a:spcAft>
-                        <a:buFontTx/>
-                        <a:buNone/>
-                      </a:pPr>
-                      <a:endParaRPr lang="ko-KR" altLang="en-US" sz="1000" b="0" i="0" kern="1200">
-                        <a:solidFill>
-                          <a:schemeClr val="tx1"/>
-                        </a:solidFill>
-                        <a:latin typeface="맑은 고딕" charset="0"/>
-                        <a:ea typeface="맑은 고딕" charset="0"/>
-                      </a:endParaRPr>
-                    </a:p>
-                  </a:txBody>
-                  <a:tcPr marL="0" marR="0" marT="0" marB="0" anchor="ctr">
-                    <a:lnL w="12700" cap="flat" cmpd="sng" algn="ctr">
-                      <a:solidFill>
-                        <a:srgbClr val="000000">
-                          <a:alpha val="100000"/>
-                        </a:srgbClr>
-                      </a:solidFill>
-                      <a:prstDash val="solid"/>
-                      <a:round/>
-                      <a:headEnd type="none" w="med" len="med"/>
-                      <a:tailEnd type="none" w="med" len="med"/>
-                    </a:lnL>
-                    <a:lnR w="12700" cap="flat" cmpd="sng" algn="ctr">
-                      <a:solidFill>
-                        <a:srgbClr val="000000">
-                          <a:alpha val="100000"/>
-                        </a:srgbClr>
-                      </a:solidFill>
-                      <a:prstDash val="solid"/>
-                      <a:round/>
-                      <a:headEnd type="none" w="med" len="med"/>
-                      <a:tailEnd type="none" w="med" len="med"/>
-                    </a:lnR>
-                    <a:lnT w="12700" cap="flat" cmpd="sng" algn="ctr">
-                      <a:solidFill>
-                        <a:srgbClr val="000000">
-                          <a:alpha val="100000"/>
-                        </a:srgbClr>
-                      </a:solidFill>
-                      <a:prstDash val="solid"/>
-                      <a:round/>
-                      <a:headEnd type="none" w="med" len="med"/>
-                      <a:tailEnd type="none" w="med" len="med"/>
-                    </a:lnT>
-                    <a:lnB w="12700" cap="flat" cmpd="sng" algn="ctr">
-                      <a:solidFill>
-                        <a:srgbClr val="000000">
-                          <a:alpha val="100000"/>
-                        </a:srgbClr>
-                      </a:solidFill>
-                      <a:prstDash val="solid"/>
-                      <a:round/>
-                      <a:headEnd type="none" w="med" len="med"/>
-                      <a:tailEnd type="none" w="med" len="med"/>
-                    </a:lnB>
-                    <a:noFill/>
-                  </a:tcPr>
-                </a:tc>
-                <a:tc>
-                  <a:txBody>
-                    <a:bodyPr/>
-                    <a:lstStyle/>
-                    <a:p>
-                      <a:pPr marL="0" indent="0" algn="ctr" defTabSz="914400" eaLnBrk="1" latinLnBrk="1" hangingPunct="1">
-                        <a:lnSpc>
-                          <a:spcPct val="100000"/>
-                        </a:lnSpc>
-                        <a:spcBef>
-                          <a:spcPts val="0"/>
-                        </a:spcBef>
-                        <a:spcAft>
-                          <a:spcPts val="0"/>
-                        </a:spcAft>
-                        <a:buFontTx/>
-                        <a:buNone/>
-                      </a:pPr>
-                      <a:endParaRPr lang="ko-KR" altLang="en-US" sz="1000" b="0" i="0" kern="1200">
-                        <a:solidFill>
-                          <a:schemeClr val="tx1"/>
-                        </a:solidFill>
-                        <a:latin typeface="맑은 고딕" charset="0"/>
-                        <a:ea typeface="맑은 고딕" charset="0"/>
-                      </a:endParaRPr>
-                    </a:p>
-                  </a:txBody>
-                  <a:tcPr marL="0" marR="0" marT="0" marB="0" anchor="ctr">
-                    <a:lnL w="12700" cap="flat" cmpd="sng" algn="ctr">
-                      <a:solidFill>
-                        <a:srgbClr val="000000">
-                          <a:alpha val="100000"/>
-                        </a:srgbClr>
-                      </a:solidFill>
-                      <a:prstDash val="solid"/>
-                      <a:round/>
-                      <a:headEnd type="none" w="med" len="med"/>
-                      <a:tailEnd type="none" w="med" len="med"/>
-                    </a:lnL>
-                    <a:lnR w="12700" cap="flat" cmpd="sng" algn="ctr">
-                      <a:solidFill>
-                        <a:srgbClr val="000000">
-                          <a:alpha val="100000"/>
-                        </a:srgbClr>
-                      </a:solidFill>
-                      <a:prstDash val="solid"/>
-                      <a:round/>
-                      <a:headEnd type="none" w="med" len="med"/>
-                      <a:tailEnd type="none" w="med" len="med"/>
-                    </a:lnR>
-                    <a:lnT w="12700" cap="flat" cmpd="sng" algn="ctr">
-                      <a:solidFill>
-                        <a:srgbClr val="000000">
-                          <a:alpha val="100000"/>
-                        </a:srgbClr>
-                      </a:solidFill>
-                      <a:prstDash val="solid"/>
-                      <a:round/>
-                      <a:headEnd type="none" w="med" len="med"/>
-                      <a:tailEnd type="none" w="med" len="med"/>
-                    </a:lnT>
-                    <a:lnB w="12700" cap="flat" cmpd="sng" algn="ctr">
-                      <a:solidFill>
-                        <a:srgbClr val="000000">
-                          <a:alpha val="100000"/>
-                        </a:srgbClr>
-                      </a:solidFill>
-                      <a:prstDash val="solid"/>
-                      <a:round/>
-                      <a:headEnd type="none" w="med" len="med"/>
-                      <a:tailEnd type="none" w="med" len="med"/>
-                    </a:lnB>
-                    <a:noFill/>
-                  </a:tcPr>
-                </a:tc>
-                <a:tc>
-                  <a:txBody>
-                    <a:bodyPr/>
-                    <a:lstStyle/>
-                    <a:p>
-                      <a:pPr marL="0" indent="0" algn="l" defTabSz="914400" eaLnBrk="1" latinLnBrk="1" hangingPunct="1">
-                        <a:lnSpc>
-                          <a:spcPct val="100000"/>
-                        </a:lnSpc>
-                        <a:spcBef>
-                          <a:spcPts val="0"/>
-                        </a:spcBef>
-                        <a:spcAft>
-                          <a:spcPts val="0"/>
-                        </a:spcAft>
-                        <a:buFontTx/>
-                        <a:buNone/>
-                      </a:pPr>
-                      <a:endParaRPr lang="ko-KR" altLang="en-US" sz="1000" b="0" i="0" kern="1200">
-                        <a:solidFill>
-                          <a:schemeClr val="tx1"/>
-                        </a:solidFill>
-                        <a:latin typeface="맑은 고딕" charset="0"/>
-                        <a:ea typeface="맑은 고딕" charset="0"/>
-                      </a:endParaRPr>
-                    </a:p>
-                  </a:txBody>
-                  <a:tcPr marL="0" marR="0" marT="0" marB="0" anchor="ctr">
-                    <a:lnL w="12700" cap="flat" cmpd="sng" algn="ctr">
-                      <a:solidFill>
-                        <a:srgbClr val="000000">
-                          <a:alpha val="100000"/>
-                        </a:srgbClr>
-                      </a:solidFill>
-                      <a:prstDash val="solid"/>
-                      <a:round/>
-                      <a:headEnd type="none" w="med" len="med"/>
-                      <a:tailEnd type="none" w="med" len="med"/>
-                    </a:lnL>
-                    <a:lnR w="12700" cap="flat" cmpd="sng" algn="ctr">
-                      <a:solidFill>
-                        <a:srgbClr val="000000">
-                          <a:alpha val="100000"/>
-                        </a:srgbClr>
-                      </a:solidFill>
-                      <a:prstDash val="solid"/>
-                      <a:round/>
-                      <a:headEnd type="none" w="med" len="med"/>
-                      <a:tailEnd type="none" w="med" len="med"/>
-                    </a:lnR>
-                    <a:lnT w="12700" cap="flat" cmpd="sng" algn="ctr">
-                      <a:solidFill>
-                        <a:srgbClr val="000000">
-                          <a:alpha val="100000"/>
-                        </a:srgbClr>
-                      </a:solidFill>
-                      <a:prstDash val="solid"/>
-                      <a:round/>
-                      <a:headEnd type="none" w="med" len="med"/>
-                      <a:tailEnd type="none" w="med" len="med"/>
-                    </a:lnT>
-                    <a:lnB w="12700" cap="flat" cmpd="sng" algn="ctr">
-                      <a:solidFill>
-                        <a:srgbClr val="000000">
-                          <a:alpha val="100000"/>
-                        </a:srgbClr>
-                      </a:solidFill>
-                      <a:prstDash val="solid"/>
-                      <a:round/>
-                      <a:headEnd type="none" w="med" len="med"/>
-                      <a:tailEnd type="none" w="med" len="med"/>
-                    </a:lnB>
-                    <a:solidFill>
-                      <a:schemeClr val="bg1"/>
-                    </a:solidFill>
-                  </a:tcPr>
-                </a:tc>
-              </a:tr>
-              <a:tr h="526415">
-                <a:tc>
-                  <a:txBody>
-                    <a:bodyPr/>
-                    <a:lstStyle/>
-                    <a:p>
-                      <a:pPr marL="0" indent="0" algn="ctr" defTabSz="914400" eaLnBrk="1" latinLnBrk="1" hangingPunct="1">
-                        <a:lnSpc>
-                          <a:spcPct val="100000"/>
-                        </a:lnSpc>
-                        <a:spcBef>
-                          <a:spcPts val="0"/>
-                        </a:spcBef>
-                        <a:spcAft>
-                          <a:spcPts val="0"/>
-                        </a:spcAft>
-                        <a:buFontTx/>
-                        <a:buNone/>
-                      </a:pPr>
-                      <a:endParaRPr lang="ko-KR" altLang="en-US" sz="1000" b="0" i="0" kern="1200">
-                        <a:solidFill>
-                          <a:schemeClr val="tx1"/>
-                        </a:solidFill>
-                        <a:latin typeface="맑은 고딕" charset="0"/>
-                        <a:ea typeface="맑은 고딕" charset="0"/>
-                      </a:endParaRPr>
-                    </a:p>
-                  </a:txBody>
-                  <a:tcPr marL="0" marR="0" marT="0" marB="0" anchor="ctr">
-                    <a:lnL w="12700" cap="flat" cmpd="sng" algn="ctr">
-                      <a:solidFill>
-                        <a:srgbClr val="000000">
-                          <a:alpha val="100000"/>
-                        </a:srgbClr>
-                      </a:solidFill>
-                      <a:prstDash val="solid"/>
-                      <a:round/>
-                      <a:headEnd type="none" w="med" len="med"/>
-                      <a:tailEnd type="none" w="med" len="med"/>
-                    </a:lnL>
-                    <a:lnR w="12700" cap="flat" cmpd="sng" algn="ctr">
-                      <a:solidFill>
-                        <a:srgbClr val="000000">
-                          <a:alpha val="100000"/>
-                        </a:srgbClr>
-                      </a:solidFill>
-                      <a:prstDash val="solid"/>
-                      <a:round/>
-                      <a:headEnd type="none" w="med" len="med"/>
-                      <a:tailEnd type="none" w="med" len="med"/>
-                    </a:lnR>
-                    <a:lnT w="12700" cap="flat" cmpd="sng" algn="ctr">
-                      <a:solidFill>
-                        <a:srgbClr val="000000">
-                          <a:alpha val="100000"/>
-                        </a:srgbClr>
-                      </a:solidFill>
-                      <a:prstDash val="solid"/>
-                      <a:round/>
-                      <a:headEnd type="none" w="med" len="med"/>
-                      <a:tailEnd type="none" w="med" len="med"/>
-                    </a:lnT>
-                    <a:lnB w="12700" cap="flat" cmpd="sng" algn="ctr">
-                      <a:solidFill>
-                        <a:srgbClr val="000000">
-                          <a:alpha val="100000"/>
-                        </a:srgbClr>
-                      </a:solidFill>
-                      <a:prstDash val="solid"/>
-                      <a:round/>
-                      <a:headEnd type="none" w="med" len="med"/>
-                      <a:tailEnd type="none" w="med" len="med"/>
-                    </a:lnB>
-                    <a:noFill/>
-                  </a:tcPr>
-                </a:tc>
-                <a:tc>
-                  <a:txBody>
-                    <a:bodyPr/>
-                    <a:lstStyle/>
-                    <a:p>
-                      <a:pPr marL="0" indent="0" algn="ctr" defTabSz="914400" eaLnBrk="1" latinLnBrk="1" hangingPunct="1">
-                        <a:lnSpc>
-                          <a:spcPct val="100000"/>
-                        </a:lnSpc>
-                        <a:spcBef>
-                          <a:spcPts val="0"/>
-                        </a:spcBef>
-                        <a:spcAft>
-                          <a:spcPts val="0"/>
-                        </a:spcAft>
-                        <a:buFontTx/>
-                        <a:buNone/>
-                      </a:pPr>
-                      <a:endParaRPr lang="ko-KR" altLang="en-US" sz="1000" b="0" i="0" kern="1200">
-                        <a:solidFill>
-                          <a:schemeClr val="tx1"/>
-                        </a:solidFill>
-                        <a:latin typeface="맑은 고딕" charset="0"/>
-                        <a:ea typeface="맑은 고딕" charset="0"/>
-                      </a:endParaRPr>
-                    </a:p>
-                  </a:txBody>
-                  <a:tcPr marL="0" marR="0" marT="0" marB="0" anchor="ctr">
-                    <a:lnL w="12700" cap="flat" cmpd="sng" algn="ctr">
-                      <a:solidFill>
-                        <a:srgbClr val="000000">
-                          <a:alpha val="100000"/>
-                        </a:srgbClr>
-                      </a:solidFill>
-                      <a:prstDash val="solid"/>
-                      <a:round/>
-                      <a:headEnd type="none" w="med" len="med"/>
-                      <a:tailEnd type="none" w="med" len="med"/>
-                    </a:lnL>
-                    <a:lnR w="12700" cap="flat" cmpd="sng" algn="ctr">
-                      <a:solidFill>
-                        <a:srgbClr val="000000">
-                          <a:alpha val="100000"/>
-                        </a:srgbClr>
-                      </a:solidFill>
-                      <a:prstDash val="solid"/>
-                      <a:round/>
-                      <a:headEnd type="none" w="med" len="med"/>
-                      <a:tailEnd type="none" w="med" len="med"/>
-                    </a:lnR>
-                    <a:lnT w="12700" cap="flat" cmpd="sng" algn="ctr">
-                      <a:solidFill>
-                        <a:srgbClr val="000000">
-                          <a:alpha val="100000"/>
-                        </a:srgbClr>
-                      </a:solidFill>
-                      <a:prstDash val="solid"/>
-                      <a:round/>
-                      <a:headEnd type="none" w="med" len="med"/>
-                      <a:tailEnd type="none" w="med" len="med"/>
-                    </a:lnT>
-                    <a:lnB w="12700" cap="flat" cmpd="sng" algn="ctr">
-                      <a:solidFill>
-                        <a:srgbClr val="000000">
-                          <a:alpha val="100000"/>
-                        </a:srgbClr>
-                      </a:solidFill>
-                      <a:prstDash val="solid"/>
-                      <a:round/>
-                      <a:headEnd type="none" w="med" len="med"/>
-                      <a:tailEnd type="none" w="med" len="med"/>
-                    </a:lnB>
-                    <a:noFill/>
-                  </a:tcPr>
-                </a:tc>
-                <a:tc>
-                  <a:txBody>
-                    <a:bodyPr/>
-                    <a:lstStyle/>
-                    <a:p>
-                      <a:pPr marL="0" indent="0" algn="l" defTabSz="914400" eaLnBrk="1" latinLnBrk="1" hangingPunct="1">
-                        <a:lnSpc>
-                          <a:spcPct val="100000"/>
-                        </a:lnSpc>
-                        <a:spcBef>
-                          <a:spcPts val="0"/>
-                        </a:spcBef>
-                        <a:spcAft>
-                          <a:spcPts val="0"/>
-                        </a:spcAft>
-                        <a:buFontTx/>
-                        <a:buNone/>
-                      </a:pPr>
-                      <a:endParaRPr lang="ko-KR" altLang="en-US" sz="1000" b="0" i="0" kern="1200">
-                        <a:solidFill>
-                          <a:schemeClr val="tx1"/>
-                        </a:solidFill>
-                        <a:latin typeface="맑은 고딕" charset="0"/>
-                        <a:ea typeface="맑은 고딕" charset="0"/>
-                      </a:endParaRPr>
-                    </a:p>
-                  </a:txBody>
-                  <a:tcPr marL="0" marR="0" marT="0" marB="0" anchor="ctr">
-                    <a:lnL w="12700" cap="flat" cmpd="sng" algn="ctr">
-                      <a:solidFill>
-                        <a:srgbClr val="000000">
-                          <a:alpha val="100000"/>
-                        </a:srgbClr>
-                      </a:solidFill>
-                      <a:prstDash val="solid"/>
-                      <a:round/>
-                      <a:headEnd type="none" w="med" len="med"/>
-                      <a:tailEnd type="none" w="med" len="med"/>
-                    </a:lnL>
-                    <a:lnR w="12700" cap="flat" cmpd="sng" algn="ctr">
-                      <a:solidFill>
-                        <a:srgbClr val="000000">
-                          <a:alpha val="100000"/>
-                        </a:srgbClr>
-                      </a:solidFill>
-                      <a:prstDash val="solid"/>
-                      <a:round/>
-                      <a:headEnd type="none" w="med" len="med"/>
-                      <a:tailEnd type="none" w="med" len="med"/>
-                    </a:lnR>
-                    <a:lnT w="12700" cap="flat" cmpd="sng" algn="ctr">
-                      <a:solidFill>
-                        <a:srgbClr val="000000">
-                          <a:alpha val="100000"/>
-                        </a:srgbClr>
-                      </a:solidFill>
-                      <a:prstDash val="solid"/>
-                      <a:round/>
-                      <a:headEnd type="none" w="med" len="med"/>
-                      <a:tailEnd type="none" w="med" len="med"/>
-                    </a:lnT>
-                    <a:lnB w="12700" cap="flat" cmpd="sng" algn="ctr">
-                      <a:solidFill>
-                        <a:srgbClr val="000000">
-                          <a:alpha val="100000"/>
-                        </a:srgbClr>
-                      </a:solidFill>
-                      <a:prstDash val="solid"/>
-                      <a:round/>
-                      <a:headEnd type="none" w="med" len="med"/>
-                      <a:tailEnd type="none" w="med" len="med"/>
-                    </a:lnB>
-                    <a:solidFill>
-                      <a:schemeClr val="bg1"/>
-                    </a:solidFill>
-                  </a:tcPr>
-                </a:tc>
-              </a:tr>
-              <a:tr h="526415">
-                <a:tc>
-                  <a:txBody>
-                    <a:bodyPr/>
-                    <a:lstStyle/>
-                    <a:p>
-                      <a:pPr marL="0" indent="0" algn="ctr" defTabSz="914400" eaLnBrk="1" latinLnBrk="1" hangingPunct="1">
-                        <a:lnSpc>
-                          <a:spcPct val="100000"/>
-                        </a:lnSpc>
-                        <a:spcBef>
-                          <a:spcPts val="0"/>
-                        </a:spcBef>
-                        <a:spcAft>
-                          <a:spcPts val="0"/>
-                        </a:spcAft>
-                        <a:buFontTx/>
-                        <a:buNone/>
-                      </a:pPr>
-                      <a:endParaRPr lang="ko-KR" altLang="en-US" sz="1000" b="0" i="0" kern="1200">
-                        <a:solidFill>
-                          <a:schemeClr val="tx1"/>
-                        </a:solidFill>
-                        <a:latin typeface="맑은 고딕" charset="0"/>
-                        <a:ea typeface="맑은 고딕" charset="0"/>
-                      </a:endParaRPr>
-                    </a:p>
-                  </a:txBody>
-                  <a:tcPr marL="0" marR="0" marT="0" marB="0" anchor="ctr">
-                    <a:lnL w="12700" cap="flat" cmpd="sng" algn="ctr">
-                      <a:solidFill>
-                        <a:srgbClr val="000000">
-                          <a:alpha val="100000"/>
-                        </a:srgbClr>
-                      </a:solidFill>
-                      <a:prstDash val="solid"/>
-                      <a:round/>
-                      <a:headEnd type="none" w="med" len="med"/>
-                      <a:tailEnd type="none" w="med" len="med"/>
-                    </a:lnL>
-                    <a:lnR w="12700" cap="flat" cmpd="sng" algn="ctr">
-                      <a:solidFill>
-                        <a:srgbClr val="000000">
-                          <a:alpha val="100000"/>
-                        </a:srgbClr>
-                      </a:solidFill>
-                      <a:prstDash val="solid"/>
-                      <a:round/>
-                      <a:headEnd type="none" w="med" len="med"/>
-                      <a:tailEnd type="none" w="med" len="med"/>
-                    </a:lnR>
-                    <a:lnT w="12700" cap="flat" cmpd="sng" algn="ctr">
-                      <a:solidFill>
-                        <a:srgbClr val="000000">
-                          <a:alpha val="100000"/>
-                        </a:srgbClr>
-                      </a:solidFill>
-                      <a:prstDash val="solid"/>
-                      <a:round/>
-                      <a:headEnd type="none" w="med" len="med"/>
-                      <a:tailEnd type="none" w="med" len="med"/>
-                    </a:lnT>
-                    <a:lnB w="12700" cap="flat" cmpd="sng" algn="ctr">
-                      <a:solidFill>
-                        <a:srgbClr val="000000">
-                          <a:alpha val="100000"/>
-                        </a:srgbClr>
-                      </a:solidFill>
-                      <a:prstDash val="solid"/>
-                      <a:round/>
-                      <a:headEnd type="none" w="med" len="med"/>
-                      <a:tailEnd type="none" w="med" len="med"/>
-                    </a:lnB>
-                    <a:noFill/>
-                  </a:tcPr>
-                </a:tc>
-                <a:tc>
-                  <a:txBody>
-                    <a:bodyPr/>
-                    <a:lstStyle/>
-                    <a:p>
-                      <a:pPr marL="0" indent="0" algn="ctr" defTabSz="914400" eaLnBrk="1" latinLnBrk="1" hangingPunct="1">
-                        <a:lnSpc>
-                          <a:spcPct val="100000"/>
-                        </a:lnSpc>
-                        <a:spcBef>
-                          <a:spcPts val="0"/>
-                        </a:spcBef>
-                        <a:spcAft>
-                          <a:spcPts val="0"/>
-                        </a:spcAft>
-                        <a:buFontTx/>
-                        <a:buNone/>
-                      </a:pPr>
-                      <a:endParaRPr lang="ko-KR" altLang="en-US" sz="1000" b="0" i="0" kern="1200">
-                        <a:solidFill>
-                          <a:schemeClr val="tx1"/>
-                        </a:solidFill>
-                        <a:latin typeface="맑은 고딕" charset="0"/>
-                        <a:ea typeface="맑은 고딕" charset="0"/>
-                      </a:endParaRPr>
-                    </a:p>
-                  </a:txBody>
-                  <a:tcPr marL="0" marR="0" marT="0" marB="0" anchor="ctr">
-                    <a:lnL w="12700" cap="flat" cmpd="sng" algn="ctr">
-                      <a:solidFill>
-                        <a:srgbClr val="000000">
-                          <a:alpha val="100000"/>
-                        </a:srgbClr>
-                      </a:solidFill>
-                      <a:prstDash val="solid"/>
-                      <a:round/>
-                      <a:headEnd type="none" w="med" len="med"/>
-                      <a:tailEnd type="none" w="med" len="med"/>
-                    </a:lnL>
-                    <a:lnR w="12700" cap="flat" cmpd="sng" algn="ctr">
-                      <a:solidFill>
-                        <a:srgbClr val="000000">
-                          <a:alpha val="100000"/>
-                        </a:srgbClr>
-                      </a:solidFill>
-                      <a:prstDash val="solid"/>
-                      <a:round/>
-                      <a:headEnd type="none" w="med" len="med"/>
-                      <a:tailEnd type="none" w="med" len="med"/>
-                    </a:lnR>
-                    <a:lnT w="12700" cap="flat" cmpd="sng" algn="ctr">
-                      <a:solidFill>
-                        <a:srgbClr val="000000">
-                          <a:alpha val="100000"/>
-                        </a:srgbClr>
-                      </a:solidFill>
-                      <a:prstDash val="solid"/>
-                      <a:round/>
-                      <a:headEnd type="none" w="med" len="med"/>
-                      <a:tailEnd type="none" w="med" len="med"/>
-                    </a:lnT>
-                    <a:lnB w="12700" cap="flat" cmpd="sng" algn="ctr">
-                      <a:solidFill>
-                        <a:srgbClr val="000000">
-                          <a:alpha val="100000"/>
-                        </a:srgbClr>
-                      </a:solidFill>
-                      <a:prstDash val="solid"/>
-                      <a:round/>
-                      <a:headEnd type="none" w="med" len="med"/>
-                      <a:tailEnd type="none" w="med" len="med"/>
-                    </a:lnB>
-                    <a:noFill/>
-                  </a:tcPr>
-                </a:tc>
-                <a:tc>
-                  <a:txBody>
-                    <a:bodyPr/>
-                    <a:lstStyle/>
-                    <a:p>
-                      <a:pPr marL="0" indent="0" algn="l" defTabSz="914400" eaLnBrk="1" latinLnBrk="1" hangingPunct="1">
-                        <a:lnSpc>
-                          <a:spcPct val="100000"/>
-                        </a:lnSpc>
-                        <a:spcBef>
-                          <a:spcPts val="0"/>
-                        </a:spcBef>
-                        <a:spcAft>
-                          <a:spcPts val="0"/>
-                        </a:spcAft>
-                        <a:buFontTx/>
-                        <a:buNone/>
-                      </a:pPr>
-                      <a:endParaRPr lang="ko-KR" altLang="en-US" sz="1000" b="0" i="0" kern="1200">
-                        <a:solidFill>
-                          <a:schemeClr val="tx1"/>
-                        </a:solidFill>
-                        <a:latin typeface="맑은 고딕" charset="0"/>
-                        <a:ea typeface="맑은 고딕" charset="0"/>
-                      </a:endParaRPr>
-                    </a:p>
-                  </a:txBody>
-                  <a:tcPr marL="0" marR="0" marT="0" marB="0" anchor="ctr">
-                    <a:lnL w="12700" cap="flat" cmpd="sng" algn="ctr">
-                      <a:solidFill>
-                        <a:srgbClr val="000000">
-                          <a:alpha val="100000"/>
-                        </a:srgbClr>
-                      </a:solidFill>
-                      <a:prstDash val="solid"/>
-                      <a:round/>
-                      <a:headEnd type="none" w="med" len="med"/>
-                      <a:tailEnd type="none" w="med" len="med"/>
-                    </a:lnL>
-                    <a:lnR w="12700" cap="flat" cmpd="sng" algn="ctr">
-                      <a:solidFill>
-                        <a:srgbClr val="000000">
-                          <a:alpha val="100000"/>
-                        </a:srgbClr>
-                      </a:solidFill>
-                      <a:prstDash val="solid"/>
-                      <a:round/>
-                      <a:headEnd type="none" w="med" len="med"/>
-                      <a:tailEnd type="none" w="med" len="med"/>
-                    </a:lnR>
-                    <a:lnT w="12700" cap="flat" cmpd="sng" algn="ctr">
-                      <a:solidFill>
-                        <a:srgbClr val="000000">
-                          <a:alpha val="100000"/>
-                        </a:srgbClr>
-                      </a:solidFill>
-                      <a:prstDash val="solid"/>
-                      <a:round/>
-                      <a:headEnd type="none" w="med" len="med"/>
-                      <a:tailEnd type="none" w="med" len="med"/>
-                    </a:lnT>
-                    <a:lnB w="12700" cap="flat" cmpd="sng" algn="ctr">
-                      <a:solidFill>
-                        <a:srgbClr val="000000">
-                          <a:alpha val="100000"/>
-                        </a:srgbClr>
-                      </a:solidFill>
-                      <a:prstDash val="solid"/>
-                      <a:round/>
-                      <a:headEnd type="none" w="med" len="med"/>
-                      <a:tailEnd type="none" w="med" len="med"/>
-                    </a:lnB>
-                    <a:solidFill>
-                      <a:schemeClr val="bg1"/>
-                    </a:solidFill>
-                  </a:tcPr>
-                </a:tc>
-              </a:tr>
-              <a:tr h="526415">
-                <a:tc>
-                  <a:txBody>
-                    <a:bodyPr/>
-                    <a:lstStyle/>
-                    <a:p>
-                      <a:pPr marL="0" indent="0" algn="ctr" defTabSz="914400" eaLnBrk="1" latinLnBrk="1" hangingPunct="1">
-                        <a:lnSpc>
-                          <a:spcPct val="100000"/>
-                        </a:lnSpc>
-                        <a:spcBef>
-                          <a:spcPts val="0"/>
-                        </a:spcBef>
-                        <a:spcAft>
-                          <a:spcPts val="0"/>
-                        </a:spcAft>
-                        <a:buFontTx/>
-                        <a:buNone/>
-                      </a:pPr>
-                      <a:endParaRPr lang="ko-KR" altLang="en-US" sz="1000" b="0" i="0" kern="1200">
-                        <a:solidFill>
-                          <a:schemeClr val="tx1"/>
-                        </a:solidFill>
-                        <a:latin typeface="맑은 고딕" charset="0"/>
-                        <a:ea typeface="맑은 고딕" charset="0"/>
-                      </a:endParaRPr>
-                    </a:p>
-                  </a:txBody>
-                  <a:tcPr marL="0" marR="0" marT="0" marB="0" anchor="ctr">
-                    <a:lnL w="12700" cap="flat" cmpd="sng" algn="ctr">
-                      <a:solidFill>
-                        <a:srgbClr val="000000">
-                          <a:alpha val="100000"/>
-                        </a:srgbClr>
-                      </a:solidFill>
-                      <a:prstDash val="solid"/>
-                      <a:round/>
-                      <a:headEnd type="none" w="med" len="med"/>
-                      <a:tailEnd type="none" w="med" len="med"/>
-                    </a:lnL>
-                    <a:lnR w="12700" cap="flat" cmpd="sng" algn="ctr">
-                      <a:solidFill>
-                        <a:srgbClr val="000000">
-                          <a:alpha val="100000"/>
-                        </a:srgbClr>
-                      </a:solidFill>
-                      <a:prstDash val="solid"/>
-                      <a:round/>
-                      <a:headEnd type="none" w="med" len="med"/>
-                      <a:tailEnd type="none" w="med" len="med"/>
-                    </a:lnR>
-                    <a:lnT w="12700" cap="flat" cmpd="sng" algn="ctr">
-                      <a:solidFill>
-                        <a:srgbClr val="000000">
-                          <a:alpha val="100000"/>
-                        </a:srgbClr>
-                      </a:solidFill>
-                      <a:prstDash val="solid"/>
-                      <a:round/>
-                      <a:headEnd type="none" w="med" len="med"/>
-                      <a:tailEnd type="none" w="med" len="med"/>
-                    </a:lnT>
-                    <a:lnB w="12700" cap="flat" cmpd="sng" algn="ctr">
-                      <a:solidFill>
-                        <a:srgbClr val="000000">
-                          <a:alpha val="100000"/>
-                        </a:srgbClr>
-                      </a:solidFill>
-                      <a:prstDash val="solid"/>
-                      <a:round/>
-                      <a:headEnd type="none" w="med" len="med"/>
-                      <a:tailEnd type="none" w="med" len="med"/>
-                    </a:lnB>
-                    <a:noFill/>
-                  </a:tcPr>
-                </a:tc>
-                <a:tc>
-                  <a:txBody>
-                    <a:bodyPr/>
-                    <a:lstStyle/>
-                    <a:p>
-                      <a:pPr marL="0" indent="0" algn="ctr" defTabSz="914400" eaLnBrk="1" latinLnBrk="1" hangingPunct="1">
-                        <a:lnSpc>
-                          <a:spcPct val="100000"/>
-                        </a:lnSpc>
-                        <a:spcBef>
-                          <a:spcPts val="0"/>
-                        </a:spcBef>
-                        <a:spcAft>
-                          <a:spcPts val="0"/>
-                        </a:spcAft>
-                        <a:buFontTx/>
-                        <a:buNone/>
-                      </a:pPr>
-                      <a:endParaRPr lang="ko-KR" altLang="en-US" sz="1000" b="0" i="0" kern="1200">
-                        <a:solidFill>
-                          <a:schemeClr val="tx1"/>
-                        </a:solidFill>
-                        <a:latin typeface="맑은 고딕" charset="0"/>
-                        <a:ea typeface="맑은 고딕" charset="0"/>
-                      </a:endParaRPr>
-                    </a:p>
-                  </a:txBody>
-                  <a:tcPr marL="0" marR="0" marT="0" marB="0" anchor="ctr">
-                    <a:lnL w="12700" cap="flat" cmpd="sng" algn="ctr">
-                      <a:solidFill>
-                        <a:srgbClr val="000000">
-                          <a:alpha val="100000"/>
-                        </a:srgbClr>
-                      </a:solidFill>
-                      <a:prstDash val="solid"/>
-                      <a:round/>
-                      <a:headEnd type="none" w="med" len="med"/>
-                      <a:tailEnd type="none" w="med" len="med"/>
-                    </a:lnL>
-                    <a:lnR w="12700" cap="flat" cmpd="sng" algn="ctr">
-                      <a:solidFill>
-                        <a:srgbClr val="000000">
-                          <a:alpha val="100000"/>
-                        </a:srgbClr>
-                      </a:solidFill>
-                      <a:prstDash val="solid"/>
-                      <a:round/>
-                      <a:headEnd type="none" w="med" len="med"/>
-                      <a:tailEnd type="none" w="med" len="med"/>
-                    </a:lnR>
-                    <a:lnT w="12700" cap="flat" cmpd="sng" algn="ctr">
-                      <a:solidFill>
-                        <a:srgbClr val="000000">
-                          <a:alpha val="100000"/>
-                        </a:srgbClr>
-                      </a:solidFill>
-                      <a:prstDash val="solid"/>
-                      <a:round/>
-                      <a:headEnd type="none" w="med" len="med"/>
-                      <a:tailEnd type="none" w="med" len="med"/>
-                    </a:lnT>
-                    <a:lnB w="12700" cap="flat" cmpd="sng" algn="ctr">
-                      <a:solidFill>
-                        <a:srgbClr val="000000">
-                          <a:alpha val="100000"/>
-                        </a:srgbClr>
-                      </a:solidFill>
-                      <a:prstDash val="solid"/>
-                      <a:round/>
-                      <a:headEnd type="none" w="med" len="med"/>
-                      <a:tailEnd type="none" w="med" len="med"/>
-                    </a:lnB>
-                    <a:noFill/>
-                  </a:tcPr>
-                </a:tc>
-                <a:tc>
-                  <a:txBody>
-                    <a:bodyPr/>
-                    <a:lstStyle/>
-                    <a:p>
-                      <a:pPr marL="0" indent="0" algn="l" defTabSz="914400" eaLnBrk="1" latinLnBrk="1" hangingPunct="1">
-                        <a:lnSpc>
-                          <a:spcPct val="100000"/>
-                        </a:lnSpc>
-                        <a:spcBef>
-                          <a:spcPts val="0"/>
-                        </a:spcBef>
-                        <a:spcAft>
-                          <a:spcPts val="0"/>
-                        </a:spcAft>
-                        <a:buFontTx/>
-                        <a:buNone/>
-                      </a:pPr>
-                      <a:endParaRPr lang="ko-KR" altLang="en-US" sz="1000" b="0" i="0" kern="1200">
-                        <a:solidFill>
-                          <a:schemeClr val="tx1"/>
-                        </a:solidFill>
-                        <a:latin typeface="맑은 고딕" charset="0"/>
-                        <a:ea typeface="맑은 고딕" charset="0"/>
-                      </a:endParaRPr>
-                    </a:p>
-                  </a:txBody>
-                  <a:tcPr marL="0" marR="0" marT="0" marB="0" anchor="ctr">
-                    <a:lnL w="12700" cap="flat" cmpd="sng" algn="ctr">
-                      <a:solidFill>
-                        <a:srgbClr val="000000">
-                          <a:alpha val="100000"/>
-                        </a:srgbClr>
-                      </a:solidFill>
-                      <a:prstDash val="solid"/>
-                      <a:round/>
-                      <a:headEnd type="none" w="med" len="med"/>
-                      <a:tailEnd type="none" w="med" len="med"/>
-                    </a:lnL>
-                    <a:lnR w="12700" cap="flat" cmpd="sng" algn="ctr">
-                      <a:solidFill>
-                        <a:srgbClr val="000000">
-                          <a:alpha val="100000"/>
-                        </a:srgbClr>
-                      </a:solidFill>
-                      <a:prstDash val="solid"/>
-                      <a:round/>
-                      <a:headEnd type="none" w="med" len="med"/>
-                      <a:tailEnd type="none" w="med" len="med"/>
-                    </a:lnR>
-                    <a:lnT w="12700" cap="flat" cmpd="sng" algn="ctr">
-                      <a:solidFill>
-                        <a:srgbClr val="000000">
-                          <a:alpha val="100000"/>
-                        </a:srgbClr>
-                      </a:solidFill>
-                      <a:prstDash val="solid"/>
-                      <a:round/>
-                      <a:headEnd type="none" w="med" len="med"/>
-                      <a:tailEnd type="none" w="med" len="med"/>
-                    </a:lnT>
-                    <a:lnB w="12700" cap="flat" cmpd="sng" algn="ctr">
-                      <a:solidFill>
-                        <a:srgbClr val="000000">
-                          <a:alpha val="100000"/>
-                        </a:srgbClr>
-                      </a:solidFill>
-                      <a:prstDash val="solid"/>
-                      <a:round/>
-                      <a:headEnd type="none" w="med" len="med"/>
-                      <a:tailEnd type="none" w="med" len="med"/>
-                    </a:lnB>
-                    <a:solidFill>
-                      <a:schemeClr val="bg1"/>
-                    </a:solidFill>
-                  </a:tcPr>
-                </a:tc>
-              </a:tr>
-              <a:tr h="526415">
-                <a:tc>
-                  <a:txBody>
-                    <a:bodyPr/>
-                    <a:lstStyle/>
-                    <a:p>
-                      <a:pPr marL="0" indent="0" algn="ctr" defTabSz="914400" eaLnBrk="1" latinLnBrk="1" hangingPunct="1">
-                        <a:lnSpc>
-                          <a:spcPct val="100000"/>
-                        </a:lnSpc>
-                        <a:spcBef>
-                          <a:spcPts val="0"/>
-                        </a:spcBef>
-                        <a:spcAft>
-                          <a:spcPts val="0"/>
-                        </a:spcAft>
-                        <a:buFontTx/>
-                        <a:buNone/>
-                      </a:pPr>
-                      <a:endParaRPr lang="ko-KR" altLang="en-US" sz="1000" b="0" i="0" kern="1200">
-                        <a:solidFill>
-                          <a:schemeClr val="tx1"/>
-                        </a:solidFill>
-                        <a:latin typeface="맑은 고딕" charset="0"/>
-                        <a:ea typeface="맑은 고딕" charset="0"/>
-                      </a:endParaRPr>
-                    </a:p>
-                  </a:txBody>
-                  <a:tcPr marL="0" marR="0" marT="0" marB="0" anchor="ctr">
-                    <a:lnL w="12700" cap="flat" cmpd="sng" algn="ctr">
-                      <a:solidFill>
-                        <a:srgbClr val="000000">
-                          <a:alpha val="100000"/>
-                        </a:srgbClr>
-                      </a:solidFill>
-                      <a:prstDash val="solid"/>
-                      <a:round/>
-                      <a:headEnd type="none" w="med" len="med"/>
-                      <a:tailEnd type="none" w="med" len="med"/>
-                    </a:lnL>
-                    <a:lnR w="12700" cap="flat" cmpd="sng" algn="ctr">
-                      <a:solidFill>
-                        <a:srgbClr val="000000">
-                          <a:alpha val="100000"/>
-                        </a:srgbClr>
-                      </a:solidFill>
-                      <a:prstDash val="solid"/>
-                      <a:round/>
-                      <a:headEnd type="none" w="med" len="med"/>
-                      <a:tailEnd type="none" w="med" len="med"/>
-                    </a:lnR>
-                    <a:lnT w="12700" cap="flat" cmpd="sng" algn="ctr">
-                      <a:solidFill>
-                        <a:srgbClr val="000000">
-                          <a:alpha val="100000"/>
-                        </a:srgbClr>
-                      </a:solidFill>
-                      <a:prstDash val="solid"/>
-                      <a:round/>
-                      <a:headEnd type="none" w="med" len="med"/>
-                      <a:tailEnd type="none" w="med" len="med"/>
-                    </a:lnT>
-                    <a:lnB w="12700" cap="flat" cmpd="sng" algn="ctr">
-                      <a:solidFill>
-                        <a:srgbClr val="000000">
-                          <a:alpha val="100000"/>
-                        </a:srgbClr>
-                      </a:solidFill>
-                      <a:prstDash val="solid"/>
-                      <a:round/>
-                      <a:headEnd type="none" w="med" len="med"/>
-                      <a:tailEnd type="none" w="med" len="med"/>
-                    </a:lnB>
-                    <a:noFill/>
-                  </a:tcPr>
-                </a:tc>
-                <a:tc>
-                  <a:txBody>
-                    <a:bodyPr/>
-                    <a:lstStyle/>
-                    <a:p>
-                      <a:pPr marL="0" indent="0" algn="ctr" defTabSz="914400" eaLnBrk="1" latinLnBrk="1" hangingPunct="1">
-                        <a:lnSpc>
-                          <a:spcPct val="100000"/>
-                        </a:lnSpc>
-                        <a:spcBef>
-                          <a:spcPts val="0"/>
-                        </a:spcBef>
-                        <a:spcAft>
-                          <a:spcPts val="0"/>
-                        </a:spcAft>
-                        <a:buFontTx/>
-                        <a:buNone/>
-                      </a:pPr>
-                      <a:endParaRPr lang="ko-KR" altLang="en-US" sz="1000" b="0" i="0" kern="1200">
-                        <a:solidFill>
-                          <a:schemeClr val="tx1"/>
-                        </a:solidFill>
-                        <a:latin typeface="맑은 고딕" charset="0"/>
-                        <a:ea typeface="맑은 고딕" charset="0"/>
-                      </a:endParaRPr>
-                    </a:p>
-                  </a:txBody>
-                  <a:tcPr marL="0" marR="0" marT="0" marB="0" anchor="ctr">
-                    <a:lnL w="12700" cap="flat" cmpd="sng" algn="ctr">
-                      <a:solidFill>
-                        <a:srgbClr val="000000">
-                          <a:alpha val="100000"/>
-                        </a:srgbClr>
-                      </a:solidFill>
-                      <a:prstDash val="solid"/>
-                      <a:round/>
-                      <a:headEnd type="none" w="med" len="med"/>
-                      <a:tailEnd type="none" w="med" len="med"/>
-                    </a:lnL>
-                    <a:lnR w="12700" cap="flat" cmpd="sng" algn="ctr">
-                      <a:solidFill>
-                        <a:srgbClr val="000000">
-                          <a:alpha val="100000"/>
-                        </a:srgbClr>
-                      </a:solidFill>
-                      <a:prstDash val="solid"/>
-                      <a:round/>
-                      <a:headEnd type="none" w="med" len="med"/>
-                      <a:tailEnd type="none" w="med" len="med"/>
-                    </a:lnR>
-                    <a:lnT w="12700" cap="flat" cmpd="sng" algn="ctr">
-                      <a:solidFill>
-                        <a:srgbClr val="000000">
-                          <a:alpha val="100000"/>
-                        </a:srgbClr>
-                      </a:solidFill>
-                      <a:prstDash val="solid"/>
-                      <a:round/>
-                      <a:headEnd type="none" w="med" len="med"/>
-                      <a:tailEnd type="none" w="med" len="med"/>
-                    </a:lnT>
-                    <a:lnB w="12700" cap="flat" cmpd="sng" algn="ctr">
-                      <a:solidFill>
-                        <a:srgbClr val="000000">
-                          <a:alpha val="100000"/>
-                        </a:srgbClr>
-                      </a:solidFill>
-                      <a:prstDash val="solid"/>
-                      <a:round/>
-                      <a:headEnd type="none" w="med" len="med"/>
-                      <a:tailEnd type="none" w="med" len="med"/>
-                    </a:lnB>
-                    <a:noFill/>
-                  </a:tcPr>
-                </a:tc>
-                <a:tc>
-                  <a:txBody>
-                    <a:bodyPr/>
-                    <a:lstStyle/>
-                    <a:p>
-                      <a:pPr marL="0" indent="0" algn="l" defTabSz="914400" eaLnBrk="1" latinLnBrk="1" hangingPunct="1">
-                        <a:lnSpc>
-                          <a:spcPct val="100000"/>
-                        </a:lnSpc>
-                        <a:spcBef>
-                          <a:spcPts val="0"/>
-                        </a:spcBef>
-                        <a:spcAft>
-                          <a:spcPts val="0"/>
-                        </a:spcAft>
-                        <a:buFontTx/>
-                        <a:buNone/>
-                      </a:pPr>
-                      <a:endParaRPr lang="ko-KR" altLang="en-US" sz="1000" b="0" i="0" kern="1200">
-                        <a:solidFill>
-                          <a:schemeClr val="tx1"/>
-                        </a:solidFill>
-                        <a:latin typeface="맑은 고딕" charset="0"/>
-                        <a:ea typeface="맑은 고딕" charset="0"/>
-                      </a:endParaRPr>
-                    </a:p>
-                  </a:txBody>
-                  <a:tcPr marL="0" marR="0" marT="0" marB="0" anchor="ctr">
-                    <a:lnL w="12700" cap="flat" cmpd="sng" algn="ctr">
-                      <a:solidFill>
-                        <a:srgbClr val="000000">
-                          <a:alpha val="100000"/>
-                        </a:srgbClr>
-                      </a:solidFill>
-                      <a:prstDash val="solid"/>
-                      <a:round/>
-                      <a:headEnd type="none" w="med" len="med"/>
-                      <a:tailEnd type="none" w="med" len="med"/>
-                    </a:lnL>
-                    <a:lnR w="12700" cap="flat" cmpd="sng" algn="ctr">
-                      <a:solidFill>
-                        <a:srgbClr val="000000">
-                          <a:alpha val="100000"/>
-                        </a:srgbClr>
-                      </a:solidFill>
-                      <a:prstDash val="solid"/>
-                      <a:round/>
-                      <a:headEnd type="none" w="med" len="med"/>
-                      <a:tailEnd type="none" w="med" len="med"/>
-                    </a:lnR>
-                    <a:lnT w="12700" cap="flat" cmpd="sng" algn="ctr">
-                      <a:solidFill>
-                        <a:srgbClr val="000000">
-                          <a:alpha val="100000"/>
-                        </a:srgbClr>
-                      </a:solidFill>
-                      <a:prstDash val="solid"/>
-                      <a:round/>
-                      <a:headEnd type="none" w="med" len="med"/>
-                      <a:tailEnd type="none" w="med" len="med"/>
-                    </a:lnT>
-                    <a:lnB w="12700" cap="flat" cmpd="sng" algn="ctr">
-                      <a:solidFill>
-                        <a:srgbClr val="000000">
-                          <a:alpha val="100000"/>
-                        </a:srgbClr>
-                      </a:solidFill>
-                      <a:prstDash val="solid"/>
-                      <a:round/>
-                      <a:headEnd type="none" w="med" len="med"/>
-                      <a:tailEnd type="none" w="med" len="med"/>
-                    </a:lnB>
-                    <a:solidFill>
-                      <a:schemeClr val="bg1"/>
-                    </a:solidFill>
-                  </a:tcPr>
-                </a:tc>
-              </a:tr>
-              <a:tr h="526415">
-                <a:tc>
-                  <a:txBody>
-                    <a:bodyPr/>
-                    <a:lstStyle/>
-                    <a:p>
-                      <a:pPr marL="0" indent="0" algn="ctr" defTabSz="914400" eaLnBrk="1" latinLnBrk="1" hangingPunct="1">
-                        <a:lnSpc>
-                          <a:spcPct val="100000"/>
-                        </a:lnSpc>
-                        <a:spcBef>
-                          <a:spcPts val="0"/>
-                        </a:spcBef>
-                        <a:spcAft>
-                          <a:spcPts val="0"/>
-                        </a:spcAft>
-                        <a:buFontTx/>
-                        <a:buNone/>
-                      </a:pPr>
-                      <a:endParaRPr lang="ko-KR" altLang="en-US" sz="1000" b="0" i="0" kern="1200">
-                        <a:solidFill>
-                          <a:schemeClr val="tx1"/>
-                        </a:solidFill>
-                        <a:latin typeface="맑은 고딕" charset="0"/>
-                        <a:ea typeface="맑은 고딕" charset="0"/>
-                      </a:endParaRPr>
-                    </a:p>
-                  </a:txBody>
-                  <a:tcPr marL="0" marR="0" marT="0" marB="0" anchor="ctr">
-                    <a:lnL w="12700" cap="flat" cmpd="sng" algn="ctr">
-                      <a:solidFill>
-                        <a:srgbClr val="000000">
-                          <a:alpha val="100000"/>
-                        </a:srgbClr>
-                      </a:solidFill>
-                      <a:prstDash val="solid"/>
-                      <a:round/>
-                      <a:headEnd type="none" w="med" len="med"/>
-                      <a:tailEnd type="none" w="med" len="med"/>
-                    </a:lnL>
-                    <a:lnR w="12700" cap="flat" cmpd="sng" algn="ctr">
-                      <a:solidFill>
-                        <a:srgbClr val="000000">
-                          <a:alpha val="100000"/>
-                        </a:srgbClr>
-                      </a:solidFill>
-                      <a:prstDash val="solid"/>
-                      <a:round/>
-                      <a:headEnd type="none" w="med" len="med"/>
-                      <a:tailEnd type="none" w="med" len="med"/>
-                    </a:lnR>
-                    <a:lnT w="12700" cap="flat" cmpd="sng" algn="ctr">
-                      <a:solidFill>
-                        <a:srgbClr val="000000">
-                          <a:alpha val="100000"/>
-                        </a:srgbClr>
-                      </a:solidFill>
-                      <a:prstDash val="solid"/>
-                      <a:round/>
-                      <a:headEnd type="none" w="med" len="med"/>
-                      <a:tailEnd type="none" w="med" len="med"/>
-                    </a:lnT>
-                    <a:lnB w="12700" cap="flat" cmpd="sng" algn="ctr">
-                      <a:solidFill>
-                        <a:srgbClr val="000000">
-                          <a:alpha val="100000"/>
-                        </a:srgbClr>
-                      </a:solidFill>
-                      <a:prstDash val="solid"/>
-                      <a:round/>
-                      <a:headEnd type="none" w="med" len="med"/>
-                      <a:tailEnd type="none" w="med" len="med"/>
-                    </a:lnB>
-                    <a:noFill/>
-                  </a:tcPr>
-                </a:tc>
-                <a:tc>
-                  <a:txBody>
-                    <a:bodyPr/>
-                    <a:lstStyle/>
-                    <a:p>
-                      <a:pPr marL="0" indent="0" algn="ctr" defTabSz="914400" eaLnBrk="1" latinLnBrk="1" hangingPunct="1">
-                        <a:lnSpc>
-                          <a:spcPct val="100000"/>
-                        </a:lnSpc>
-                        <a:spcBef>
-                          <a:spcPts val="0"/>
-                        </a:spcBef>
-                        <a:spcAft>
-                          <a:spcPts val="0"/>
-                        </a:spcAft>
-                        <a:buFontTx/>
-                        <a:buNone/>
-                      </a:pPr>
-                      <a:endParaRPr lang="ko-KR" altLang="en-US" sz="1000" b="0" i="0" kern="1200">
-                        <a:solidFill>
-                          <a:schemeClr val="tx1"/>
-                        </a:solidFill>
-                        <a:latin typeface="맑은 고딕" charset="0"/>
-                        <a:ea typeface="맑은 고딕" charset="0"/>
-                      </a:endParaRPr>
-                    </a:p>
-                  </a:txBody>
-                  <a:tcPr marL="0" marR="0" marT="0" marB="0" anchor="ctr">
-                    <a:lnL w="12700" cap="flat" cmpd="sng" algn="ctr">
-                      <a:solidFill>
-                        <a:srgbClr val="000000">
-                          <a:alpha val="100000"/>
-                        </a:srgbClr>
-                      </a:solidFill>
-                      <a:prstDash val="solid"/>
-                      <a:round/>
-                      <a:headEnd type="none" w="med" len="med"/>
-                      <a:tailEnd type="none" w="med" len="med"/>
-                    </a:lnL>
-                    <a:lnR w="12700" cap="flat" cmpd="sng" algn="ctr">
-                      <a:solidFill>
-                        <a:srgbClr val="000000">
-                          <a:alpha val="100000"/>
-                        </a:srgbClr>
-                      </a:solidFill>
-                      <a:prstDash val="solid"/>
-                      <a:round/>
-                      <a:headEnd type="none" w="med" len="med"/>
-                      <a:tailEnd type="none" w="med" len="med"/>
-                    </a:lnR>
-                    <a:lnT w="12700" cap="flat" cmpd="sng" algn="ctr">
-                      <a:solidFill>
-                        <a:srgbClr val="000000">
-                          <a:alpha val="100000"/>
-                        </a:srgbClr>
-                      </a:solidFill>
-                      <a:prstDash val="solid"/>
-                      <a:round/>
-                      <a:headEnd type="none" w="med" len="med"/>
-                      <a:tailEnd type="none" w="med" len="med"/>
-                    </a:lnT>
-                    <a:lnB w="12700" cap="flat" cmpd="sng" algn="ctr">
-                      <a:solidFill>
-                        <a:srgbClr val="000000">
-                          <a:alpha val="100000"/>
-                        </a:srgbClr>
-                      </a:solidFill>
-                      <a:prstDash val="solid"/>
-                      <a:round/>
-                      <a:headEnd type="none" w="med" len="med"/>
-                      <a:tailEnd type="none" w="med" len="med"/>
-                    </a:lnB>
-                    <a:noFill/>
-                  </a:tcPr>
-                </a:tc>
-                <a:tc>
-                  <a:txBody>
-                    <a:bodyPr/>
-                    <a:lstStyle/>
-                    <a:p>
-                      <a:pPr marL="0" indent="0" algn="l" defTabSz="914400" eaLnBrk="1" latinLnBrk="1" hangingPunct="1">
-                        <a:lnSpc>
-                          <a:spcPct val="100000"/>
-                        </a:lnSpc>
-                        <a:spcBef>
-                          <a:spcPts val="0"/>
-                        </a:spcBef>
-                        <a:spcAft>
-                          <a:spcPts val="0"/>
-                        </a:spcAft>
-                        <a:buFontTx/>
-                        <a:buNone/>
-                      </a:pPr>
-                      <a:endParaRPr lang="ko-KR" altLang="en-US" sz="1000" b="0" i="0" kern="1200">
-                        <a:solidFill>
-                          <a:schemeClr val="tx1"/>
-                        </a:solidFill>
-                        <a:latin typeface="맑은 고딕" charset="0"/>
-                        <a:ea typeface="맑은 고딕" charset="0"/>
-                      </a:endParaRPr>
-                    </a:p>
-                  </a:txBody>
-                  <a:tcPr marL="0" marR="0" marT="0" marB="0" anchor="ctr">
-                    <a:lnL w="12700" cap="flat" cmpd="sng" algn="ctr">
-                      <a:solidFill>
-                        <a:srgbClr val="000000">
-                          <a:alpha val="100000"/>
-                        </a:srgbClr>
-                      </a:solidFill>
-                      <a:prstDash val="solid"/>
-                      <a:round/>
-                      <a:headEnd type="none" w="med" len="med"/>
-                      <a:tailEnd type="none" w="med" len="med"/>
-                    </a:lnL>
-                    <a:lnR w="12700" cap="flat" cmpd="sng" algn="ctr">
-                      <a:solidFill>
-                        <a:srgbClr val="000000">
-                          <a:alpha val="100000"/>
-                        </a:srgbClr>
-                      </a:solidFill>
-                      <a:prstDash val="solid"/>
-                      <a:round/>
-                      <a:headEnd type="none" w="med" len="med"/>
-                      <a:tailEnd type="none" w="med" len="med"/>
-                    </a:lnR>
-                    <a:lnT w="12700" cap="flat" cmpd="sng" algn="ctr">
-                      <a:solidFill>
-                        <a:srgbClr val="000000">
-                          <a:alpha val="100000"/>
-                        </a:srgbClr>
-                      </a:solidFill>
-                      <a:prstDash val="solid"/>
-                      <a:round/>
-                      <a:headEnd type="none" w="med" len="med"/>
-                      <a:tailEnd type="none" w="med" len="med"/>
-                    </a:lnT>
-                    <a:lnB w="12700" cap="flat" cmpd="sng" algn="ctr">
-                      <a:solidFill>
-                        <a:srgbClr val="000000">
-                          <a:alpha val="100000"/>
-                        </a:srgbClr>
-                      </a:solidFill>
-                      <a:prstDash val="solid"/>
-                      <a:round/>
-                      <a:headEnd type="none" w="med" len="med"/>
-                      <a:tailEnd type="none" w="med" len="med"/>
-                    </a:lnB>
-                    <a:solidFill>
-                      <a:schemeClr val="bg1"/>
-                    </a:solidFill>
-                  </a:tcPr>
-                </a:tc>
-              </a:tr>
-              <a:tr h="500380">
-                <a:tc>
-                  <a:txBody>
-                    <a:bodyPr/>
-                    <a:lstStyle/>
-                    <a:p>
-                      <a:pPr marL="0" indent="0" algn="ctr" defTabSz="914400" eaLnBrk="1" latinLnBrk="1" hangingPunct="1">
-                        <a:lnSpc>
-                          <a:spcPct val="100000"/>
-                        </a:lnSpc>
-                        <a:spcBef>
-                          <a:spcPts val="0"/>
-                        </a:spcBef>
-                        <a:spcAft>
-                          <a:spcPts val="0"/>
-                        </a:spcAft>
-                        <a:buFontTx/>
-                        <a:buNone/>
-                      </a:pPr>
-                      <a:endParaRPr lang="ko-KR" altLang="en-US" sz="1000" b="0" i="0" kern="1200">
-                        <a:solidFill>
-                          <a:schemeClr val="tx1"/>
-                        </a:solidFill>
-                        <a:latin typeface="맑은 고딕" charset="0"/>
-                        <a:ea typeface="맑은 고딕" charset="0"/>
-                      </a:endParaRPr>
-                    </a:p>
-                  </a:txBody>
-                  <a:tcPr marL="0" marR="0" marT="0" marB="0" anchor="ctr">
-                    <a:lnL w="12700" cap="flat" cmpd="sng" algn="ctr">
-                      <a:solidFill>
-                        <a:srgbClr val="000000">
-                          <a:alpha val="100000"/>
-                        </a:srgbClr>
-                      </a:solidFill>
-                      <a:prstDash val="solid"/>
-                      <a:round/>
-                      <a:headEnd type="none" w="med" len="med"/>
-                      <a:tailEnd type="none" w="med" len="med"/>
-                    </a:lnL>
-                    <a:lnR w="12700" cap="flat" cmpd="sng" algn="ctr">
-                      <a:solidFill>
-                        <a:srgbClr val="000000">
-                          <a:alpha val="100000"/>
-                        </a:srgbClr>
-                      </a:solidFill>
-                      <a:prstDash val="solid"/>
-                      <a:round/>
-                      <a:headEnd type="none" w="med" len="med"/>
-                      <a:tailEnd type="none" w="med" len="med"/>
-                    </a:lnR>
-                    <a:lnT w="12700" cap="flat" cmpd="sng" algn="ctr">
-                      <a:solidFill>
-                        <a:srgbClr val="000000">
-                          <a:alpha val="100000"/>
-                        </a:srgbClr>
-                      </a:solidFill>
-                      <a:prstDash val="solid"/>
-                      <a:round/>
-                      <a:headEnd type="none" w="med" len="med"/>
-                      <a:tailEnd type="none" w="med" len="med"/>
-                    </a:lnT>
-                    <a:lnB w="12700" cap="flat" cmpd="sng" algn="ctr">
-                      <a:solidFill>
-                        <a:srgbClr val="000000">
-                          <a:alpha val="100000"/>
-                        </a:srgbClr>
-                      </a:solidFill>
-                      <a:prstDash val="solid"/>
-                      <a:round/>
-                      <a:headEnd type="none" w="med" len="med"/>
-                      <a:tailEnd type="none" w="med" len="med"/>
-                    </a:lnB>
-                    <a:noFill/>
-                  </a:tcPr>
-                </a:tc>
-                <a:tc>
-                  <a:txBody>
-                    <a:bodyPr/>
-                    <a:lstStyle/>
-                    <a:p>
-                      <a:pPr marL="0" indent="0" algn="ctr" defTabSz="914400" eaLnBrk="1" latinLnBrk="1" hangingPunct="1">
-                        <a:lnSpc>
-                          <a:spcPct val="100000"/>
-                        </a:lnSpc>
-                        <a:spcBef>
-                          <a:spcPts val="0"/>
-                        </a:spcBef>
-                        <a:spcAft>
-                          <a:spcPts val="0"/>
-                        </a:spcAft>
-                        <a:buFontTx/>
-                        <a:buNone/>
-                      </a:pPr>
-                      <a:endParaRPr lang="ko-KR" altLang="en-US" sz="1000" b="0" i="0" kern="1200">
-                        <a:solidFill>
-                          <a:schemeClr val="tx1"/>
-                        </a:solidFill>
-                        <a:latin typeface="맑은 고딕" charset="0"/>
-                        <a:ea typeface="맑은 고딕" charset="0"/>
-                      </a:endParaRPr>
-                    </a:p>
-                  </a:txBody>
-                  <a:tcPr marL="0" marR="0" marT="0" marB="0" anchor="ctr">
-                    <a:lnL w="12700" cap="flat" cmpd="sng" algn="ctr">
-                      <a:solidFill>
-                        <a:srgbClr val="000000">
-                          <a:alpha val="100000"/>
-                        </a:srgbClr>
-                      </a:solidFill>
-                      <a:prstDash val="solid"/>
-                      <a:round/>
-                      <a:headEnd type="none" w="med" len="med"/>
-                      <a:tailEnd type="none" w="med" len="med"/>
-                    </a:lnL>
-                    <a:lnR w="12700" cap="flat" cmpd="sng" algn="ctr">
-                      <a:solidFill>
-                        <a:srgbClr val="000000">
-                          <a:alpha val="100000"/>
-                        </a:srgbClr>
-                      </a:solidFill>
-                      <a:prstDash val="solid"/>
-                      <a:round/>
-                      <a:headEnd type="none" w="med" len="med"/>
-                      <a:tailEnd type="none" w="med" len="med"/>
-                    </a:lnR>
-                    <a:lnT w="12700" cap="flat" cmpd="sng" algn="ctr">
-                      <a:solidFill>
-                        <a:srgbClr val="000000">
-                          <a:alpha val="100000"/>
-                        </a:srgbClr>
-                      </a:solidFill>
-                      <a:prstDash val="solid"/>
-                      <a:round/>
-                      <a:headEnd type="none" w="med" len="med"/>
-                      <a:tailEnd type="none" w="med" len="med"/>
-                    </a:lnT>
-                    <a:lnB w="12700" cap="flat" cmpd="sng" algn="ctr">
-                      <a:solidFill>
-                        <a:srgbClr val="000000">
-                          <a:alpha val="100000"/>
-                        </a:srgbClr>
-                      </a:solidFill>
-                      <a:prstDash val="solid"/>
-                      <a:round/>
-                      <a:headEnd type="none" w="med" len="med"/>
-                      <a:tailEnd type="none" w="med" len="med"/>
-                    </a:lnB>
-                    <a:noFill/>
-                  </a:tcPr>
-                </a:tc>
-                <a:tc>
-                  <a:txBody>
-                    <a:bodyPr/>
-                    <a:lstStyle/>
-                    <a:p>
-                      <a:pPr marL="0" indent="0" algn="l" defTabSz="914400" eaLnBrk="1" latinLnBrk="1" hangingPunct="1">
-                        <a:lnSpc>
-                          <a:spcPct val="100000"/>
-                        </a:lnSpc>
-                        <a:spcBef>
-                          <a:spcPts val="0"/>
-                        </a:spcBef>
-                        <a:spcAft>
-                          <a:spcPts val="0"/>
-                        </a:spcAft>
-                        <a:buFontTx/>
-                        <a:buNone/>
-                      </a:pPr>
-                      <a:endParaRPr lang="ko-KR" altLang="en-US" sz="1000" b="0" i="0" kern="1200">
-                        <a:solidFill>
-                          <a:schemeClr val="tx1"/>
-                        </a:solidFill>
-                        <a:latin typeface="맑은 고딕" charset="0"/>
-                        <a:ea typeface="맑은 고딕" charset="0"/>
-                      </a:endParaRPr>
-                    </a:p>
-                  </a:txBody>
-                  <a:tcPr marL="0" marR="0" marT="0" marB="0" anchor="ctr">
-                    <a:lnL w="12700" cap="flat" cmpd="sng" algn="ctr">
-                      <a:solidFill>
-                        <a:srgbClr val="000000">
-                          <a:alpha val="100000"/>
-                        </a:srgbClr>
-                      </a:solidFill>
-                      <a:prstDash val="solid"/>
-                      <a:round/>
-                      <a:headEnd type="none" w="med" len="med"/>
-                      <a:tailEnd type="none" w="med" len="med"/>
-                    </a:lnL>
-                    <a:lnR w="12700" cap="flat" cmpd="sng" algn="ctr">
-                      <a:solidFill>
-                        <a:srgbClr val="000000">
-                          <a:alpha val="100000"/>
-                        </a:srgbClr>
-                      </a:solidFill>
-                      <a:prstDash val="solid"/>
-                      <a:round/>
-                      <a:headEnd type="none" w="med" len="med"/>
-                      <a:tailEnd type="none" w="med" len="med"/>
-                    </a:lnR>
-                    <a:lnT w="12700" cap="flat" cmpd="sng" algn="ctr">
-                      <a:solidFill>
-                        <a:srgbClr val="000000">
-                          <a:alpha val="100000"/>
-                        </a:srgbClr>
-                      </a:solidFill>
-                      <a:prstDash val="solid"/>
-                      <a:round/>
-                      <a:headEnd type="none" w="med" len="med"/>
-                      <a:tailEnd type="none" w="med" len="med"/>
-                    </a:lnT>
-                    <a:lnB w="12700" cap="flat" cmpd="sng" algn="ctr">
-                      <a:solidFill>
-                        <a:srgbClr val="000000">
-                          <a:alpha val="100000"/>
-                        </a:srgbClr>
-                      </a:solidFill>
-                      <a:prstDash val="solid"/>
-                      <a:round/>
-                      <a:headEnd type="none" w="med" len="med"/>
-                      <a:tailEnd type="none" w="med" len="med"/>
-                    </a:lnB>
-                    <a:solidFill>
-                      <a:schemeClr val="bg1"/>
-                    </a:solidFill>
-                  </a:tcPr>
-                </a:tc>
-              </a:tr>
-              <a:tr h="509270">
-                <a:tc>
-                  <a:txBody>
-                    <a:bodyPr/>
-                    <a:lstStyle/>
-                    <a:p>
-                      <a:pPr marL="0" indent="0" algn="ctr" defTabSz="914400" eaLnBrk="1" latinLnBrk="1" hangingPunct="1">
-                        <a:lnSpc>
-                          <a:spcPct val="100000"/>
-                        </a:lnSpc>
-                        <a:spcBef>
-                          <a:spcPts val="0"/>
-                        </a:spcBef>
-                        <a:spcAft>
-                          <a:spcPts val="0"/>
-                        </a:spcAft>
-                        <a:buFontTx/>
-                        <a:buNone/>
-                      </a:pPr>
-                      <a:endParaRPr lang="ko-KR" altLang="en-US" sz="1000" b="0" i="0" kern="1200">
-                        <a:solidFill>
-                          <a:schemeClr val="tx1"/>
-                        </a:solidFill>
-                        <a:latin typeface="맑은 고딕" charset="0"/>
-                        <a:ea typeface="맑은 고딕" charset="0"/>
-                      </a:endParaRPr>
-                    </a:p>
-                  </a:txBody>
-                  <a:tcPr marL="0" marR="0" marT="0" marB="0" anchor="ctr">
-                    <a:lnL w="12700" cap="flat" cmpd="sng" algn="ctr">
-                      <a:solidFill>
-                        <a:srgbClr val="000000">
-                          <a:alpha val="100000"/>
-                        </a:srgbClr>
-                      </a:solidFill>
-                      <a:prstDash val="solid"/>
-                      <a:round/>
-                      <a:headEnd type="none" w="med" len="med"/>
-                      <a:tailEnd type="none" w="med" len="med"/>
-                    </a:lnL>
-                    <a:lnR w="12700" cap="flat" cmpd="sng" algn="ctr">
-                      <a:solidFill>
-                        <a:srgbClr val="000000">
-                          <a:alpha val="100000"/>
-                        </a:srgbClr>
-                      </a:solidFill>
-                      <a:prstDash val="solid"/>
-                      <a:round/>
-                      <a:headEnd type="none" w="med" len="med"/>
-                      <a:tailEnd type="none" w="med" len="med"/>
-                    </a:lnR>
-                    <a:lnT w="12700" cap="flat" cmpd="sng" algn="ctr">
-                      <a:solidFill>
-                        <a:srgbClr val="000000">
-                          <a:alpha val="100000"/>
-                        </a:srgbClr>
-                      </a:solidFill>
-                      <a:prstDash val="solid"/>
-                      <a:round/>
-                      <a:headEnd type="none" w="med" len="med"/>
-                      <a:tailEnd type="none" w="med" len="med"/>
-                    </a:lnT>
-                    <a:lnB w="12700" cap="flat" cmpd="sng" algn="ctr">
-                      <a:solidFill>
-                        <a:srgbClr val="000000">
-                          <a:alpha val="100000"/>
-                        </a:srgbClr>
-                      </a:solidFill>
-                      <a:prstDash val="solid"/>
-                      <a:round/>
-                      <a:headEnd type="none" w="med" len="med"/>
-                      <a:tailEnd type="none" w="med" len="med"/>
-                    </a:lnB>
-                    <a:noFill/>
-                  </a:tcPr>
-                </a:tc>
-                <a:tc>
-                  <a:txBody>
-                    <a:bodyPr/>
-                    <a:lstStyle/>
-                    <a:p>
-                      <a:pPr marL="0" indent="0" algn="ctr" defTabSz="914400" eaLnBrk="1" latinLnBrk="1" hangingPunct="1">
-                        <a:lnSpc>
-                          <a:spcPct val="100000"/>
-                        </a:lnSpc>
-                        <a:spcBef>
-                          <a:spcPts val="0"/>
-                        </a:spcBef>
-                        <a:spcAft>
-                          <a:spcPts val="0"/>
-                        </a:spcAft>
-                        <a:buFontTx/>
-                        <a:buNone/>
-                      </a:pPr>
-                      <a:endParaRPr lang="ko-KR" altLang="en-US" sz="1000" b="0" i="0" kern="1200">
-                        <a:solidFill>
-                          <a:schemeClr val="tx1"/>
-                        </a:solidFill>
-                        <a:latin typeface="맑은 고딕" charset="0"/>
-                        <a:ea typeface="맑은 고딕" charset="0"/>
-                      </a:endParaRPr>
-                    </a:p>
-                  </a:txBody>
-                  <a:tcPr marL="0" marR="0" marT="0" marB="0" anchor="ctr">
-                    <a:lnL w="12700" cap="flat" cmpd="sng" algn="ctr">
-                      <a:solidFill>
-                        <a:srgbClr val="000000">
-                          <a:alpha val="100000"/>
-                        </a:srgbClr>
-                      </a:solidFill>
-                      <a:prstDash val="solid"/>
-                      <a:round/>
-                      <a:headEnd type="none" w="med" len="med"/>
-                      <a:tailEnd type="none" w="med" len="med"/>
-                    </a:lnL>
-                    <a:lnR w="12700" cap="flat" cmpd="sng" algn="ctr">
-                      <a:solidFill>
-                        <a:srgbClr val="000000">
-                          <a:alpha val="100000"/>
-                        </a:srgbClr>
-                      </a:solidFill>
-                      <a:prstDash val="solid"/>
-                      <a:round/>
-                      <a:headEnd type="none" w="med" len="med"/>
-                      <a:tailEnd type="none" w="med" len="med"/>
-                    </a:lnR>
-                    <a:lnT w="12700" cap="flat" cmpd="sng" algn="ctr">
-                      <a:solidFill>
-                        <a:srgbClr val="000000">
-                          <a:alpha val="100000"/>
-                        </a:srgbClr>
-                      </a:solidFill>
-                      <a:prstDash val="solid"/>
-                      <a:round/>
-                      <a:headEnd type="none" w="med" len="med"/>
-                      <a:tailEnd type="none" w="med" len="med"/>
-                    </a:lnT>
-                    <a:lnB w="12700" cap="flat" cmpd="sng" algn="ctr">
-                      <a:solidFill>
-                        <a:srgbClr val="000000">
-                          <a:alpha val="100000"/>
-                        </a:srgbClr>
-                      </a:solidFill>
-                      <a:prstDash val="solid"/>
-                      <a:round/>
-                      <a:headEnd type="none" w="med" len="med"/>
-                      <a:tailEnd type="none" w="med" len="med"/>
-                    </a:lnB>
-                    <a:noFill/>
-                  </a:tcPr>
-                </a:tc>
-                <a:tc>
-                  <a:txBody>
-                    <a:bodyPr/>
-                    <a:lstStyle/>
-                    <a:p>
-                      <a:pPr marL="0" indent="0" algn="l" defTabSz="914400" eaLnBrk="1" latinLnBrk="1" hangingPunct="1">
-                        <a:lnSpc>
-                          <a:spcPct val="100000"/>
-                        </a:lnSpc>
-                        <a:spcBef>
-                          <a:spcPts val="0"/>
-                        </a:spcBef>
-                        <a:spcAft>
-                          <a:spcPts val="0"/>
-                        </a:spcAft>
-                        <a:buFontTx/>
-                        <a:buNone/>
-                      </a:pPr>
-                      <a:endParaRPr lang="ko-KR" altLang="en-US" sz="1000" b="0" i="0" kern="1200">
-                        <a:solidFill>
-                          <a:schemeClr val="tx1"/>
-                        </a:solidFill>
-                        <a:latin typeface="맑은 고딕" charset="0"/>
-                        <a:ea typeface="맑은 고딕" charset="0"/>
-                      </a:endParaRPr>
-                    </a:p>
-                  </a:txBody>
-                  <a:tcPr marL="0" marR="0" marT="0" marB="0" anchor="ctr">
-                    <a:lnL w="12700" cap="flat" cmpd="sng" algn="ctr">
-                      <a:solidFill>
-                        <a:srgbClr val="000000">
-                          <a:alpha val="100000"/>
-                        </a:srgbClr>
-                      </a:solidFill>
-                      <a:prstDash val="solid"/>
-                      <a:round/>
-                      <a:headEnd type="none" w="med" len="med"/>
-                      <a:tailEnd type="none" w="med" len="med"/>
-                    </a:lnL>
-                    <a:lnR w="12700" cap="flat" cmpd="sng" algn="ctr">
-                      <a:solidFill>
-                        <a:srgbClr val="000000">
-                          <a:alpha val="100000"/>
-                        </a:srgbClr>
-                      </a:solidFill>
-                      <a:prstDash val="solid"/>
-                      <a:round/>
-                      <a:headEnd type="none" w="med" len="med"/>
-                      <a:tailEnd type="none" w="med" len="med"/>
-                    </a:lnR>
-                    <a:lnT w="12700" cap="flat" cmpd="sng" algn="ctr">
-                      <a:solidFill>
-                        <a:srgbClr val="000000">
-                          <a:alpha val="100000"/>
-                        </a:srgbClr>
-                      </a:solidFill>
-                      <a:prstDash val="solid"/>
-                      <a:round/>
-                      <a:headEnd type="none" w="med" len="med"/>
-                      <a:tailEnd type="none" w="med" len="med"/>
-                    </a:lnT>
-                    <a:lnB w="12700" cap="flat" cmpd="sng" algn="ctr">
-                      <a:solidFill>
-                        <a:srgbClr val="000000">
-                          <a:alpha val="100000"/>
-                        </a:srgbClr>
-                      </a:solidFill>
-                      <a:prstDash val="solid"/>
-                      <a:round/>
-                      <a:headEnd type="none" w="med" len="med"/>
-                      <a:tailEnd type="none" w="med" len="med"/>
-                    </a:lnB>
-                    <a:solidFill>
-                      <a:schemeClr val="bg1"/>
-                    </a:solidFill>
-                  </a:tcPr>
-                </a:tc>
-              </a:tr>
-              <a:tr h="509270">
-                <a:tc>
-                  <a:txBody>
-                    <a:bodyPr/>
-                    <a:lstStyle/>
-                    <a:p>
-                      <a:pPr marL="0" indent="0" algn="ctr" defTabSz="914400" eaLnBrk="1" latinLnBrk="1" hangingPunct="1">
-                        <a:lnSpc>
-                          <a:spcPct val="100000"/>
-                        </a:lnSpc>
-                        <a:spcBef>
-                          <a:spcPts val="0"/>
-                        </a:spcBef>
-                        <a:spcAft>
-                          <a:spcPts val="0"/>
-                        </a:spcAft>
-                        <a:buFontTx/>
-                        <a:buNone/>
-                      </a:pPr>
-                      <a:endParaRPr lang="ko-KR" altLang="en-US" sz="1000" b="0" i="0" kern="1200">
-                        <a:solidFill>
-                          <a:schemeClr val="tx1"/>
-                        </a:solidFill>
-                        <a:latin typeface="맑은 고딕" charset="0"/>
-                        <a:ea typeface="맑은 고딕" charset="0"/>
-                      </a:endParaRPr>
-                    </a:p>
-                  </a:txBody>
-                  <a:tcPr marL="0" marR="0" marT="0" marB="0" anchor="ctr">
-                    <a:lnL w="12700" cap="flat" cmpd="sng" algn="ctr">
-                      <a:solidFill>
-                        <a:srgbClr val="000000">
-                          <a:alpha val="100000"/>
-                        </a:srgbClr>
-                      </a:solidFill>
-                      <a:prstDash val="solid"/>
-                      <a:round/>
-                      <a:headEnd type="none" w="med" len="med"/>
-                      <a:tailEnd type="none" w="med" len="med"/>
-                    </a:lnL>
-                    <a:lnR w="12700" cap="flat" cmpd="sng" algn="ctr">
-                      <a:solidFill>
-                        <a:srgbClr val="000000">
-                          <a:alpha val="100000"/>
-                        </a:srgbClr>
-                      </a:solidFill>
-                      <a:prstDash val="solid"/>
-                      <a:round/>
-                      <a:headEnd type="none" w="med" len="med"/>
-                      <a:tailEnd type="none" w="med" len="med"/>
-                    </a:lnR>
-                    <a:lnT w="12700" cap="flat" cmpd="sng" algn="ctr">
-                      <a:solidFill>
-                        <a:srgbClr val="000000">
-                          <a:alpha val="100000"/>
-                        </a:srgbClr>
-                      </a:solidFill>
-                      <a:prstDash val="solid"/>
-                      <a:round/>
-                      <a:headEnd type="none" w="med" len="med"/>
-                      <a:tailEnd type="none" w="med" len="med"/>
-                    </a:lnT>
-                    <a:lnB w="12700" cap="flat" cmpd="sng" algn="ctr">
-                      <a:solidFill>
-                        <a:srgbClr val="000000">
-                          <a:alpha val="100000"/>
-                        </a:srgbClr>
-                      </a:solidFill>
-                      <a:prstDash val="solid"/>
-                      <a:round/>
-                      <a:headEnd type="none" w="med" len="med"/>
-                      <a:tailEnd type="none" w="med" len="med"/>
-                    </a:lnB>
-                    <a:noFill/>
-                  </a:tcPr>
-                </a:tc>
-                <a:tc>
-                  <a:txBody>
-                    <a:bodyPr/>
-                    <a:lstStyle/>
-                    <a:p>
-                      <a:pPr marL="0" indent="0" algn="ctr" defTabSz="914400" eaLnBrk="1" latinLnBrk="1" hangingPunct="1">
-                        <a:lnSpc>
-                          <a:spcPct val="100000"/>
-                        </a:lnSpc>
-                        <a:spcBef>
-                          <a:spcPts val="0"/>
-                        </a:spcBef>
-                        <a:spcAft>
-                          <a:spcPts val="0"/>
-                        </a:spcAft>
-                        <a:buFontTx/>
-                        <a:buNone/>
-                      </a:pPr>
-                      <a:endParaRPr lang="ko-KR" altLang="en-US" sz="1000" b="0" i="0" kern="1200">
-                        <a:solidFill>
-                          <a:schemeClr val="tx1"/>
-                        </a:solidFill>
-                        <a:latin typeface="맑은 고딕" charset="0"/>
-                        <a:ea typeface="맑은 고딕" charset="0"/>
-                      </a:endParaRPr>
-                    </a:p>
-                  </a:txBody>
-                  <a:tcPr marL="0" marR="0" marT="0" marB="0" anchor="ctr">
-                    <a:lnL w="12700" cap="flat" cmpd="sng" algn="ctr">
-                      <a:solidFill>
-                        <a:srgbClr val="000000">
-                          <a:alpha val="100000"/>
-                        </a:srgbClr>
-                      </a:solidFill>
-                      <a:prstDash val="solid"/>
-                      <a:round/>
-                      <a:headEnd type="none" w="med" len="med"/>
-                      <a:tailEnd type="none" w="med" len="med"/>
-                    </a:lnL>
-                    <a:lnR w="12700" cap="flat" cmpd="sng" algn="ctr">
-                      <a:solidFill>
-                        <a:srgbClr val="000000">
-                          <a:alpha val="100000"/>
-                        </a:srgbClr>
-                      </a:solidFill>
-                      <a:prstDash val="solid"/>
-                      <a:round/>
-                      <a:headEnd type="none" w="med" len="med"/>
-                      <a:tailEnd type="none" w="med" len="med"/>
-                    </a:lnR>
-                    <a:lnT w="12700" cap="flat" cmpd="sng" algn="ctr">
-                      <a:solidFill>
-                        <a:srgbClr val="000000">
-                          <a:alpha val="100000"/>
-                        </a:srgbClr>
-                      </a:solidFill>
-                      <a:prstDash val="solid"/>
-                      <a:round/>
-                      <a:headEnd type="none" w="med" len="med"/>
-                      <a:tailEnd type="none" w="med" len="med"/>
-                    </a:lnT>
-                    <a:lnB w="12700" cap="flat" cmpd="sng" algn="ctr">
-                      <a:solidFill>
-                        <a:srgbClr val="000000">
-                          <a:alpha val="100000"/>
-                        </a:srgbClr>
-                      </a:solidFill>
-                      <a:prstDash val="solid"/>
-                      <a:round/>
-                      <a:headEnd type="none" w="med" len="med"/>
-                      <a:tailEnd type="none" w="med" len="med"/>
-                    </a:lnB>
-                    <a:noFill/>
-                  </a:tcPr>
-                </a:tc>
-                <a:tc>
-                  <a:txBody>
-                    <a:bodyPr/>
-                    <a:lstStyle/>
-                    <a:p>
-                      <a:pPr marL="0" indent="0" algn="l" defTabSz="914400" eaLnBrk="1" latinLnBrk="1" hangingPunct="1">
-                        <a:lnSpc>
-                          <a:spcPct val="100000"/>
-                        </a:lnSpc>
-                        <a:spcBef>
-                          <a:spcPts val="0"/>
-                        </a:spcBef>
-                        <a:spcAft>
-                          <a:spcPts val="0"/>
-                        </a:spcAft>
-                        <a:buFontTx/>
-                        <a:buNone/>
-                      </a:pPr>
-                      <a:endParaRPr lang="ko-KR" altLang="en-US" sz="1000" b="0" i="0" kern="1200">
-                        <a:solidFill>
-                          <a:schemeClr val="tx1"/>
-                        </a:solidFill>
-                        <a:latin typeface="맑은 고딕" charset="0"/>
-                        <a:ea typeface="맑은 고딕" charset="0"/>
-                      </a:endParaRPr>
-                    </a:p>
-                  </a:txBody>
-                  <a:tcPr marL="0" marR="0" marT="0" marB="0" anchor="ctr">
-                    <a:lnL w="12700" cap="flat" cmpd="sng" algn="ctr">
-                      <a:solidFill>
-                        <a:srgbClr val="000000">
-                          <a:alpha val="100000"/>
-                        </a:srgbClr>
-                      </a:solidFill>
-                      <a:prstDash val="solid"/>
-                      <a:round/>
-                      <a:headEnd type="none" w="med" len="med"/>
-                      <a:tailEnd type="none" w="med" len="med"/>
-                    </a:lnL>
-                    <a:lnR w="12700" cap="flat" cmpd="sng" algn="ctr">
-                      <a:solidFill>
-                        <a:srgbClr val="000000">
-                          <a:alpha val="100000"/>
-                        </a:srgbClr>
-                      </a:solidFill>
-                      <a:prstDash val="solid"/>
-                      <a:round/>
-                      <a:headEnd type="none" w="med" len="med"/>
-                      <a:tailEnd type="none" w="med" len="med"/>
-                    </a:lnR>
-                    <a:lnT w="12700" cap="flat" cmpd="sng" algn="ctr">
-                      <a:solidFill>
-                        <a:srgbClr val="000000">
-                          <a:alpha val="100000"/>
-                        </a:srgbClr>
-                      </a:solidFill>
-                      <a:prstDash val="solid"/>
-                      <a:round/>
-                      <a:headEnd type="none" w="med" len="med"/>
-                      <a:tailEnd type="none" w="med" len="med"/>
-                    </a:lnT>
-                    <a:lnB w="12700" cap="flat" cmpd="sng" algn="ctr">
-                      <a:solidFill>
-                        <a:srgbClr val="000000">
-                          <a:alpha val="100000"/>
-                        </a:srgbClr>
-                      </a:solidFill>
-                      <a:prstDash val="solid"/>
-                      <a:round/>
-                      <a:headEnd type="none" w="med" len="med"/>
-                      <a:tailEnd type="none" w="med" len="med"/>
-                    </a:lnB>
-                    <a:solidFill>
-                      <a:schemeClr val="bg1"/>
-                    </a:solidFill>
-                  </a:tcPr>
-                </a:tc>
-              </a:tr>
-              <a:tr h="509270">
-                <a:tc>
-                  <a:txBody>
-                    <a:bodyPr/>
-                    <a:lstStyle/>
-                    <a:p>
-                      <a:pPr marL="0" indent="0" algn="ctr" defTabSz="914400" eaLnBrk="1" latinLnBrk="1" hangingPunct="1">
-                        <a:lnSpc>
-                          <a:spcPct val="100000"/>
-                        </a:lnSpc>
-                        <a:spcBef>
-                          <a:spcPts val="0"/>
-                        </a:spcBef>
-                        <a:spcAft>
-                          <a:spcPts val="0"/>
-                        </a:spcAft>
-                        <a:buFontTx/>
-                        <a:buNone/>
-                      </a:pPr>
-                      <a:endParaRPr lang="ko-KR" altLang="en-US" sz="1000" b="0" i="0" kern="1200">
-                        <a:solidFill>
-                          <a:schemeClr val="tx1"/>
-                        </a:solidFill>
-                        <a:latin typeface="맑은 고딕" charset="0"/>
-                        <a:ea typeface="맑은 고딕" charset="0"/>
-                      </a:endParaRPr>
-                    </a:p>
-                  </a:txBody>
-                  <a:tcPr marL="0" marR="0" marT="0" marB="0" anchor="ctr">
-                    <a:lnL w="12700" cap="flat" cmpd="sng" algn="ctr">
-                      <a:solidFill>
-                        <a:srgbClr val="000000">
-                          <a:alpha val="100000"/>
-                        </a:srgbClr>
-                      </a:solidFill>
-                      <a:prstDash val="solid"/>
-                      <a:round/>
-                      <a:headEnd type="none" w="med" len="med"/>
-                      <a:tailEnd type="none" w="med" len="med"/>
-                    </a:lnL>
-                    <a:lnR w="12700" cap="flat" cmpd="sng" algn="ctr">
-                      <a:solidFill>
-                        <a:srgbClr val="000000">
-                          <a:alpha val="100000"/>
-                        </a:srgbClr>
-                      </a:solidFill>
-                      <a:prstDash val="solid"/>
-                      <a:round/>
-                      <a:headEnd type="none" w="med" len="med"/>
-                      <a:tailEnd type="none" w="med" len="med"/>
-                    </a:lnR>
-                    <a:lnT w="12700" cap="flat" cmpd="sng" algn="ctr">
-                      <a:solidFill>
-                        <a:srgbClr val="000000">
-                          <a:alpha val="100000"/>
-                        </a:srgbClr>
-                      </a:solidFill>
-                      <a:prstDash val="solid"/>
-                      <a:round/>
-                      <a:headEnd type="none" w="med" len="med"/>
-                      <a:tailEnd type="none" w="med" len="med"/>
-                    </a:lnT>
-                    <a:lnB w="12700" cap="flat" cmpd="sng" algn="ctr">
-                      <a:solidFill>
-                        <a:srgbClr val="000000">
-                          <a:alpha val="100000"/>
-                        </a:srgbClr>
-                      </a:solidFill>
-                      <a:prstDash val="solid"/>
-                      <a:round/>
-                      <a:headEnd type="none" w="med" len="med"/>
-                      <a:tailEnd type="none" w="med" len="med"/>
-                    </a:lnB>
-                    <a:noFill/>
-                  </a:tcPr>
-                </a:tc>
-                <a:tc>
-                  <a:txBody>
-                    <a:bodyPr/>
-                    <a:lstStyle/>
-                    <a:p>
-                      <a:pPr marL="0" indent="0" algn="ctr" defTabSz="914400" eaLnBrk="1" latinLnBrk="1" hangingPunct="1">
-                        <a:lnSpc>
-                          <a:spcPct val="100000"/>
-                        </a:lnSpc>
-                        <a:spcBef>
-                          <a:spcPts val="0"/>
-                        </a:spcBef>
-                        <a:spcAft>
-                          <a:spcPts val="0"/>
-                        </a:spcAft>
-                        <a:buFontTx/>
-                        <a:buNone/>
-                      </a:pPr>
-                      <a:endParaRPr lang="ko-KR" altLang="en-US" sz="1000" b="0" i="0" kern="1200">
-                        <a:solidFill>
-                          <a:schemeClr val="tx1"/>
-                        </a:solidFill>
-                        <a:latin typeface="맑은 고딕" charset="0"/>
-                        <a:ea typeface="맑은 고딕" charset="0"/>
-                      </a:endParaRPr>
-                    </a:p>
-                  </a:txBody>
-                  <a:tcPr marL="0" marR="0" marT="0" marB="0" anchor="ctr">
-                    <a:lnL w="12700" cap="flat" cmpd="sng" algn="ctr">
-                      <a:solidFill>
-                        <a:srgbClr val="000000">
-                          <a:alpha val="100000"/>
-                        </a:srgbClr>
-                      </a:solidFill>
-                      <a:prstDash val="solid"/>
-                      <a:round/>
-                      <a:headEnd type="none" w="med" len="med"/>
-                      <a:tailEnd type="none" w="med" len="med"/>
-                    </a:lnL>
-                    <a:lnR w="12700" cap="flat" cmpd="sng" algn="ctr">
-                      <a:solidFill>
-                        <a:srgbClr val="000000">
-                          <a:alpha val="100000"/>
-                        </a:srgbClr>
-                      </a:solidFill>
-                      <a:prstDash val="solid"/>
-                      <a:round/>
-                      <a:headEnd type="none" w="med" len="med"/>
-                      <a:tailEnd type="none" w="med" len="med"/>
-                    </a:lnR>
-                    <a:lnT w="12700" cap="flat" cmpd="sng" algn="ctr">
-                      <a:solidFill>
-                        <a:srgbClr val="000000">
-                          <a:alpha val="100000"/>
-                        </a:srgbClr>
-                      </a:solidFill>
-                      <a:prstDash val="solid"/>
-                      <a:round/>
-                      <a:headEnd type="none" w="med" len="med"/>
-                      <a:tailEnd type="none" w="med" len="med"/>
-                    </a:lnT>
-                    <a:lnB w="12700" cap="flat" cmpd="sng" algn="ctr">
-                      <a:solidFill>
-                        <a:srgbClr val="000000">
-                          <a:alpha val="100000"/>
-                        </a:srgbClr>
-                      </a:solidFill>
-                      <a:prstDash val="solid"/>
-                      <a:round/>
-                      <a:headEnd type="none" w="med" len="med"/>
-                      <a:tailEnd type="none" w="med" len="med"/>
-                    </a:lnB>
-                    <a:noFill/>
-                  </a:tcPr>
-                </a:tc>
-                <a:tc>
-                  <a:txBody>
-                    <a:bodyPr/>
-                    <a:lstStyle/>
-                    <a:p>
-                      <a:pPr marL="0" indent="0" algn="l" defTabSz="914400" eaLnBrk="1" latinLnBrk="1" hangingPunct="1">
-                        <a:lnSpc>
-                          <a:spcPct val="100000"/>
-                        </a:lnSpc>
-                        <a:spcBef>
-                          <a:spcPts val="0"/>
-                        </a:spcBef>
-                        <a:spcAft>
-                          <a:spcPts val="0"/>
-                        </a:spcAft>
-                        <a:buFontTx/>
-                        <a:buNone/>
-                      </a:pPr>
-                      <a:endParaRPr lang="ko-KR" altLang="en-US" sz="1000" b="0" i="0" kern="1200">
-                        <a:solidFill>
-                          <a:schemeClr val="tx1"/>
-                        </a:solidFill>
-                        <a:latin typeface="맑은 고딕" charset="0"/>
-                        <a:ea typeface="맑은 고딕" charset="0"/>
-                      </a:endParaRPr>
-                    </a:p>
-                  </a:txBody>
-                  <a:tcPr marL="0" marR="0" marT="0" marB="0" anchor="ctr">
-                    <a:lnL w="12700" cap="flat" cmpd="sng" algn="ctr">
-                      <a:solidFill>
-                        <a:srgbClr val="000000">
-                          <a:alpha val="100000"/>
-                        </a:srgbClr>
-                      </a:solidFill>
-                      <a:prstDash val="solid"/>
-                      <a:round/>
-                      <a:headEnd type="none" w="med" len="med"/>
-                      <a:tailEnd type="none" w="med" len="med"/>
-                    </a:lnL>
-                    <a:lnR w="12700" cap="flat" cmpd="sng" algn="ctr">
-                      <a:solidFill>
-                        <a:srgbClr val="000000">
-                          <a:alpha val="100000"/>
-                        </a:srgbClr>
-                      </a:solidFill>
-                      <a:prstDash val="solid"/>
-                      <a:round/>
-                      <a:headEnd type="none" w="med" len="med"/>
-                      <a:tailEnd type="none" w="med" len="med"/>
-                    </a:lnR>
-                    <a:lnT w="12700" cap="flat" cmpd="sng" algn="ctr">
-                      <a:solidFill>
-                        <a:srgbClr val="000000">
-                          <a:alpha val="100000"/>
-                        </a:srgbClr>
-                      </a:solidFill>
-                      <a:prstDash val="solid"/>
-                      <a:round/>
-                      <a:headEnd type="none" w="med" len="med"/>
-                      <a:tailEnd type="none" w="med" len="med"/>
-                    </a:lnT>
-                    <a:lnB w="12700" cap="flat" cmpd="sng" algn="ctr">
-                      <a:solidFill>
-                        <a:srgbClr val="000000">
-                          <a:alpha val="100000"/>
-                        </a:srgbClr>
-                      </a:solidFill>
-                      <a:prstDash val="solid"/>
-                      <a:round/>
-                      <a:headEnd type="none" w="med" len="med"/>
-                      <a:tailEnd type="none" w="med" len="med"/>
-                    </a:lnB>
-                    <a:solidFill>
-                      <a:schemeClr val="bg1"/>
-                    </a:solidFill>
-                  </a:tcPr>
-                </a:tc>
-              </a:tr>
-              <a:tr h="491490">
-                <a:tc>
-                  <a:txBody>
-                    <a:bodyPr/>
-                    <a:lstStyle/>
-                    <a:p>
-                      <a:pPr marL="0" indent="0" algn="ctr" defTabSz="914400" eaLnBrk="1" latinLnBrk="1" hangingPunct="1">
-                        <a:lnSpc>
-                          <a:spcPct val="100000"/>
-                        </a:lnSpc>
-                        <a:spcBef>
-                          <a:spcPts val="0"/>
-                        </a:spcBef>
-                        <a:spcAft>
-                          <a:spcPts val="0"/>
-                        </a:spcAft>
-                        <a:buFontTx/>
-                        <a:buNone/>
-                      </a:pPr>
-                      <a:endParaRPr lang="ko-KR" altLang="en-US" sz="1000" b="0" i="0" kern="1200">
-                        <a:solidFill>
-                          <a:schemeClr val="tx1"/>
-                        </a:solidFill>
-                        <a:latin typeface="맑은 고딕" charset="0"/>
-                        <a:ea typeface="맑은 고딕" charset="0"/>
-                      </a:endParaRPr>
-                    </a:p>
-                  </a:txBody>
-                  <a:tcPr marL="0" marR="0" marT="0" marB="0" anchor="ctr">
-                    <a:lnL w="12700" cap="flat" cmpd="sng" algn="ctr">
-                      <a:solidFill>
-                        <a:srgbClr val="000000">
-                          <a:alpha val="100000"/>
-                        </a:srgbClr>
-                      </a:solidFill>
-                      <a:prstDash val="solid"/>
-                      <a:round/>
-                      <a:headEnd type="none" w="med" len="med"/>
-                      <a:tailEnd type="none" w="med" len="med"/>
-                    </a:lnL>
-                    <a:lnR w="12700" cap="flat" cmpd="sng" algn="ctr">
-                      <a:solidFill>
-                        <a:srgbClr val="000000">
-                          <a:alpha val="100000"/>
-                        </a:srgbClr>
-                      </a:solidFill>
-                      <a:prstDash val="solid"/>
-                      <a:round/>
-                      <a:headEnd type="none" w="med" len="med"/>
-                      <a:tailEnd type="none" w="med" len="med"/>
-                    </a:lnR>
-                    <a:lnT w="12700" cap="flat" cmpd="sng" algn="ctr">
-                      <a:solidFill>
-                        <a:srgbClr val="000000">
-                          <a:alpha val="100000"/>
-                        </a:srgbClr>
-                      </a:solidFill>
-                      <a:prstDash val="solid"/>
-                      <a:round/>
-                      <a:headEnd type="none" w="med" len="med"/>
-                      <a:tailEnd type="none" w="med" len="med"/>
-                    </a:lnT>
-                    <a:lnB w="12700" cap="flat" cmpd="sng" algn="ctr">
-                      <a:solidFill>
-                        <a:srgbClr val="000000">
-                          <a:alpha val="100000"/>
-                        </a:srgbClr>
-                      </a:solidFill>
-                      <a:prstDash val="solid"/>
-                      <a:round/>
-                      <a:headEnd type="none" w="med" len="med"/>
-                      <a:tailEnd type="none" w="med" len="med"/>
-                    </a:lnB>
-                    <a:noFill/>
-                  </a:tcPr>
-                </a:tc>
-                <a:tc>
-                  <a:txBody>
-                    <a:bodyPr/>
-                    <a:lstStyle/>
-                    <a:p>
-                      <a:pPr marL="0" indent="0" algn="ctr" defTabSz="914400" eaLnBrk="1" latinLnBrk="1" hangingPunct="1">
-                        <a:lnSpc>
-                          <a:spcPct val="100000"/>
-                        </a:lnSpc>
-                        <a:spcBef>
-                          <a:spcPts val="0"/>
-                        </a:spcBef>
-                        <a:spcAft>
-                          <a:spcPts val="0"/>
-                        </a:spcAft>
-                        <a:buFontTx/>
-                        <a:buNone/>
-                      </a:pPr>
-                      <a:endParaRPr lang="ko-KR" altLang="en-US" sz="1000" b="0" i="0" kern="1200">
-                        <a:solidFill>
-                          <a:schemeClr val="tx1"/>
-                        </a:solidFill>
-                        <a:latin typeface="맑은 고딕" charset="0"/>
-                        <a:ea typeface="맑은 고딕" charset="0"/>
-                      </a:endParaRPr>
-                    </a:p>
-                  </a:txBody>
-                  <a:tcPr marL="0" marR="0" marT="0" marB="0" anchor="ctr">
-                    <a:lnL w="12700" cap="flat" cmpd="sng" algn="ctr">
-                      <a:solidFill>
-                        <a:srgbClr val="000000">
-                          <a:alpha val="100000"/>
-                        </a:srgbClr>
-                      </a:solidFill>
-                      <a:prstDash val="solid"/>
-                      <a:round/>
-                      <a:headEnd type="none" w="med" len="med"/>
-                      <a:tailEnd type="none" w="med" len="med"/>
-                    </a:lnL>
-                    <a:lnR w="12700" cap="flat" cmpd="sng" algn="ctr">
-                      <a:solidFill>
-                        <a:srgbClr val="000000">
-                          <a:alpha val="100000"/>
-                        </a:srgbClr>
-                      </a:solidFill>
-                      <a:prstDash val="solid"/>
-                      <a:round/>
-                      <a:headEnd type="none" w="med" len="med"/>
-                      <a:tailEnd type="none" w="med" len="med"/>
-                    </a:lnR>
-                    <a:lnT w="12700" cap="flat" cmpd="sng" algn="ctr">
-                      <a:solidFill>
-                        <a:srgbClr val="000000">
-                          <a:alpha val="100000"/>
-                        </a:srgbClr>
-                      </a:solidFill>
-                      <a:prstDash val="solid"/>
-                      <a:round/>
-                      <a:headEnd type="none" w="med" len="med"/>
-                      <a:tailEnd type="none" w="med" len="med"/>
-                    </a:lnT>
-                    <a:lnB w="12700" cap="flat" cmpd="sng" algn="ctr">
-                      <a:solidFill>
-                        <a:srgbClr val="000000">
-                          <a:alpha val="100000"/>
-                        </a:srgbClr>
-                      </a:solidFill>
-                      <a:prstDash val="solid"/>
-                      <a:round/>
-                      <a:headEnd type="none" w="med" len="med"/>
-                      <a:tailEnd type="none" w="med" len="med"/>
-                    </a:lnB>
-                    <a:noFill/>
-                  </a:tcPr>
-                </a:tc>
-                <a:tc>
-                  <a:txBody>
-                    <a:bodyPr/>
-                    <a:lstStyle/>
-                    <a:p>
-                      <a:pPr marL="0" indent="0" algn="l" defTabSz="914400" eaLnBrk="1" latinLnBrk="1" hangingPunct="1">
-                        <a:lnSpc>
-                          <a:spcPct val="100000"/>
-                        </a:lnSpc>
-                        <a:spcBef>
-                          <a:spcPts val="0"/>
-                        </a:spcBef>
-                        <a:spcAft>
-                          <a:spcPts val="0"/>
-                        </a:spcAft>
-                        <a:buFontTx/>
-                        <a:buNone/>
-                      </a:pPr>
-                      <a:endParaRPr lang="ko-KR" altLang="en-US" sz="1000" b="0" i="0" kern="1200">
-                        <a:solidFill>
-                          <a:schemeClr val="tx1"/>
-                        </a:solidFill>
-                        <a:latin typeface="맑은 고딕" charset="0"/>
-                        <a:ea typeface="맑은 고딕" charset="0"/>
-                      </a:endParaRPr>
-                    </a:p>
-                  </a:txBody>
-                  <a:tcPr marL="0" marR="0" marT="0" marB="0" anchor="ctr">
-                    <a:lnL w="12700" cap="flat" cmpd="sng" algn="ctr">
-                      <a:solidFill>
-                        <a:srgbClr val="000000">
-                          <a:alpha val="100000"/>
-                        </a:srgbClr>
-                      </a:solidFill>
-                      <a:prstDash val="solid"/>
-                      <a:round/>
-                      <a:headEnd type="none" w="med" len="med"/>
-                      <a:tailEnd type="none" w="med" len="med"/>
-                    </a:lnL>
-                    <a:lnR w="12700" cap="flat" cmpd="sng" algn="ctr">
-                      <a:solidFill>
-                        <a:srgbClr val="000000">
-                          <a:alpha val="100000"/>
-                        </a:srgbClr>
-                      </a:solidFill>
-                      <a:prstDash val="solid"/>
-                      <a:round/>
-                      <a:headEnd type="none" w="med" len="med"/>
-                      <a:tailEnd type="none" w="med" len="med"/>
-                    </a:lnR>
-                    <a:lnT w="12700" cap="flat" cmpd="sng" algn="ctr">
-                      <a:solidFill>
-                        <a:srgbClr val="000000">
-                          <a:alpha val="100000"/>
-                        </a:srgbClr>
-                      </a:solidFill>
-                      <a:prstDash val="solid"/>
-                      <a:round/>
-                      <a:headEnd type="none" w="med" len="med"/>
-                      <a:tailEnd type="none" w="med" len="med"/>
-                    </a:lnT>
-                    <a:lnB w="12700" cap="flat" cmpd="sng" algn="ctr">
-                      <a:solidFill>
-                        <a:srgbClr val="000000">
-                          <a:alpha val="100000"/>
-                        </a:srgbClr>
-                      </a:solidFill>
-                      <a:prstDash val="solid"/>
-                      <a:round/>
-                      <a:headEnd type="none" w="med" len="med"/>
-                      <a:tailEnd type="none" w="med" len="med"/>
-                    </a:lnB>
-                    <a:solidFill>
-                      <a:schemeClr val="bg1"/>
-                    </a:solidFill>
-                  </a:tcPr>
-                </a:tc>
-              </a:tr>
-            </a:tbl>
-          </a:graphicData>
-        </a:graphic>
-      </p:graphicFrame>
-      <p:graphicFrame>
-        <p:nvGraphicFramePr>
-          <p:cNvPr id="5" name="표 4"/>
-          <p:cNvGraphicFramePr>
-            <a:graphicFrameLocks noGrp="1"/>
-          </p:cNvGraphicFramePr>
-          <p:nvPr/>
-        </p:nvGraphicFramePr>
-        <p:xfrm>
-          <a:off x="10096500" y="152400"/>
-          <a:ext cx="1993265" cy="247650"/>
-        </p:xfrm>
-        <a:graphic>
-          <a:graphicData uri="http://schemas.openxmlformats.org/drawingml/2006/table">
-            <a:tbl>
-              <a:tblPr firstRow="1" bandRow="1">
-                <a:tableStyleId>{5C22544A-7EE6-4342-B048-85BDC9FD1C3A}</a:tableStyleId>
-              </a:tblPr>
-              <a:tblGrid>
-                <a:gridCol w="735330"/>
-                <a:gridCol w="1257935"/>
-              </a:tblGrid>
-              <a:tr h="247650">
-                <a:tc>
-                  <a:txBody>
-                    <a:bodyPr/>
-                    <a:lstStyle/>
-                    <a:p>
-                      <a:pPr marL="0" indent="0" algn="l" defTabSz="914400" eaLnBrk="1" latinLnBrk="1" hangingPunct="1">
-                        <a:lnSpc>
-                          <a:spcPct val="100000"/>
-                        </a:lnSpc>
-                        <a:spcBef>
-                          <a:spcPts val="0"/>
-                        </a:spcBef>
-                        <a:spcAft>
-                          <a:spcPts val="0"/>
-                        </a:spcAft>
-                        <a:buFontTx/>
-                        <a:buNone/>
-                      </a:pPr>
-                      <a:r>
-                        <a:rPr lang="en-US" altLang="ko-KR" sz="1000" b="0" i="0" kern="1200">
-                          <a:solidFill>
-                            <a:schemeClr val="tx1"/>
-                          </a:solidFill>
-                          <a:latin typeface="맑은 고딕" charset="0"/>
-                          <a:ea typeface="맑은 고딕" charset="0"/>
-                        </a:rPr>
-                        <a:t>현재 버전</a:t>
-                      </a:r>
-                      <a:endParaRPr lang="ko-KR" altLang="en-US" sz="1000" b="0" i="0" kern="1200">
-                        <a:solidFill>
-                          <a:schemeClr val="tx1"/>
-                        </a:solidFill>
-                        <a:latin typeface="맑은 고딕" charset="0"/>
-                        <a:ea typeface="맑은 고딕" charset="0"/>
-                      </a:endParaRPr>
-                    </a:p>
-                  </a:txBody>
-                  <a:tcPr marL="90170" marR="90170" marT="46990" marB="46990">
-                    <a:lnL w="12700" cap="flat" cmpd="sng" algn="ctr">
-                      <a:solidFill>
-                        <a:srgbClr val="000000">
-                          <a:alpha val="100000"/>
-                        </a:srgbClr>
-                      </a:solidFill>
-                      <a:prstDash val="solid"/>
-                      <a:round/>
-                      <a:headEnd type="none" w="med" len="med"/>
-                      <a:tailEnd type="none" w="med" len="med"/>
-                    </a:lnL>
-                    <a:lnR w="12700" cap="flat" cmpd="sng" algn="ctr">
-                      <a:solidFill>
-                        <a:srgbClr val="000000">
-                          <a:alpha val="100000"/>
-                        </a:srgbClr>
-                      </a:solidFill>
-                      <a:prstDash val="solid"/>
-                      <a:round/>
-                      <a:headEnd type="none" w="med" len="med"/>
-                      <a:tailEnd type="none" w="med" len="med"/>
-                    </a:lnR>
-                    <a:lnT w="12700" cap="flat" cmpd="sng" algn="ctr">
-                      <a:solidFill>
-                        <a:srgbClr val="000000">
-                          <a:alpha val="100000"/>
-                        </a:srgbClr>
-                      </a:solidFill>
-                      <a:prstDash val="solid"/>
-                      <a:round/>
-                      <a:headEnd type="none" w="med" len="med"/>
-                      <a:tailEnd type="none" w="med" len="med"/>
-                    </a:lnT>
-                    <a:lnB w="12700" cap="flat" cmpd="sng" algn="ctr">
-                      <a:solidFill>
-                        <a:srgbClr val="000000">
-                          <a:alpha val="100000"/>
-                        </a:srgbClr>
-                      </a:solidFill>
-                      <a:prstDash val="solid"/>
-                      <a:round/>
-                      <a:headEnd type="none" w="med" len="med"/>
-                      <a:tailEnd type="none" w="med" len="med"/>
-                    </a:lnB>
-                    <a:solidFill>
-                      <a:schemeClr val="bg1">
-                        <a:lumMod val="85000"/>
-                        <a:lumOff val="0"/>
-                      </a:schemeClr>
-                    </a:solidFill>
-                  </a:tcPr>
-                </a:tc>
-                <a:tc>
-                  <a:txBody>
-                    <a:bodyPr/>
-                    <a:lstStyle/>
-                    <a:p>
-                      <a:pPr marL="0" indent="0" algn="ctr" defTabSz="914400" eaLnBrk="1" latinLnBrk="1" hangingPunct="1">
-                        <a:lnSpc>
-                          <a:spcPct val="100000"/>
-                        </a:lnSpc>
-                        <a:spcBef>
-                          <a:spcPts val="0"/>
-                        </a:spcBef>
-                        <a:spcAft>
-                          <a:spcPts val="0"/>
-                        </a:spcAft>
-                        <a:buFontTx/>
-                        <a:buNone/>
-                      </a:pPr>
-                      <a:endParaRPr lang="ko-KR" altLang="en-US" sz="1000" b="1" i="0" kern="1200">
-                        <a:solidFill>
-                          <a:schemeClr val="tx1"/>
-                        </a:solidFill>
-                        <a:latin typeface="맑은 고딕" charset="0"/>
-                        <a:ea typeface="맑은 고딕" charset="0"/>
-                      </a:endParaRPr>
-                    </a:p>
-                  </a:txBody>
-                  <a:tcPr marL="90170" marR="90170" marT="46990" marB="46990">
-                    <a:lnL w="12700" cap="flat" cmpd="sng" algn="ctr">
-                      <a:solidFill>
-                        <a:srgbClr val="000000">
-                          <a:alpha val="100000"/>
-                        </a:srgbClr>
-                      </a:solidFill>
-                      <a:prstDash val="solid"/>
-                      <a:round/>
-                      <a:headEnd type="none" w="med" len="med"/>
-                      <a:tailEnd type="none" w="med" len="med"/>
-                    </a:lnL>
-                    <a:lnR w="12700" cap="flat" cmpd="sng" algn="ctr">
-                      <a:solidFill>
-                        <a:srgbClr val="000000">
-                          <a:alpha val="100000"/>
-                        </a:srgbClr>
-                      </a:solidFill>
-                      <a:prstDash val="solid"/>
-                      <a:round/>
-                      <a:headEnd type="none" w="med" len="med"/>
-                      <a:tailEnd type="none" w="med" len="med"/>
-                    </a:lnR>
-                    <a:lnT w="12700" cap="flat" cmpd="sng" algn="ctr">
-                      <a:solidFill>
-                        <a:srgbClr val="000000">
-                          <a:alpha val="100000"/>
-                        </a:srgbClr>
-                      </a:solidFill>
-                      <a:prstDash val="solid"/>
-                      <a:round/>
-                      <a:headEnd type="none" w="med" len="med"/>
-                      <a:tailEnd type="none" w="med" len="med"/>
-                    </a:lnT>
-                    <a:lnB w="12700" cap="flat" cmpd="sng" algn="ctr">
-                      <a:solidFill>
-                        <a:srgbClr val="000000">
-                          <a:alpha val="100000"/>
-                        </a:srgbClr>
-                      </a:solidFill>
-                      <a:prstDash val="solid"/>
-                      <a:round/>
-                      <a:headEnd type="none" w="med" len="med"/>
-                      <a:tailEnd type="none" w="med" len="med"/>
-                    </a:lnB>
-                    <a:solidFill>
-                      <a:schemeClr val="bg1"/>
-                    </a:solidFill>
-                  </a:tcPr>
-                </a:tc>
-              </a:tr>
-            </a:tbl>
-          </a:graphicData>
-        </a:graphic>
-      </p:graphicFrame>
-      <p:graphicFrame>
-        <p:nvGraphicFramePr>
-          <p:cNvPr id="6" name="표 5"/>
-          <p:cNvGraphicFramePr>
-            <a:graphicFrameLocks noGrp="1"/>
-          </p:cNvGraphicFramePr>
-          <p:nvPr/>
-        </p:nvGraphicFramePr>
-        <p:xfrm>
-          <a:off x="8020050" y="152400"/>
-          <a:ext cx="1993265" cy="247650"/>
-        </p:xfrm>
-        <a:graphic>
-          <a:graphicData uri="http://schemas.openxmlformats.org/drawingml/2006/table">
-            <a:tbl>
-              <a:tblPr firstRow="1" bandRow="1">
-                <a:tableStyleId>{5C22544A-7EE6-4342-B048-85BDC9FD1C3A}</a:tableStyleId>
-              </a:tblPr>
-              <a:tblGrid>
-                <a:gridCol w="698500"/>
-                <a:gridCol w="1294765"/>
-              </a:tblGrid>
-              <a:tr h="247650">
-                <a:tc>
-                  <a:txBody>
-                    <a:bodyPr/>
-                    <a:lstStyle/>
-                    <a:p>
-                      <a:pPr marL="0" indent="0" algn="l" defTabSz="914400" eaLnBrk="1" latinLnBrk="1" hangingPunct="1">
-                        <a:lnSpc>
-                          <a:spcPct val="100000"/>
-                        </a:lnSpc>
-                        <a:spcBef>
-                          <a:spcPts val="0"/>
-                        </a:spcBef>
-                        <a:spcAft>
-                          <a:spcPts val="0"/>
-                        </a:spcAft>
-                        <a:buFontTx/>
-                        <a:buNone/>
-                      </a:pPr>
-                      <a:r>
-                        <a:rPr lang="en-US" altLang="ko-KR" sz="1000" b="0" i="0" kern="1200">
-                          <a:solidFill>
-                            <a:schemeClr val="tx1"/>
-                          </a:solidFill>
-                          <a:latin typeface="맑은 고딕" charset="0"/>
-                          <a:ea typeface="맑은 고딕" charset="0"/>
-                        </a:rPr>
-                        <a:t>작성자</a:t>
-                      </a:r>
-                      <a:endParaRPr lang="ko-KR" altLang="en-US" sz="1000" b="0" i="0" kern="1200">
-                        <a:solidFill>
-                          <a:schemeClr val="tx1"/>
-                        </a:solidFill>
-                        <a:latin typeface="맑은 고딕" charset="0"/>
-                        <a:ea typeface="맑은 고딕" charset="0"/>
-                      </a:endParaRPr>
-                    </a:p>
-                  </a:txBody>
-                  <a:tcPr marL="90170" marR="90170" marT="46990" marB="46990">
-                    <a:lnL w="12700" cap="flat" cmpd="sng" algn="ctr">
-                      <a:solidFill>
-                        <a:srgbClr val="000000">
-                          <a:alpha val="100000"/>
-                        </a:srgbClr>
-                      </a:solidFill>
-                      <a:prstDash val="solid"/>
-                      <a:round/>
-                      <a:headEnd type="none" w="med" len="med"/>
-                      <a:tailEnd type="none" w="med" len="med"/>
-                    </a:lnL>
-                    <a:lnR w="12700" cap="flat" cmpd="sng" algn="ctr">
-                      <a:solidFill>
-                        <a:srgbClr val="000000">
-                          <a:alpha val="100000"/>
-                        </a:srgbClr>
-                      </a:solidFill>
-                      <a:prstDash val="solid"/>
-                      <a:round/>
-                      <a:headEnd type="none" w="med" len="med"/>
-                      <a:tailEnd type="none" w="med" len="med"/>
-                    </a:lnR>
-                    <a:lnT w="12700" cap="flat" cmpd="sng" algn="ctr">
-                      <a:solidFill>
-                        <a:srgbClr val="000000">
-                          <a:alpha val="100000"/>
-                        </a:srgbClr>
-                      </a:solidFill>
-                      <a:prstDash val="solid"/>
-                      <a:round/>
-                      <a:headEnd type="none" w="med" len="med"/>
-                      <a:tailEnd type="none" w="med" len="med"/>
-                    </a:lnT>
-                    <a:lnB w="12700" cap="flat" cmpd="sng" algn="ctr">
-                      <a:solidFill>
-                        <a:srgbClr val="000000">
-                          <a:alpha val="100000"/>
-                        </a:srgbClr>
-                      </a:solidFill>
-                      <a:prstDash val="solid"/>
-                      <a:round/>
-                      <a:headEnd type="none" w="med" len="med"/>
-                      <a:tailEnd type="none" w="med" len="med"/>
-                    </a:lnB>
-                    <a:solidFill>
-                      <a:schemeClr val="bg1">
-                        <a:lumMod val="85000"/>
-                        <a:lumOff val="0"/>
-                      </a:schemeClr>
-                    </a:solidFill>
-                  </a:tcPr>
-                </a:tc>
-                <a:tc>
-                  <a:txBody>
-                    <a:bodyPr/>
-                    <a:lstStyle/>
-                    <a:p>
-                      <a:pPr marL="0" indent="0" algn="ctr" defTabSz="914400" eaLnBrk="1" latinLnBrk="1" hangingPunct="1">
-                        <a:lnSpc>
-                          <a:spcPct val="100000"/>
-                        </a:lnSpc>
-                        <a:spcBef>
-                          <a:spcPts val="0"/>
-                        </a:spcBef>
-                        <a:spcAft>
-                          <a:spcPts val="0"/>
-                        </a:spcAft>
-                        <a:buFontTx/>
-                        <a:buNone/>
-                      </a:pPr>
-                      <a:endParaRPr lang="ko-KR" altLang="en-US" sz="1000" b="1" i="0" kern="1200">
-                        <a:solidFill>
-                          <a:schemeClr val="tx1"/>
-                        </a:solidFill>
-                        <a:latin typeface="맑은 고딕" charset="0"/>
-                        <a:ea typeface="맑은 고딕" charset="0"/>
-                      </a:endParaRPr>
-                    </a:p>
-                  </a:txBody>
-                  <a:tcPr marL="90170" marR="90170" marT="46990" marB="46990">
+                  <a:tcPr marL="90170" marR="90170" marT="46990" marB="46990" anchor="t">
                     <a:lnL w="12700" cap="flat" cmpd="sng" algn="ctr">
                       <a:solidFill>
                         <a:srgbClr val="000000">
@@ -18432,18 +14752,18 @@
     </p:spTree>
     <p:extLst>
       <p:ext uri="{BB962C8B-B14F-4D97-AF65-F5344CB8AC3E}">
-        <p14:creationId xmlns:p14="http://schemas.microsoft.com/office/powerpoint/2010/main" val="1058192639"/>
+        <p14:creationId xmlns:p14="http://schemas.microsoft.com/office/powerpoint/2010/main" val="1102940845"/>
       </p:ext>
     </p:extLst>
   </p:cSld>
   <p:clrMapOvr>
     <a:masterClrMapping/>
   </p:clrMapOvr>
-  <mc:AlternateContent xmlns:mc="http://schemas.openxmlformats.org/markup-compatibility/2006" xmlns:p14="http://schemas.microsoft.com/office/powerpoint/2010/main">
-    <mc:Choice Requires="p14">
+  <mc:AlternateContent xmlns:mc="http://schemas.openxmlformats.org/markup-compatibility/2006">
+    <mc:Choice xmlns:p14="http://schemas.microsoft.com/office/powerpoint/2010/main" Requires="p14">
       <p:transition spd="slow" p14:dur="2000"/>
     </mc:Choice>
-    <mc:Fallback xmlns="">
+    <mc:Fallback>
       <p:transition spd="slow"/>
     </mc:Fallback>
   </mc:AlternateContent>
@@ -18458,7 +14778,7 @@
 </file>
 
 <file path=ppt/slides/slide2.xml><?xml version="1.0" encoding="utf-8"?>
-<p:sld xmlns:a="http://schemas.openxmlformats.org/drawingml/2006/main" xmlns:r="http://schemas.openxmlformats.org/officeDocument/2006/relationships" xmlns:p="http://schemas.openxmlformats.org/presentationml/2006/main">
+<p:sld xmlns:a="http://schemas.openxmlformats.org/drawingml/2006/main" xmlns:r="http://schemas.openxmlformats.org/officeDocument/2006/relationships" xmlns:p="http://schemas.openxmlformats.org/presentationml/2006/main" xmlns:p14="http://schemas.microsoft.com/office/powerpoint/2010/main">
   <p:cSld>
     <p:spTree>
       <p:nvGrpSpPr>
@@ -20587,7 +16907,7 @@
                         <a:buNone/>
                       </a:pPr>
                       <a:r>
-                        <a:rPr lang="en-US" altLang="ko-KR" sz="1000" b="0" i="0" kern="1200">
+                        <a:rPr lang="en-US" altLang="ko-KR" sz="1000" kern="1200" i="0" b="0">
                           <a:solidFill>
                             <a:schemeClr val="tx1"/>
                           </a:solidFill>
@@ -20596,7 +16916,7 @@
                         </a:rPr>
                         <a:t>작성자</a:t>
                       </a:r>
-                      <a:endParaRPr lang="ko-KR" altLang="en-US" sz="1000" b="0" i="0" kern="1200">
+                      <a:endParaRPr lang="ko-KR" altLang="en-US" sz="1000" kern="1200" i="0" b="0">
                         <a:solidFill>
                           <a:schemeClr val="tx1"/>
                         </a:solidFill>
@@ -20605,7 +16925,7 @@
                       </a:endParaRPr>
                     </a:p>
                   </a:txBody>
-                  <a:tcPr marL="90170" marR="90170" marT="46990" marB="46990">
+                  <a:tcPr marL="90170" marR="90170" marT="46990" marB="46990" anchor="t">
                     <a:lnL w="12700" cap="flat" cmpd="sng" algn="ctr">
                       <a:solidFill>
                         <a:srgbClr val="000000">
@@ -20676,7 +16996,17 @@
                         <a:buFontTx/>
                         <a:buNone/>
                       </a:pPr>
-                      <a:endParaRPr lang="ko-KR" altLang="en-US" sz="1000" b="1" i="0" kern="1200">
+                      <a:r>
+                        <a:rPr lang="ko-KR" altLang="en-US" sz="1000" kern="1200" i="0" b="1">
+                          <a:solidFill>
+                            <a:schemeClr val="tx1"/>
+                          </a:solidFill>
+                          <a:latin typeface="맑은 고딕" charset="0"/>
+                          <a:ea typeface="맑은 고딕" charset="0"/>
+                        </a:rPr>
+                        <a:t>안영우</a:t>
+                      </a:r>
+                      <a:endParaRPr lang="ko-KR" altLang="en-US" sz="1000" kern="1200" i="0" b="1">
                         <a:solidFill>
                           <a:schemeClr val="tx1"/>
                         </a:solidFill>
@@ -20685,7 +17015,7 @@
                       </a:endParaRPr>
                     </a:p>
                   </a:txBody>
-                  <a:tcPr marL="90170" marR="90170" marT="46990" marB="46990">
+                  <a:tcPr marL="90170" marR="90170" marT="46990" marB="46990" anchor="t">
                     <a:lnL w="12700" cap="flat" cmpd="sng" algn="ctr">
                       <a:solidFill>
                         <a:srgbClr val="000000">
@@ -20761,8 +17091,8 @@
         </p:blipFill>
         <p:spPr bwMode="auto">
           <a:xfrm>
-            <a:off x="1579310" y="1026991"/>
-            <a:ext cx="6120000" cy="5319637"/>
+            <a:off x="1579245" y="1026795"/>
+            <a:ext cx="6120130" cy="5319395"/>
           </a:xfrm>
           <a:prstGeom prst="rect">
             <a:avLst/>
@@ -20812,11 +17142,11 @@
   <p:clrMapOvr>
     <a:masterClrMapping/>
   </p:clrMapOvr>
-  <mc:AlternateContent xmlns:mc="http://schemas.openxmlformats.org/markup-compatibility/2006" xmlns:p14="http://schemas.microsoft.com/office/powerpoint/2010/main">
-    <mc:Choice Requires="p14">
+  <mc:AlternateContent xmlns:mc="http://schemas.openxmlformats.org/markup-compatibility/2006">
+    <mc:Choice xmlns:p14="http://schemas.microsoft.com/office/powerpoint/2010/main" Requires="p14">
       <p:transition spd="slow" p14:dur="2000"/>
     </mc:Choice>
-    <mc:Fallback xmlns="">
+    <mc:Fallback>
       <p:transition spd="slow"/>
     </mc:Fallback>
   </mc:AlternateContent>
@@ -20831,7 +17161,7 @@
 </file>
 
 <file path=ppt/slides/slide3.xml><?xml version="1.0" encoding="utf-8"?>
-<p:sld xmlns:a="http://schemas.openxmlformats.org/drawingml/2006/main" xmlns:r="http://schemas.openxmlformats.org/officeDocument/2006/relationships" xmlns:p="http://schemas.openxmlformats.org/presentationml/2006/main">
+<p:sld xmlns:a="http://schemas.openxmlformats.org/drawingml/2006/main" xmlns:r="http://schemas.openxmlformats.org/officeDocument/2006/relationships" xmlns:p="http://schemas.openxmlformats.org/presentationml/2006/main" xmlns:p14="http://schemas.microsoft.com/office/powerpoint/2010/main">
   <p:cSld>
     <p:spTree>
       <p:nvGrpSpPr>
@@ -23005,201 +19335,6 @@
           </a:graphicData>
         </a:graphic>
       </p:graphicFrame>
-      <p:graphicFrame>
-        <p:nvGraphicFramePr>
-          <p:cNvPr id="6" name="표 5"/>
-          <p:cNvGraphicFramePr>
-            <a:graphicFrameLocks noGrp="1"/>
-          </p:cNvGraphicFramePr>
-          <p:nvPr/>
-        </p:nvGraphicFramePr>
-        <p:xfrm>
-          <a:off x="8020050" y="152400"/>
-          <a:ext cx="1993265" cy="247650"/>
-        </p:xfrm>
-        <a:graphic>
-          <a:graphicData uri="http://schemas.openxmlformats.org/drawingml/2006/table">
-            <a:tbl>
-              <a:tblPr firstRow="1" bandRow="1">
-                <a:tableStyleId>{5C22544A-7EE6-4342-B048-85BDC9FD1C3A}</a:tableStyleId>
-              </a:tblPr>
-              <a:tblGrid>
-                <a:gridCol w="698500"/>
-                <a:gridCol w="1294765"/>
-              </a:tblGrid>
-              <a:tr h="247650">
-                <a:tc>
-                  <a:txBody>
-                    <a:bodyPr/>
-                    <a:lstStyle/>
-                    <a:p>
-                      <a:pPr marL="0" indent="0" algn="l" defTabSz="914400" eaLnBrk="1" latinLnBrk="1" hangingPunct="1">
-                        <a:lnSpc>
-                          <a:spcPct val="100000"/>
-                        </a:lnSpc>
-                        <a:spcBef>
-                          <a:spcPts val="0"/>
-                        </a:spcBef>
-                        <a:spcAft>
-                          <a:spcPts val="0"/>
-                        </a:spcAft>
-                        <a:buFontTx/>
-                        <a:buNone/>
-                      </a:pPr>
-                      <a:r>
-                        <a:rPr lang="en-US" altLang="ko-KR" sz="1000" b="0" i="0" kern="1200">
-                          <a:solidFill>
-                            <a:schemeClr val="tx1"/>
-                          </a:solidFill>
-                          <a:latin typeface="맑은 고딕" charset="0"/>
-                          <a:ea typeface="맑은 고딕" charset="0"/>
-                        </a:rPr>
-                        <a:t>작성자</a:t>
-                      </a:r>
-                      <a:endParaRPr lang="ko-KR" altLang="en-US" sz="1000" b="0" i="0" kern="1200">
-                        <a:solidFill>
-                          <a:schemeClr val="tx1"/>
-                        </a:solidFill>
-                        <a:latin typeface="맑은 고딕" charset="0"/>
-                        <a:ea typeface="맑은 고딕" charset="0"/>
-                      </a:endParaRPr>
-                    </a:p>
-                  </a:txBody>
-                  <a:tcPr marL="90170" marR="90170" marT="46990" marB="46990">
-                    <a:lnL w="12700" cap="flat" cmpd="sng" algn="ctr">
-                      <a:solidFill>
-                        <a:srgbClr val="000000">
-                          <a:alpha val="100000"/>
-                        </a:srgbClr>
-                      </a:solidFill>
-                      <a:prstDash val="solid"/>
-                      <a:round/>
-                      <a:headEnd type="none" w="med" len="med"/>
-                      <a:tailEnd type="none" w="med" len="med"/>
-                    </a:lnL>
-                    <a:lnR w="12700" cap="flat" cmpd="sng" algn="ctr">
-                      <a:solidFill>
-                        <a:srgbClr val="000000">
-                          <a:alpha val="100000"/>
-                        </a:srgbClr>
-                      </a:solidFill>
-                      <a:prstDash val="solid"/>
-                      <a:round/>
-                      <a:headEnd type="none" w="med" len="med"/>
-                      <a:tailEnd type="none" w="med" len="med"/>
-                    </a:lnR>
-                    <a:lnT w="12700" cap="flat" cmpd="sng" algn="ctr">
-                      <a:solidFill>
-                        <a:srgbClr val="000000">
-                          <a:alpha val="100000"/>
-                        </a:srgbClr>
-                      </a:solidFill>
-                      <a:prstDash val="solid"/>
-                      <a:round/>
-                      <a:headEnd type="none" w="med" len="med"/>
-                      <a:tailEnd type="none" w="med" len="med"/>
-                    </a:lnT>
-                    <a:lnB w="12700" cap="flat" cmpd="sng" algn="ctr">
-                      <a:solidFill>
-                        <a:srgbClr val="000000">
-                          <a:alpha val="100000"/>
-                        </a:srgbClr>
-                      </a:solidFill>
-                      <a:prstDash val="solid"/>
-                      <a:round/>
-                      <a:headEnd type="none" w="med" len="med"/>
-                      <a:tailEnd type="none" w="med" len="med"/>
-                    </a:lnB>
-                    <a:solidFill>
-                      <a:schemeClr val="bg1">
-                        <a:lumMod val="85000"/>
-                        <a:lumOff val="0"/>
-                      </a:schemeClr>
-                    </a:solidFill>
-                  </a:tcPr>
-                </a:tc>
-                <a:tc>
-                  <a:txBody>
-                    <a:bodyPr/>
-                    <a:lstStyle/>
-                    <a:p>
-                      <a:pPr marL="0" indent="0" algn="ctr" defTabSz="914400" eaLnBrk="1" latinLnBrk="1" hangingPunct="1">
-                        <a:lnSpc>
-                          <a:spcPct val="100000"/>
-                        </a:lnSpc>
-                        <a:spcBef>
-                          <a:spcPts val="0"/>
-                        </a:spcBef>
-                        <a:spcAft>
-                          <a:spcPts val="0"/>
-                        </a:spcAft>
-                        <a:buFontTx/>
-                        <a:buNone/>
-                      </a:pPr>
-                      <a:endParaRPr lang="ko-KR" altLang="en-US" sz="1000" b="1" i="0" kern="1200">
-                        <a:solidFill>
-                          <a:schemeClr val="tx1"/>
-                        </a:solidFill>
-                        <a:latin typeface="맑은 고딕" charset="0"/>
-                        <a:ea typeface="맑은 고딕" charset="0"/>
-                      </a:endParaRPr>
-                    </a:p>
-                  </a:txBody>
-                  <a:tcPr marL="90170" marR="90170" marT="46990" marB="46990">
-                    <a:lnL w="12700" cap="flat" cmpd="sng" algn="ctr">
-                      <a:solidFill>
-                        <a:srgbClr val="000000">
-                          <a:alpha val="100000"/>
-                        </a:srgbClr>
-                      </a:solidFill>
-                      <a:prstDash val="solid"/>
-                      <a:round/>
-                      <a:headEnd type="none" w="med" len="med"/>
-                      <a:tailEnd type="none" w="med" len="med"/>
-                    </a:lnL>
-                    <a:lnR w="12700" cap="flat" cmpd="sng" algn="ctr">
-                      <a:solidFill>
-                        <a:srgbClr val="000000">
-                          <a:alpha val="100000"/>
-                        </a:srgbClr>
-                      </a:solidFill>
-                      <a:prstDash val="solid"/>
-                      <a:round/>
-                      <a:headEnd type="none" w="med" len="med"/>
-                      <a:tailEnd type="none" w="med" len="med"/>
-                    </a:lnR>
-                    <a:lnT w="12700" cap="flat" cmpd="sng" algn="ctr">
-                      <a:solidFill>
-                        <a:srgbClr val="000000">
-                          <a:alpha val="100000"/>
-                        </a:srgbClr>
-                      </a:solidFill>
-                      <a:prstDash val="solid"/>
-                      <a:round/>
-                      <a:headEnd type="none" w="med" len="med"/>
-                      <a:tailEnd type="none" w="med" len="med"/>
-                    </a:lnT>
-                    <a:lnB w="12700" cap="flat" cmpd="sng" algn="ctr">
-                      <a:solidFill>
-                        <a:srgbClr val="000000">
-                          <a:alpha val="100000"/>
-                        </a:srgbClr>
-                      </a:solidFill>
-                      <a:prstDash val="solid"/>
-                      <a:round/>
-                      <a:headEnd type="none" w="med" len="med"/>
-                      <a:tailEnd type="none" w="med" len="med"/>
-                    </a:lnB>
-                    <a:solidFill>
-                      <a:schemeClr val="bg1"/>
-                    </a:solidFill>
-                  </a:tcPr>
-                </a:tc>
-              </a:tr>
-            </a:tbl>
-          </a:graphicData>
-        </a:graphic>
-      </p:graphicFrame>
       <p:pic>
         <p:nvPicPr>
           <p:cNvPr id="9" name="Picture 2"/>
@@ -23221,8 +19356,8 @@
         </p:blipFill>
         <p:spPr bwMode="auto">
           <a:xfrm>
-            <a:off x="1579310" y="1026991"/>
-            <a:ext cx="6120000" cy="5319637"/>
+            <a:off x="1579245" y="1026795"/>
+            <a:ext cx="6120130" cy="5319395"/>
           </a:xfrm>
           <a:prstGeom prst="rect">
             <a:avLst/>
@@ -23262,6 +19397,211 @@
           </a:extLst>
         </p:spPr>
       </p:pic>
+      <p:graphicFrame>
+        <p:nvGraphicFramePr>
+          <p:cNvPr id="10" name="표 9"/>
+          <p:cNvGraphicFramePr>
+            <a:graphicFrameLocks noGrp="1"/>
+          </p:cNvGraphicFramePr>
+          <p:nvPr/>
+        </p:nvGraphicFramePr>
+        <p:xfrm>
+          <a:off x="8020050" y="152400"/>
+          <a:ext cx="1993265" cy="247650"/>
+        </p:xfrm>
+        <a:graphic>
+          <a:graphicData uri="http://schemas.openxmlformats.org/drawingml/2006/table">
+            <a:tbl>
+              <a:tblPr firstRow="1" bandRow="1">
+                <a:tableStyleId>{5C22544A-7EE6-4342-B048-85BDC9FD1C3A}</a:tableStyleId>
+              </a:tblPr>
+              <a:tblGrid>
+                <a:gridCol w="698500"/>
+                <a:gridCol w="1294765"/>
+              </a:tblGrid>
+              <a:tr h="247650">
+                <a:tc>
+                  <a:txBody>
+                    <a:bodyPr/>
+                    <a:lstStyle/>
+                    <a:p>
+                      <a:pPr marL="0" indent="0" algn="l" defTabSz="914400" eaLnBrk="1" latinLnBrk="1" hangingPunct="1">
+                        <a:lnSpc>
+                          <a:spcPct val="100000"/>
+                        </a:lnSpc>
+                        <a:spcBef>
+                          <a:spcPts val="0"/>
+                        </a:spcBef>
+                        <a:spcAft>
+                          <a:spcPts val="0"/>
+                        </a:spcAft>
+                        <a:buFontTx/>
+                        <a:buNone/>
+                      </a:pPr>
+                      <a:r>
+                        <a:rPr lang="en-US" altLang="ko-KR" sz="1000" kern="1200" i="0" b="0">
+                          <a:solidFill>
+                            <a:schemeClr val="tx1"/>
+                          </a:solidFill>
+                          <a:latin typeface="맑은 고딕" charset="0"/>
+                          <a:ea typeface="맑은 고딕" charset="0"/>
+                        </a:rPr>
+                        <a:t>작성자</a:t>
+                      </a:r>
+                      <a:endParaRPr lang="ko-KR" altLang="en-US" sz="1000" kern="1200" i="0" b="0">
+                        <a:solidFill>
+                          <a:schemeClr val="tx1"/>
+                        </a:solidFill>
+                        <a:latin typeface="맑은 고딕" charset="0"/>
+                        <a:ea typeface="맑은 고딕" charset="0"/>
+                      </a:endParaRPr>
+                    </a:p>
+                  </a:txBody>
+                  <a:tcPr marL="90170" marR="90170" marT="46990" marB="46990" anchor="t">
+                    <a:lnL w="12700" cap="flat" cmpd="sng" algn="ctr">
+                      <a:solidFill>
+                        <a:srgbClr val="000000">
+                          <a:alpha val="100000"/>
+                        </a:srgbClr>
+                      </a:solidFill>
+                      <a:prstDash val="solid"/>
+                      <a:round/>
+                      <a:headEnd type="none" w="med" len="med"/>
+                      <a:tailEnd type="none" w="med" len="med"/>
+                    </a:lnL>
+                    <a:lnR w="12700" cap="flat" cmpd="sng" algn="ctr">
+                      <a:solidFill>
+                        <a:srgbClr val="000000">
+                          <a:alpha val="100000"/>
+                        </a:srgbClr>
+                      </a:solidFill>
+                      <a:prstDash val="solid"/>
+                      <a:round/>
+                      <a:headEnd type="none" w="med" len="med"/>
+                      <a:tailEnd type="none" w="med" len="med"/>
+                    </a:lnR>
+                    <a:lnT w="12700" cap="flat" cmpd="sng" algn="ctr">
+                      <a:solidFill>
+                        <a:srgbClr val="000000">
+                          <a:alpha val="100000"/>
+                        </a:srgbClr>
+                      </a:solidFill>
+                      <a:prstDash val="solid"/>
+                      <a:round/>
+                      <a:headEnd type="none" w="med" len="med"/>
+                      <a:tailEnd type="none" w="med" len="med"/>
+                    </a:lnT>
+                    <a:lnB w="12700" cap="flat" cmpd="sng" algn="ctr">
+                      <a:solidFill>
+                        <a:srgbClr val="000000">
+                          <a:alpha val="100000"/>
+                        </a:srgbClr>
+                      </a:solidFill>
+                      <a:prstDash val="solid"/>
+                      <a:round/>
+                      <a:headEnd type="none" w="med" len="med"/>
+                      <a:tailEnd type="none" w="med" len="med"/>
+                    </a:lnB>
+                    <a:solidFill>
+                      <a:schemeClr val="bg1">
+                        <a:lumMod val="85000"/>
+                        <a:lumOff val="0"/>
+                      </a:schemeClr>
+                    </a:solidFill>
+                  </a:tcPr>
+                </a:tc>
+                <a:tc>
+                  <a:txBody>
+                    <a:bodyPr/>
+                    <a:lstStyle/>
+                    <a:p>
+                      <a:pPr marL="0" indent="0" algn="ctr" defTabSz="914400" eaLnBrk="1" latinLnBrk="1" hangingPunct="1">
+                        <a:lnSpc>
+                          <a:spcPct val="100000"/>
+                        </a:lnSpc>
+                        <a:spcBef>
+                          <a:spcPts val="0"/>
+                        </a:spcBef>
+                        <a:spcAft>
+                          <a:spcPts val="0"/>
+                        </a:spcAft>
+                        <a:buFontTx/>
+                        <a:buNone/>
+                      </a:pPr>
+                      <a:r>
+                        <a:rPr lang="ko-KR" altLang="en-US" sz="1000" kern="1200" i="0" b="1">
+                          <a:solidFill>
+                            <a:schemeClr val="tx1"/>
+                          </a:solidFill>
+                          <a:latin typeface="맑은 고딕" charset="0"/>
+                          <a:ea typeface="맑은 고딕" charset="0"/>
+                        </a:rPr>
+                        <a:t>안영우</a:t>
+                      </a:r>
+                      <a:endParaRPr lang="ko-KR" altLang="en-US" sz="1000" kern="1200" i="0" b="1">
+                        <a:solidFill>
+                          <a:schemeClr val="tx1"/>
+                        </a:solidFill>
+                        <a:latin typeface="맑은 고딕" charset="0"/>
+                        <a:ea typeface="맑은 고딕" charset="0"/>
+                      </a:endParaRPr>
+                    </a:p>
+                  </a:txBody>
+                  <a:tcPr marL="90170" marR="90170" marT="46990" marB="46990" anchor="t">
+                    <a:lnL w="12700" cap="flat" cmpd="sng" algn="ctr">
+                      <a:solidFill>
+                        <a:srgbClr val="000000">
+                          <a:alpha val="100000"/>
+                        </a:srgbClr>
+                      </a:solidFill>
+                      <a:prstDash val="solid"/>
+                      <a:round/>
+                      <a:headEnd type="none" w="med" len="med"/>
+                      <a:tailEnd type="none" w="med" len="med"/>
+                    </a:lnL>
+                    <a:lnR w="12700" cap="flat" cmpd="sng" algn="ctr">
+                      <a:solidFill>
+                        <a:srgbClr val="000000">
+                          <a:alpha val="100000"/>
+                        </a:srgbClr>
+                      </a:solidFill>
+                      <a:prstDash val="solid"/>
+                      <a:round/>
+                      <a:headEnd type="none" w="med" len="med"/>
+                      <a:tailEnd type="none" w="med" len="med"/>
+                    </a:lnR>
+                    <a:lnT w="12700" cap="flat" cmpd="sng" algn="ctr">
+                      <a:solidFill>
+                        <a:srgbClr val="000000">
+                          <a:alpha val="100000"/>
+                        </a:srgbClr>
+                      </a:solidFill>
+                      <a:prstDash val="solid"/>
+                      <a:round/>
+                      <a:headEnd type="none" w="med" len="med"/>
+                      <a:tailEnd type="none" w="med" len="med"/>
+                    </a:lnT>
+                    <a:lnB w="12700" cap="flat" cmpd="sng" algn="ctr">
+                      <a:solidFill>
+                        <a:srgbClr val="000000">
+                          <a:alpha val="100000"/>
+                        </a:srgbClr>
+                      </a:solidFill>
+                      <a:prstDash val="solid"/>
+                      <a:round/>
+                      <a:headEnd type="none" w="med" len="med"/>
+                      <a:tailEnd type="none" w="med" len="med"/>
+                    </a:lnB>
+                    <a:solidFill>
+                      <a:schemeClr val="bg1"/>
+                    </a:solidFill>
+                  </a:tcPr>
+                </a:tc>
+              </a:tr>
+            </a:tbl>
+          </a:graphicData>
+        </a:graphic>
+      </p:graphicFrame>
     </p:spTree>
     <p:extLst>
       <p:ext uri="{BB962C8B-B14F-4D97-AF65-F5344CB8AC3E}">
@@ -23272,11 +19612,11 @@
   <p:clrMapOvr>
     <a:masterClrMapping/>
   </p:clrMapOvr>
-  <mc:AlternateContent xmlns:mc="http://schemas.openxmlformats.org/markup-compatibility/2006" xmlns:p14="http://schemas.microsoft.com/office/powerpoint/2010/main">
-    <mc:Choice Requires="p14">
+  <mc:AlternateContent xmlns:mc="http://schemas.openxmlformats.org/markup-compatibility/2006">
+    <mc:Choice xmlns:p14="http://schemas.microsoft.com/office/powerpoint/2010/main" Requires="p14">
       <p:transition spd="slow" p14:dur="2000"/>
     </mc:Choice>
-    <mc:Fallback xmlns="">
+    <mc:Fallback>
       <p:transition spd="slow"/>
     </mc:Fallback>
   </mc:AlternateContent>
@@ -23291,7 +19631,7 @@
 </file>
 
 <file path=ppt/slides/slide4.xml><?xml version="1.0" encoding="utf-8"?>
-<p:sld xmlns:a="http://schemas.openxmlformats.org/drawingml/2006/main" xmlns:r="http://schemas.openxmlformats.org/officeDocument/2006/relationships" xmlns:p="http://schemas.openxmlformats.org/presentationml/2006/main">
+<p:sld xmlns:a="http://schemas.openxmlformats.org/drawingml/2006/main" xmlns:r="http://schemas.openxmlformats.org/officeDocument/2006/relationships" xmlns:p="http://schemas.openxmlformats.org/presentationml/2006/main" xmlns:p14="http://schemas.microsoft.com/office/powerpoint/2010/main">
   <p:cSld>
     <p:spTree>
       <p:nvGrpSpPr>
@@ -26841,201 +23181,6 @@
           </a:graphicData>
         </a:graphic>
       </p:graphicFrame>
-      <p:graphicFrame>
-        <p:nvGraphicFramePr>
-          <p:cNvPr id="6" name="표 5"/>
-          <p:cNvGraphicFramePr>
-            <a:graphicFrameLocks noGrp="1"/>
-          </p:cNvGraphicFramePr>
-          <p:nvPr/>
-        </p:nvGraphicFramePr>
-        <p:xfrm>
-          <a:off x="8020050" y="152400"/>
-          <a:ext cx="1993265" cy="247650"/>
-        </p:xfrm>
-        <a:graphic>
-          <a:graphicData uri="http://schemas.openxmlformats.org/drawingml/2006/table">
-            <a:tbl>
-              <a:tblPr firstRow="1" bandRow="1">
-                <a:tableStyleId>{5C22544A-7EE6-4342-B048-85BDC9FD1C3A}</a:tableStyleId>
-              </a:tblPr>
-              <a:tblGrid>
-                <a:gridCol w="698500"/>
-                <a:gridCol w="1294765"/>
-              </a:tblGrid>
-              <a:tr h="247650">
-                <a:tc>
-                  <a:txBody>
-                    <a:bodyPr/>
-                    <a:lstStyle/>
-                    <a:p>
-                      <a:pPr marL="0" indent="0" algn="l" defTabSz="914400" eaLnBrk="1" latinLnBrk="1" hangingPunct="1">
-                        <a:lnSpc>
-                          <a:spcPct val="100000"/>
-                        </a:lnSpc>
-                        <a:spcBef>
-                          <a:spcPts val="0"/>
-                        </a:spcBef>
-                        <a:spcAft>
-                          <a:spcPts val="0"/>
-                        </a:spcAft>
-                        <a:buFontTx/>
-                        <a:buNone/>
-                      </a:pPr>
-                      <a:r>
-                        <a:rPr lang="en-US" altLang="ko-KR" sz="1000" b="0" i="0" kern="1200">
-                          <a:solidFill>
-                            <a:schemeClr val="tx1"/>
-                          </a:solidFill>
-                          <a:latin typeface="맑은 고딕" charset="0"/>
-                          <a:ea typeface="맑은 고딕" charset="0"/>
-                        </a:rPr>
-                        <a:t>작성자</a:t>
-                      </a:r>
-                      <a:endParaRPr lang="ko-KR" altLang="en-US" sz="1000" b="0" i="0" kern="1200">
-                        <a:solidFill>
-                          <a:schemeClr val="tx1"/>
-                        </a:solidFill>
-                        <a:latin typeface="맑은 고딕" charset="0"/>
-                        <a:ea typeface="맑은 고딕" charset="0"/>
-                      </a:endParaRPr>
-                    </a:p>
-                  </a:txBody>
-                  <a:tcPr marL="90170" marR="90170" marT="46990" marB="46990">
-                    <a:lnL w="12700" cap="flat" cmpd="sng" algn="ctr">
-                      <a:solidFill>
-                        <a:srgbClr val="000000">
-                          <a:alpha val="100000"/>
-                        </a:srgbClr>
-                      </a:solidFill>
-                      <a:prstDash val="solid"/>
-                      <a:round/>
-                      <a:headEnd type="none" w="med" len="med"/>
-                      <a:tailEnd type="none" w="med" len="med"/>
-                    </a:lnL>
-                    <a:lnR w="12700" cap="flat" cmpd="sng" algn="ctr">
-                      <a:solidFill>
-                        <a:srgbClr val="000000">
-                          <a:alpha val="100000"/>
-                        </a:srgbClr>
-                      </a:solidFill>
-                      <a:prstDash val="solid"/>
-                      <a:round/>
-                      <a:headEnd type="none" w="med" len="med"/>
-                      <a:tailEnd type="none" w="med" len="med"/>
-                    </a:lnR>
-                    <a:lnT w="12700" cap="flat" cmpd="sng" algn="ctr">
-                      <a:solidFill>
-                        <a:srgbClr val="000000">
-                          <a:alpha val="100000"/>
-                        </a:srgbClr>
-                      </a:solidFill>
-                      <a:prstDash val="solid"/>
-                      <a:round/>
-                      <a:headEnd type="none" w="med" len="med"/>
-                      <a:tailEnd type="none" w="med" len="med"/>
-                    </a:lnT>
-                    <a:lnB w="12700" cap="flat" cmpd="sng" algn="ctr">
-                      <a:solidFill>
-                        <a:srgbClr val="000000">
-                          <a:alpha val="100000"/>
-                        </a:srgbClr>
-                      </a:solidFill>
-                      <a:prstDash val="solid"/>
-                      <a:round/>
-                      <a:headEnd type="none" w="med" len="med"/>
-                      <a:tailEnd type="none" w="med" len="med"/>
-                    </a:lnB>
-                    <a:solidFill>
-                      <a:schemeClr val="bg1">
-                        <a:lumMod val="85000"/>
-                        <a:lumOff val="0"/>
-                      </a:schemeClr>
-                    </a:solidFill>
-                  </a:tcPr>
-                </a:tc>
-                <a:tc>
-                  <a:txBody>
-                    <a:bodyPr/>
-                    <a:lstStyle/>
-                    <a:p>
-                      <a:pPr marL="0" indent="0" algn="ctr" defTabSz="914400" eaLnBrk="1" latinLnBrk="1" hangingPunct="1">
-                        <a:lnSpc>
-                          <a:spcPct val="100000"/>
-                        </a:lnSpc>
-                        <a:spcBef>
-                          <a:spcPts val="0"/>
-                        </a:spcBef>
-                        <a:spcAft>
-                          <a:spcPts val="0"/>
-                        </a:spcAft>
-                        <a:buFontTx/>
-                        <a:buNone/>
-                      </a:pPr>
-                      <a:endParaRPr lang="ko-KR" altLang="en-US" sz="1000" b="1" i="0" kern="1200">
-                        <a:solidFill>
-                          <a:schemeClr val="tx1"/>
-                        </a:solidFill>
-                        <a:latin typeface="맑은 고딕" charset="0"/>
-                        <a:ea typeface="맑은 고딕" charset="0"/>
-                      </a:endParaRPr>
-                    </a:p>
-                  </a:txBody>
-                  <a:tcPr marL="90170" marR="90170" marT="46990" marB="46990">
-                    <a:lnL w="12700" cap="flat" cmpd="sng" algn="ctr">
-                      <a:solidFill>
-                        <a:srgbClr val="000000">
-                          <a:alpha val="100000"/>
-                        </a:srgbClr>
-                      </a:solidFill>
-                      <a:prstDash val="solid"/>
-                      <a:round/>
-                      <a:headEnd type="none" w="med" len="med"/>
-                      <a:tailEnd type="none" w="med" len="med"/>
-                    </a:lnL>
-                    <a:lnR w="12700" cap="flat" cmpd="sng" algn="ctr">
-                      <a:solidFill>
-                        <a:srgbClr val="000000">
-                          <a:alpha val="100000"/>
-                        </a:srgbClr>
-                      </a:solidFill>
-                      <a:prstDash val="solid"/>
-                      <a:round/>
-                      <a:headEnd type="none" w="med" len="med"/>
-                      <a:tailEnd type="none" w="med" len="med"/>
-                    </a:lnR>
-                    <a:lnT w="12700" cap="flat" cmpd="sng" algn="ctr">
-                      <a:solidFill>
-                        <a:srgbClr val="000000">
-                          <a:alpha val="100000"/>
-                        </a:srgbClr>
-                      </a:solidFill>
-                      <a:prstDash val="solid"/>
-                      <a:round/>
-                      <a:headEnd type="none" w="med" len="med"/>
-                      <a:tailEnd type="none" w="med" len="med"/>
-                    </a:lnT>
-                    <a:lnB w="12700" cap="flat" cmpd="sng" algn="ctr">
-                      <a:solidFill>
-                        <a:srgbClr val="000000">
-                          <a:alpha val="100000"/>
-                        </a:srgbClr>
-                      </a:solidFill>
-                      <a:prstDash val="solid"/>
-                      <a:round/>
-                      <a:headEnd type="none" w="med" len="med"/>
-                      <a:tailEnd type="none" w="med" len="med"/>
-                    </a:lnB>
-                    <a:solidFill>
-                      <a:schemeClr val="bg1"/>
-                    </a:solidFill>
-                  </a:tcPr>
-                </a:tc>
-              </a:tr>
-            </a:tbl>
-          </a:graphicData>
-        </a:graphic>
-      </p:graphicFrame>
       <p:pic>
         <p:nvPicPr>
           <p:cNvPr id="7" name="Picture 2"/>
@@ -27059,8 +23204,8 @@
         </p:blipFill>
         <p:spPr bwMode="auto">
           <a:xfrm>
-            <a:off x="1545708" y="1047704"/>
-            <a:ext cx="4680000" cy="3554754"/>
+            <a:off x="1545590" y="1047750"/>
+            <a:ext cx="4679950" cy="3554730"/>
           </a:xfrm>
           <a:prstGeom prst="rect">
             <a:avLst/>
@@ -27100,6 +23245,211 @@
           </a:extLst>
         </p:spPr>
       </p:pic>
+      <p:graphicFrame>
+        <p:nvGraphicFramePr>
+          <p:cNvPr id="8" name="표 7"/>
+          <p:cNvGraphicFramePr>
+            <a:graphicFrameLocks noGrp="1"/>
+          </p:cNvGraphicFramePr>
+          <p:nvPr/>
+        </p:nvGraphicFramePr>
+        <p:xfrm>
+          <a:off x="8020050" y="152400"/>
+          <a:ext cx="1993265" cy="247650"/>
+        </p:xfrm>
+        <a:graphic>
+          <a:graphicData uri="http://schemas.openxmlformats.org/drawingml/2006/table">
+            <a:tbl>
+              <a:tblPr firstRow="1" bandRow="1">
+                <a:tableStyleId>{5C22544A-7EE6-4342-B048-85BDC9FD1C3A}</a:tableStyleId>
+              </a:tblPr>
+              <a:tblGrid>
+                <a:gridCol w="698500"/>
+                <a:gridCol w="1294765"/>
+              </a:tblGrid>
+              <a:tr h="247650">
+                <a:tc>
+                  <a:txBody>
+                    <a:bodyPr/>
+                    <a:lstStyle/>
+                    <a:p>
+                      <a:pPr marL="0" indent="0" algn="l" defTabSz="914400" eaLnBrk="1" latinLnBrk="1" hangingPunct="1">
+                        <a:lnSpc>
+                          <a:spcPct val="100000"/>
+                        </a:lnSpc>
+                        <a:spcBef>
+                          <a:spcPts val="0"/>
+                        </a:spcBef>
+                        <a:spcAft>
+                          <a:spcPts val="0"/>
+                        </a:spcAft>
+                        <a:buFontTx/>
+                        <a:buNone/>
+                      </a:pPr>
+                      <a:r>
+                        <a:rPr lang="en-US" altLang="ko-KR" sz="1000" kern="1200" i="0" b="0">
+                          <a:solidFill>
+                            <a:schemeClr val="tx1"/>
+                          </a:solidFill>
+                          <a:latin typeface="맑은 고딕" charset="0"/>
+                          <a:ea typeface="맑은 고딕" charset="0"/>
+                        </a:rPr>
+                        <a:t>작성자</a:t>
+                      </a:r>
+                      <a:endParaRPr lang="ko-KR" altLang="en-US" sz="1000" kern="1200" i="0" b="0">
+                        <a:solidFill>
+                          <a:schemeClr val="tx1"/>
+                        </a:solidFill>
+                        <a:latin typeface="맑은 고딕" charset="0"/>
+                        <a:ea typeface="맑은 고딕" charset="0"/>
+                      </a:endParaRPr>
+                    </a:p>
+                  </a:txBody>
+                  <a:tcPr marL="90170" marR="90170" marT="46990" marB="46990" anchor="t">
+                    <a:lnL w="12700" cap="flat" cmpd="sng" algn="ctr">
+                      <a:solidFill>
+                        <a:srgbClr val="000000">
+                          <a:alpha val="100000"/>
+                        </a:srgbClr>
+                      </a:solidFill>
+                      <a:prstDash val="solid"/>
+                      <a:round/>
+                      <a:headEnd type="none" w="med" len="med"/>
+                      <a:tailEnd type="none" w="med" len="med"/>
+                    </a:lnL>
+                    <a:lnR w="12700" cap="flat" cmpd="sng" algn="ctr">
+                      <a:solidFill>
+                        <a:srgbClr val="000000">
+                          <a:alpha val="100000"/>
+                        </a:srgbClr>
+                      </a:solidFill>
+                      <a:prstDash val="solid"/>
+                      <a:round/>
+                      <a:headEnd type="none" w="med" len="med"/>
+                      <a:tailEnd type="none" w="med" len="med"/>
+                    </a:lnR>
+                    <a:lnT w="12700" cap="flat" cmpd="sng" algn="ctr">
+                      <a:solidFill>
+                        <a:srgbClr val="000000">
+                          <a:alpha val="100000"/>
+                        </a:srgbClr>
+                      </a:solidFill>
+                      <a:prstDash val="solid"/>
+                      <a:round/>
+                      <a:headEnd type="none" w="med" len="med"/>
+                      <a:tailEnd type="none" w="med" len="med"/>
+                    </a:lnT>
+                    <a:lnB w="12700" cap="flat" cmpd="sng" algn="ctr">
+                      <a:solidFill>
+                        <a:srgbClr val="000000">
+                          <a:alpha val="100000"/>
+                        </a:srgbClr>
+                      </a:solidFill>
+                      <a:prstDash val="solid"/>
+                      <a:round/>
+                      <a:headEnd type="none" w="med" len="med"/>
+                      <a:tailEnd type="none" w="med" len="med"/>
+                    </a:lnB>
+                    <a:solidFill>
+                      <a:schemeClr val="bg1">
+                        <a:lumMod val="85000"/>
+                        <a:lumOff val="0"/>
+                      </a:schemeClr>
+                    </a:solidFill>
+                  </a:tcPr>
+                </a:tc>
+                <a:tc>
+                  <a:txBody>
+                    <a:bodyPr/>
+                    <a:lstStyle/>
+                    <a:p>
+                      <a:pPr marL="0" indent="0" algn="ctr" defTabSz="914400" eaLnBrk="1" latinLnBrk="1" hangingPunct="1">
+                        <a:lnSpc>
+                          <a:spcPct val="100000"/>
+                        </a:lnSpc>
+                        <a:spcBef>
+                          <a:spcPts val="0"/>
+                        </a:spcBef>
+                        <a:spcAft>
+                          <a:spcPts val="0"/>
+                        </a:spcAft>
+                        <a:buFontTx/>
+                        <a:buNone/>
+                      </a:pPr>
+                      <a:r>
+                        <a:rPr lang="ko-KR" altLang="en-US" sz="1000" kern="1200" i="0" b="1">
+                          <a:solidFill>
+                            <a:schemeClr val="tx1"/>
+                          </a:solidFill>
+                          <a:latin typeface="맑은 고딕" charset="0"/>
+                          <a:ea typeface="맑은 고딕" charset="0"/>
+                        </a:rPr>
+                        <a:t>안영우</a:t>
+                      </a:r>
+                      <a:endParaRPr lang="ko-KR" altLang="en-US" sz="1000" kern="1200" i="0" b="1">
+                        <a:solidFill>
+                          <a:schemeClr val="tx1"/>
+                        </a:solidFill>
+                        <a:latin typeface="맑은 고딕" charset="0"/>
+                        <a:ea typeface="맑은 고딕" charset="0"/>
+                      </a:endParaRPr>
+                    </a:p>
+                  </a:txBody>
+                  <a:tcPr marL="90170" marR="90170" marT="46990" marB="46990" anchor="t">
+                    <a:lnL w="12700" cap="flat" cmpd="sng" algn="ctr">
+                      <a:solidFill>
+                        <a:srgbClr val="000000">
+                          <a:alpha val="100000"/>
+                        </a:srgbClr>
+                      </a:solidFill>
+                      <a:prstDash val="solid"/>
+                      <a:round/>
+                      <a:headEnd type="none" w="med" len="med"/>
+                      <a:tailEnd type="none" w="med" len="med"/>
+                    </a:lnL>
+                    <a:lnR w="12700" cap="flat" cmpd="sng" algn="ctr">
+                      <a:solidFill>
+                        <a:srgbClr val="000000">
+                          <a:alpha val="100000"/>
+                        </a:srgbClr>
+                      </a:solidFill>
+                      <a:prstDash val="solid"/>
+                      <a:round/>
+                      <a:headEnd type="none" w="med" len="med"/>
+                      <a:tailEnd type="none" w="med" len="med"/>
+                    </a:lnR>
+                    <a:lnT w="12700" cap="flat" cmpd="sng" algn="ctr">
+                      <a:solidFill>
+                        <a:srgbClr val="000000">
+                          <a:alpha val="100000"/>
+                        </a:srgbClr>
+                      </a:solidFill>
+                      <a:prstDash val="solid"/>
+                      <a:round/>
+                      <a:headEnd type="none" w="med" len="med"/>
+                      <a:tailEnd type="none" w="med" len="med"/>
+                    </a:lnT>
+                    <a:lnB w="12700" cap="flat" cmpd="sng" algn="ctr">
+                      <a:solidFill>
+                        <a:srgbClr val="000000">
+                          <a:alpha val="100000"/>
+                        </a:srgbClr>
+                      </a:solidFill>
+                      <a:prstDash val="solid"/>
+                      <a:round/>
+                      <a:headEnd type="none" w="med" len="med"/>
+                      <a:tailEnd type="none" w="med" len="med"/>
+                    </a:lnB>
+                    <a:solidFill>
+                      <a:schemeClr val="bg1"/>
+                    </a:solidFill>
+                  </a:tcPr>
+                </a:tc>
+              </a:tr>
+            </a:tbl>
+          </a:graphicData>
+        </a:graphic>
+      </p:graphicFrame>
     </p:spTree>
     <p:extLst>
       <p:ext uri="{BB962C8B-B14F-4D97-AF65-F5344CB8AC3E}">
@@ -27110,11 +23460,11 @@
   <p:clrMapOvr>
     <a:masterClrMapping/>
   </p:clrMapOvr>
-  <mc:AlternateContent xmlns:mc="http://schemas.openxmlformats.org/markup-compatibility/2006" xmlns:p14="http://schemas.microsoft.com/office/powerpoint/2010/main">
-    <mc:Choice Requires="p14">
+  <mc:AlternateContent xmlns:mc="http://schemas.openxmlformats.org/markup-compatibility/2006">
+    <mc:Choice xmlns:p14="http://schemas.microsoft.com/office/powerpoint/2010/main" Requires="p14">
       <p:transition spd="slow" p14:dur="2000"/>
     </mc:Choice>
-    <mc:Fallback xmlns="">
+    <mc:Fallback>
       <p:transition spd="slow"/>
     </mc:Fallback>
   </mc:AlternateContent>
@@ -27129,7 +23479,7 @@
 </file>
 
 <file path=ppt/slides/slide5.xml><?xml version="1.0" encoding="utf-8"?>
-<p:sld xmlns:a="http://schemas.openxmlformats.org/drawingml/2006/main" xmlns:r="http://schemas.openxmlformats.org/officeDocument/2006/relationships" xmlns:p="http://schemas.openxmlformats.org/presentationml/2006/main">
+<p:sld xmlns:a="http://schemas.openxmlformats.org/drawingml/2006/main" xmlns:r="http://schemas.openxmlformats.org/officeDocument/2006/relationships" xmlns:p="http://schemas.openxmlformats.org/presentationml/2006/main" xmlns:p14="http://schemas.microsoft.com/office/powerpoint/2010/main">
   <p:cSld>
     <p:spTree>
       <p:nvGrpSpPr>
@@ -29410,201 +25760,6 @@
           </a:graphicData>
         </a:graphic>
       </p:graphicFrame>
-      <p:graphicFrame>
-        <p:nvGraphicFramePr>
-          <p:cNvPr id="6" name="표 5"/>
-          <p:cNvGraphicFramePr>
-            <a:graphicFrameLocks noGrp="1"/>
-          </p:cNvGraphicFramePr>
-          <p:nvPr/>
-        </p:nvGraphicFramePr>
-        <p:xfrm>
-          <a:off x="8020050" y="152400"/>
-          <a:ext cx="1993265" cy="247650"/>
-        </p:xfrm>
-        <a:graphic>
-          <a:graphicData uri="http://schemas.openxmlformats.org/drawingml/2006/table">
-            <a:tbl>
-              <a:tblPr firstRow="1" bandRow="1">
-                <a:tableStyleId>{5C22544A-7EE6-4342-B048-85BDC9FD1C3A}</a:tableStyleId>
-              </a:tblPr>
-              <a:tblGrid>
-                <a:gridCol w="698500"/>
-                <a:gridCol w="1294765"/>
-              </a:tblGrid>
-              <a:tr h="247650">
-                <a:tc>
-                  <a:txBody>
-                    <a:bodyPr/>
-                    <a:lstStyle/>
-                    <a:p>
-                      <a:pPr marL="0" indent="0" algn="l" defTabSz="914400" eaLnBrk="1" latinLnBrk="1" hangingPunct="1">
-                        <a:lnSpc>
-                          <a:spcPct val="100000"/>
-                        </a:lnSpc>
-                        <a:spcBef>
-                          <a:spcPts val="0"/>
-                        </a:spcBef>
-                        <a:spcAft>
-                          <a:spcPts val="0"/>
-                        </a:spcAft>
-                        <a:buFontTx/>
-                        <a:buNone/>
-                      </a:pPr>
-                      <a:r>
-                        <a:rPr lang="en-US" altLang="ko-KR" sz="1000" b="0" i="0" kern="1200">
-                          <a:solidFill>
-                            <a:schemeClr val="tx1"/>
-                          </a:solidFill>
-                          <a:latin typeface="맑은 고딕" charset="0"/>
-                          <a:ea typeface="맑은 고딕" charset="0"/>
-                        </a:rPr>
-                        <a:t>작성자</a:t>
-                      </a:r>
-                      <a:endParaRPr lang="ko-KR" altLang="en-US" sz="1000" b="0" i="0" kern="1200">
-                        <a:solidFill>
-                          <a:schemeClr val="tx1"/>
-                        </a:solidFill>
-                        <a:latin typeface="맑은 고딕" charset="0"/>
-                        <a:ea typeface="맑은 고딕" charset="0"/>
-                      </a:endParaRPr>
-                    </a:p>
-                  </a:txBody>
-                  <a:tcPr marL="90170" marR="90170" marT="46990" marB="46990">
-                    <a:lnL w="12700" cap="flat" cmpd="sng" algn="ctr">
-                      <a:solidFill>
-                        <a:srgbClr val="000000">
-                          <a:alpha val="100000"/>
-                        </a:srgbClr>
-                      </a:solidFill>
-                      <a:prstDash val="solid"/>
-                      <a:round/>
-                      <a:headEnd type="none" w="med" len="med"/>
-                      <a:tailEnd type="none" w="med" len="med"/>
-                    </a:lnL>
-                    <a:lnR w="12700" cap="flat" cmpd="sng" algn="ctr">
-                      <a:solidFill>
-                        <a:srgbClr val="000000">
-                          <a:alpha val="100000"/>
-                        </a:srgbClr>
-                      </a:solidFill>
-                      <a:prstDash val="solid"/>
-                      <a:round/>
-                      <a:headEnd type="none" w="med" len="med"/>
-                      <a:tailEnd type="none" w="med" len="med"/>
-                    </a:lnR>
-                    <a:lnT w="12700" cap="flat" cmpd="sng" algn="ctr">
-                      <a:solidFill>
-                        <a:srgbClr val="000000">
-                          <a:alpha val="100000"/>
-                        </a:srgbClr>
-                      </a:solidFill>
-                      <a:prstDash val="solid"/>
-                      <a:round/>
-                      <a:headEnd type="none" w="med" len="med"/>
-                      <a:tailEnd type="none" w="med" len="med"/>
-                    </a:lnT>
-                    <a:lnB w="12700" cap="flat" cmpd="sng" algn="ctr">
-                      <a:solidFill>
-                        <a:srgbClr val="000000">
-                          <a:alpha val="100000"/>
-                        </a:srgbClr>
-                      </a:solidFill>
-                      <a:prstDash val="solid"/>
-                      <a:round/>
-                      <a:headEnd type="none" w="med" len="med"/>
-                      <a:tailEnd type="none" w="med" len="med"/>
-                    </a:lnB>
-                    <a:solidFill>
-                      <a:schemeClr val="bg1">
-                        <a:lumMod val="85000"/>
-                        <a:lumOff val="0"/>
-                      </a:schemeClr>
-                    </a:solidFill>
-                  </a:tcPr>
-                </a:tc>
-                <a:tc>
-                  <a:txBody>
-                    <a:bodyPr/>
-                    <a:lstStyle/>
-                    <a:p>
-                      <a:pPr marL="0" indent="0" algn="ctr" defTabSz="914400" eaLnBrk="1" latinLnBrk="1" hangingPunct="1">
-                        <a:lnSpc>
-                          <a:spcPct val="100000"/>
-                        </a:lnSpc>
-                        <a:spcBef>
-                          <a:spcPts val="0"/>
-                        </a:spcBef>
-                        <a:spcAft>
-                          <a:spcPts val="0"/>
-                        </a:spcAft>
-                        <a:buFontTx/>
-                        <a:buNone/>
-                      </a:pPr>
-                      <a:endParaRPr lang="ko-KR" altLang="en-US" sz="1000" b="1" i="0" kern="1200">
-                        <a:solidFill>
-                          <a:schemeClr val="tx1"/>
-                        </a:solidFill>
-                        <a:latin typeface="맑은 고딕" charset="0"/>
-                        <a:ea typeface="맑은 고딕" charset="0"/>
-                      </a:endParaRPr>
-                    </a:p>
-                  </a:txBody>
-                  <a:tcPr marL="90170" marR="90170" marT="46990" marB="46990">
-                    <a:lnL w="12700" cap="flat" cmpd="sng" algn="ctr">
-                      <a:solidFill>
-                        <a:srgbClr val="000000">
-                          <a:alpha val="100000"/>
-                        </a:srgbClr>
-                      </a:solidFill>
-                      <a:prstDash val="solid"/>
-                      <a:round/>
-                      <a:headEnd type="none" w="med" len="med"/>
-                      <a:tailEnd type="none" w="med" len="med"/>
-                    </a:lnL>
-                    <a:lnR w="12700" cap="flat" cmpd="sng" algn="ctr">
-                      <a:solidFill>
-                        <a:srgbClr val="000000">
-                          <a:alpha val="100000"/>
-                        </a:srgbClr>
-                      </a:solidFill>
-                      <a:prstDash val="solid"/>
-                      <a:round/>
-                      <a:headEnd type="none" w="med" len="med"/>
-                      <a:tailEnd type="none" w="med" len="med"/>
-                    </a:lnR>
-                    <a:lnT w="12700" cap="flat" cmpd="sng" algn="ctr">
-                      <a:solidFill>
-                        <a:srgbClr val="000000">
-                          <a:alpha val="100000"/>
-                        </a:srgbClr>
-                      </a:solidFill>
-                      <a:prstDash val="solid"/>
-                      <a:round/>
-                      <a:headEnd type="none" w="med" len="med"/>
-                      <a:tailEnd type="none" w="med" len="med"/>
-                    </a:lnT>
-                    <a:lnB w="12700" cap="flat" cmpd="sng" algn="ctr">
-                      <a:solidFill>
-                        <a:srgbClr val="000000">
-                          <a:alpha val="100000"/>
-                        </a:srgbClr>
-                      </a:solidFill>
-                      <a:prstDash val="solid"/>
-                      <a:round/>
-                      <a:headEnd type="none" w="med" len="med"/>
-                      <a:tailEnd type="none" w="med" len="med"/>
-                    </a:lnB>
-                    <a:solidFill>
-                      <a:schemeClr val="bg1"/>
-                    </a:solidFill>
-                  </a:tcPr>
-                </a:tc>
-              </a:tr>
-            </a:tbl>
-          </a:graphicData>
-        </a:graphic>
-      </p:graphicFrame>
       <p:pic>
         <p:nvPicPr>
           <p:cNvPr id="4099" name="Picture 3"/>
@@ -29628,8 +25783,8 @@
         </p:blipFill>
         <p:spPr bwMode="auto">
           <a:xfrm>
-            <a:off x="1496182" y="908190"/>
-            <a:ext cx="6120000" cy="5249077"/>
+            <a:off x="1496060" y="908050"/>
+            <a:ext cx="6120130" cy="5248910"/>
           </a:xfrm>
           <a:prstGeom prst="rect">
             <a:avLst/>
@@ -29669,6 +25824,211 @@
           </a:extLst>
         </p:spPr>
       </p:pic>
+      <p:graphicFrame>
+        <p:nvGraphicFramePr>
+          <p:cNvPr id="4100" name="표 4099"/>
+          <p:cNvGraphicFramePr>
+            <a:graphicFrameLocks noGrp="1"/>
+          </p:cNvGraphicFramePr>
+          <p:nvPr/>
+        </p:nvGraphicFramePr>
+        <p:xfrm>
+          <a:off x="8020050" y="152400"/>
+          <a:ext cx="1993265" cy="247650"/>
+        </p:xfrm>
+        <a:graphic>
+          <a:graphicData uri="http://schemas.openxmlformats.org/drawingml/2006/table">
+            <a:tbl>
+              <a:tblPr firstRow="1" bandRow="1">
+                <a:tableStyleId>{5C22544A-7EE6-4342-B048-85BDC9FD1C3A}</a:tableStyleId>
+              </a:tblPr>
+              <a:tblGrid>
+                <a:gridCol w="698500"/>
+                <a:gridCol w="1294765"/>
+              </a:tblGrid>
+              <a:tr h="247650">
+                <a:tc>
+                  <a:txBody>
+                    <a:bodyPr/>
+                    <a:lstStyle/>
+                    <a:p>
+                      <a:pPr marL="0" indent="0" algn="l" defTabSz="914400" eaLnBrk="1" latinLnBrk="1" hangingPunct="1">
+                        <a:lnSpc>
+                          <a:spcPct val="100000"/>
+                        </a:lnSpc>
+                        <a:spcBef>
+                          <a:spcPts val="0"/>
+                        </a:spcBef>
+                        <a:spcAft>
+                          <a:spcPts val="0"/>
+                        </a:spcAft>
+                        <a:buFontTx/>
+                        <a:buNone/>
+                      </a:pPr>
+                      <a:r>
+                        <a:rPr lang="en-US" altLang="ko-KR" sz="1000" kern="1200" i="0" b="0">
+                          <a:solidFill>
+                            <a:schemeClr val="tx1"/>
+                          </a:solidFill>
+                          <a:latin typeface="맑은 고딕" charset="0"/>
+                          <a:ea typeface="맑은 고딕" charset="0"/>
+                        </a:rPr>
+                        <a:t>작성자</a:t>
+                      </a:r>
+                      <a:endParaRPr lang="ko-KR" altLang="en-US" sz="1000" kern="1200" i="0" b="0">
+                        <a:solidFill>
+                          <a:schemeClr val="tx1"/>
+                        </a:solidFill>
+                        <a:latin typeface="맑은 고딕" charset="0"/>
+                        <a:ea typeface="맑은 고딕" charset="0"/>
+                      </a:endParaRPr>
+                    </a:p>
+                  </a:txBody>
+                  <a:tcPr marL="90170" marR="90170" marT="46990" marB="46990" anchor="t">
+                    <a:lnL w="12700" cap="flat" cmpd="sng" algn="ctr">
+                      <a:solidFill>
+                        <a:srgbClr val="000000">
+                          <a:alpha val="100000"/>
+                        </a:srgbClr>
+                      </a:solidFill>
+                      <a:prstDash val="solid"/>
+                      <a:round/>
+                      <a:headEnd type="none" w="med" len="med"/>
+                      <a:tailEnd type="none" w="med" len="med"/>
+                    </a:lnL>
+                    <a:lnR w="12700" cap="flat" cmpd="sng" algn="ctr">
+                      <a:solidFill>
+                        <a:srgbClr val="000000">
+                          <a:alpha val="100000"/>
+                        </a:srgbClr>
+                      </a:solidFill>
+                      <a:prstDash val="solid"/>
+                      <a:round/>
+                      <a:headEnd type="none" w="med" len="med"/>
+                      <a:tailEnd type="none" w="med" len="med"/>
+                    </a:lnR>
+                    <a:lnT w="12700" cap="flat" cmpd="sng" algn="ctr">
+                      <a:solidFill>
+                        <a:srgbClr val="000000">
+                          <a:alpha val="100000"/>
+                        </a:srgbClr>
+                      </a:solidFill>
+                      <a:prstDash val="solid"/>
+                      <a:round/>
+                      <a:headEnd type="none" w="med" len="med"/>
+                      <a:tailEnd type="none" w="med" len="med"/>
+                    </a:lnT>
+                    <a:lnB w="12700" cap="flat" cmpd="sng" algn="ctr">
+                      <a:solidFill>
+                        <a:srgbClr val="000000">
+                          <a:alpha val="100000"/>
+                        </a:srgbClr>
+                      </a:solidFill>
+                      <a:prstDash val="solid"/>
+                      <a:round/>
+                      <a:headEnd type="none" w="med" len="med"/>
+                      <a:tailEnd type="none" w="med" len="med"/>
+                    </a:lnB>
+                    <a:solidFill>
+                      <a:schemeClr val="bg1">
+                        <a:lumMod val="85000"/>
+                        <a:lumOff val="0"/>
+                      </a:schemeClr>
+                    </a:solidFill>
+                  </a:tcPr>
+                </a:tc>
+                <a:tc>
+                  <a:txBody>
+                    <a:bodyPr/>
+                    <a:lstStyle/>
+                    <a:p>
+                      <a:pPr marL="0" indent="0" algn="ctr" defTabSz="914400" eaLnBrk="1" latinLnBrk="1" hangingPunct="1">
+                        <a:lnSpc>
+                          <a:spcPct val="100000"/>
+                        </a:lnSpc>
+                        <a:spcBef>
+                          <a:spcPts val="0"/>
+                        </a:spcBef>
+                        <a:spcAft>
+                          <a:spcPts val="0"/>
+                        </a:spcAft>
+                        <a:buFontTx/>
+                        <a:buNone/>
+                      </a:pPr>
+                      <a:r>
+                        <a:rPr lang="ko-KR" altLang="en-US" sz="1000" kern="1200" i="0" b="1">
+                          <a:solidFill>
+                            <a:schemeClr val="tx1"/>
+                          </a:solidFill>
+                          <a:latin typeface="맑은 고딕" charset="0"/>
+                          <a:ea typeface="맑은 고딕" charset="0"/>
+                        </a:rPr>
+                        <a:t>안영우</a:t>
+                      </a:r>
+                      <a:endParaRPr lang="ko-KR" altLang="en-US" sz="1000" kern="1200" i="0" b="1">
+                        <a:solidFill>
+                          <a:schemeClr val="tx1"/>
+                        </a:solidFill>
+                        <a:latin typeface="맑은 고딕" charset="0"/>
+                        <a:ea typeface="맑은 고딕" charset="0"/>
+                      </a:endParaRPr>
+                    </a:p>
+                  </a:txBody>
+                  <a:tcPr marL="90170" marR="90170" marT="46990" marB="46990" anchor="t">
+                    <a:lnL w="12700" cap="flat" cmpd="sng" algn="ctr">
+                      <a:solidFill>
+                        <a:srgbClr val="000000">
+                          <a:alpha val="100000"/>
+                        </a:srgbClr>
+                      </a:solidFill>
+                      <a:prstDash val="solid"/>
+                      <a:round/>
+                      <a:headEnd type="none" w="med" len="med"/>
+                      <a:tailEnd type="none" w="med" len="med"/>
+                    </a:lnL>
+                    <a:lnR w="12700" cap="flat" cmpd="sng" algn="ctr">
+                      <a:solidFill>
+                        <a:srgbClr val="000000">
+                          <a:alpha val="100000"/>
+                        </a:srgbClr>
+                      </a:solidFill>
+                      <a:prstDash val="solid"/>
+                      <a:round/>
+                      <a:headEnd type="none" w="med" len="med"/>
+                      <a:tailEnd type="none" w="med" len="med"/>
+                    </a:lnR>
+                    <a:lnT w="12700" cap="flat" cmpd="sng" algn="ctr">
+                      <a:solidFill>
+                        <a:srgbClr val="000000">
+                          <a:alpha val="100000"/>
+                        </a:srgbClr>
+                      </a:solidFill>
+                      <a:prstDash val="solid"/>
+                      <a:round/>
+                      <a:headEnd type="none" w="med" len="med"/>
+                      <a:tailEnd type="none" w="med" len="med"/>
+                    </a:lnT>
+                    <a:lnB w="12700" cap="flat" cmpd="sng" algn="ctr">
+                      <a:solidFill>
+                        <a:srgbClr val="000000">
+                          <a:alpha val="100000"/>
+                        </a:srgbClr>
+                      </a:solidFill>
+                      <a:prstDash val="solid"/>
+                      <a:round/>
+                      <a:headEnd type="none" w="med" len="med"/>
+                      <a:tailEnd type="none" w="med" len="med"/>
+                    </a:lnB>
+                    <a:solidFill>
+                      <a:schemeClr val="bg1"/>
+                    </a:solidFill>
+                  </a:tcPr>
+                </a:tc>
+              </a:tr>
+            </a:tbl>
+          </a:graphicData>
+        </a:graphic>
+      </p:graphicFrame>
     </p:spTree>
     <p:extLst>
       <p:ext uri="{BB962C8B-B14F-4D97-AF65-F5344CB8AC3E}">
@@ -29679,11 +26039,11 @@
   <p:clrMapOvr>
     <a:masterClrMapping/>
   </p:clrMapOvr>
-  <mc:AlternateContent xmlns:mc="http://schemas.openxmlformats.org/markup-compatibility/2006" xmlns:p14="http://schemas.microsoft.com/office/powerpoint/2010/main">
-    <mc:Choice Requires="p14">
+  <mc:AlternateContent xmlns:mc="http://schemas.openxmlformats.org/markup-compatibility/2006">
+    <mc:Choice xmlns:p14="http://schemas.microsoft.com/office/powerpoint/2010/main" Requires="p14">
       <p:transition spd="slow" p14:dur="2000"/>
     </mc:Choice>
-    <mc:Fallback xmlns="">
+    <mc:Fallback>
       <p:transition spd="slow"/>
     </mc:Fallback>
   </mc:AlternateContent>
@@ -29698,7 +26058,7 @@
 </file>
 
 <file path=ppt/slides/slide6.xml><?xml version="1.0" encoding="utf-8"?>
-<p:sld xmlns:a="http://schemas.openxmlformats.org/drawingml/2006/main" xmlns:r="http://schemas.openxmlformats.org/officeDocument/2006/relationships" xmlns:p="http://schemas.openxmlformats.org/presentationml/2006/main">
+<p:sld xmlns:a="http://schemas.openxmlformats.org/drawingml/2006/main" xmlns:r="http://schemas.openxmlformats.org/officeDocument/2006/relationships" xmlns:p="http://schemas.openxmlformats.org/presentationml/2006/main" xmlns:p14="http://schemas.microsoft.com/office/powerpoint/2010/main">
   <p:cSld>
     <p:spTree>
       <p:nvGrpSpPr>
@@ -31826,201 +28186,6 @@
           </a:graphicData>
         </a:graphic>
       </p:graphicFrame>
-      <p:graphicFrame>
-        <p:nvGraphicFramePr>
-          <p:cNvPr id="6" name="표 5"/>
-          <p:cNvGraphicFramePr>
-            <a:graphicFrameLocks noGrp="1"/>
-          </p:cNvGraphicFramePr>
-          <p:nvPr/>
-        </p:nvGraphicFramePr>
-        <p:xfrm>
-          <a:off x="8020050" y="152400"/>
-          <a:ext cx="1993265" cy="247650"/>
-        </p:xfrm>
-        <a:graphic>
-          <a:graphicData uri="http://schemas.openxmlformats.org/drawingml/2006/table">
-            <a:tbl>
-              <a:tblPr firstRow="1" bandRow="1">
-                <a:tableStyleId>{5C22544A-7EE6-4342-B048-85BDC9FD1C3A}</a:tableStyleId>
-              </a:tblPr>
-              <a:tblGrid>
-                <a:gridCol w="698500"/>
-                <a:gridCol w="1294765"/>
-              </a:tblGrid>
-              <a:tr h="247650">
-                <a:tc>
-                  <a:txBody>
-                    <a:bodyPr/>
-                    <a:lstStyle/>
-                    <a:p>
-                      <a:pPr marL="0" indent="0" algn="l" defTabSz="914400" eaLnBrk="1" latinLnBrk="1" hangingPunct="1">
-                        <a:lnSpc>
-                          <a:spcPct val="100000"/>
-                        </a:lnSpc>
-                        <a:spcBef>
-                          <a:spcPts val="0"/>
-                        </a:spcBef>
-                        <a:spcAft>
-                          <a:spcPts val="0"/>
-                        </a:spcAft>
-                        <a:buFontTx/>
-                        <a:buNone/>
-                      </a:pPr>
-                      <a:r>
-                        <a:rPr lang="en-US" altLang="ko-KR" sz="1000" b="0" i="0" kern="1200">
-                          <a:solidFill>
-                            <a:schemeClr val="tx1"/>
-                          </a:solidFill>
-                          <a:latin typeface="맑은 고딕" charset="0"/>
-                          <a:ea typeface="맑은 고딕" charset="0"/>
-                        </a:rPr>
-                        <a:t>작성자</a:t>
-                      </a:r>
-                      <a:endParaRPr lang="ko-KR" altLang="en-US" sz="1000" b="0" i="0" kern="1200">
-                        <a:solidFill>
-                          <a:schemeClr val="tx1"/>
-                        </a:solidFill>
-                        <a:latin typeface="맑은 고딕" charset="0"/>
-                        <a:ea typeface="맑은 고딕" charset="0"/>
-                      </a:endParaRPr>
-                    </a:p>
-                  </a:txBody>
-                  <a:tcPr marL="90170" marR="90170" marT="46990" marB="46990">
-                    <a:lnL w="12700" cap="flat" cmpd="sng" algn="ctr">
-                      <a:solidFill>
-                        <a:srgbClr val="000000">
-                          <a:alpha val="100000"/>
-                        </a:srgbClr>
-                      </a:solidFill>
-                      <a:prstDash val="solid"/>
-                      <a:round/>
-                      <a:headEnd type="none" w="med" len="med"/>
-                      <a:tailEnd type="none" w="med" len="med"/>
-                    </a:lnL>
-                    <a:lnR w="12700" cap="flat" cmpd="sng" algn="ctr">
-                      <a:solidFill>
-                        <a:srgbClr val="000000">
-                          <a:alpha val="100000"/>
-                        </a:srgbClr>
-                      </a:solidFill>
-                      <a:prstDash val="solid"/>
-                      <a:round/>
-                      <a:headEnd type="none" w="med" len="med"/>
-                      <a:tailEnd type="none" w="med" len="med"/>
-                    </a:lnR>
-                    <a:lnT w="12700" cap="flat" cmpd="sng" algn="ctr">
-                      <a:solidFill>
-                        <a:srgbClr val="000000">
-                          <a:alpha val="100000"/>
-                        </a:srgbClr>
-                      </a:solidFill>
-                      <a:prstDash val="solid"/>
-                      <a:round/>
-                      <a:headEnd type="none" w="med" len="med"/>
-                      <a:tailEnd type="none" w="med" len="med"/>
-                    </a:lnT>
-                    <a:lnB w="12700" cap="flat" cmpd="sng" algn="ctr">
-                      <a:solidFill>
-                        <a:srgbClr val="000000">
-                          <a:alpha val="100000"/>
-                        </a:srgbClr>
-                      </a:solidFill>
-                      <a:prstDash val="solid"/>
-                      <a:round/>
-                      <a:headEnd type="none" w="med" len="med"/>
-                      <a:tailEnd type="none" w="med" len="med"/>
-                    </a:lnB>
-                    <a:solidFill>
-                      <a:schemeClr val="bg1">
-                        <a:lumMod val="85000"/>
-                        <a:lumOff val="0"/>
-                      </a:schemeClr>
-                    </a:solidFill>
-                  </a:tcPr>
-                </a:tc>
-                <a:tc>
-                  <a:txBody>
-                    <a:bodyPr/>
-                    <a:lstStyle/>
-                    <a:p>
-                      <a:pPr marL="0" indent="0" algn="ctr" defTabSz="914400" eaLnBrk="1" latinLnBrk="1" hangingPunct="1">
-                        <a:lnSpc>
-                          <a:spcPct val="100000"/>
-                        </a:lnSpc>
-                        <a:spcBef>
-                          <a:spcPts val="0"/>
-                        </a:spcBef>
-                        <a:spcAft>
-                          <a:spcPts val="0"/>
-                        </a:spcAft>
-                        <a:buFontTx/>
-                        <a:buNone/>
-                      </a:pPr>
-                      <a:endParaRPr lang="ko-KR" altLang="en-US" sz="1000" b="1" i="0" kern="1200">
-                        <a:solidFill>
-                          <a:schemeClr val="tx1"/>
-                        </a:solidFill>
-                        <a:latin typeface="맑은 고딕" charset="0"/>
-                        <a:ea typeface="맑은 고딕" charset="0"/>
-                      </a:endParaRPr>
-                    </a:p>
-                  </a:txBody>
-                  <a:tcPr marL="90170" marR="90170" marT="46990" marB="46990">
-                    <a:lnL w="12700" cap="flat" cmpd="sng" algn="ctr">
-                      <a:solidFill>
-                        <a:srgbClr val="000000">
-                          <a:alpha val="100000"/>
-                        </a:srgbClr>
-                      </a:solidFill>
-                      <a:prstDash val="solid"/>
-                      <a:round/>
-                      <a:headEnd type="none" w="med" len="med"/>
-                      <a:tailEnd type="none" w="med" len="med"/>
-                    </a:lnL>
-                    <a:lnR w="12700" cap="flat" cmpd="sng" algn="ctr">
-                      <a:solidFill>
-                        <a:srgbClr val="000000">
-                          <a:alpha val="100000"/>
-                        </a:srgbClr>
-                      </a:solidFill>
-                      <a:prstDash val="solid"/>
-                      <a:round/>
-                      <a:headEnd type="none" w="med" len="med"/>
-                      <a:tailEnd type="none" w="med" len="med"/>
-                    </a:lnR>
-                    <a:lnT w="12700" cap="flat" cmpd="sng" algn="ctr">
-                      <a:solidFill>
-                        <a:srgbClr val="000000">
-                          <a:alpha val="100000"/>
-                        </a:srgbClr>
-                      </a:solidFill>
-                      <a:prstDash val="solid"/>
-                      <a:round/>
-                      <a:headEnd type="none" w="med" len="med"/>
-                      <a:tailEnd type="none" w="med" len="med"/>
-                    </a:lnT>
-                    <a:lnB w="12700" cap="flat" cmpd="sng" algn="ctr">
-                      <a:solidFill>
-                        <a:srgbClr val="000000">
-                          <a:alpha val="100000"/>
-                        </a:srgbClr>
-                      </a:solidFill>
-                      <a:prstDash val="solid"/>
-                      <a:round/>
-                      <a:headEnd type="none" w="med" len="med"/>
-                      <a:tailEnd type="none" w="med" len="med"/>
-                    </a:lnB>
-                    <a:solidFill>
-                      <a:schemeClr val="bg1"/>
-                    </a:solidFill>
-                  </a:tcPr>
-                </a:tc>
-              </a:tr>
-            </a:tbl>
-          </a:graphicData>
-        </a:graphic>
-      </p:graphicFrame>
       <p:pic>
         <p:nvPicPr>
           <p:cNvPr id="8" name="Picture 3"/>
@@ -32044,8 +28209,8 @@
         </p:blipFill>
         <p:spPr bwMode="auto">
           <a:xfrm>
-            <a:off x="1496182" y="908190"/>
-            <a:ext cx="6120000" cy="5249077"/>
+            <a:off x="1496060" y="908050"/>
+            <a:ext cx="6120130" cy="5248910"/>
           </a:xfrm>
           <a:prstGeom prst="rect">
             <a:avLst/>
@@ -32085,6 +28250,211 @@
           </a:extLst>
         </p:spPr>
       </p:pic>
+      <p:graphicFrame>
+        <p:nvGraphicFramePr>
+          <p:cNvPr id="9" name="표 8"/>
+          <p:cNvGraphicFramePr>
+            <a:graphicFrameLocks noGrp="1"/>
+          </p:cNvGraphicFramePr>
+          <p:nvPr/>
+        </p:nvGraphicFramePr>
+        <p:xfrm>
+          <a:off x="8020050" y="152400"/>
+          <a:ext cx="1993265" cy="247650"/>
+        </p:xfrm>
+        <a:graphic>
+          <a:graphicData uri="http://schemas.openxmlformats.org/drawingml/2006/table">
+            <a:tbl>
+              <a:tblPr firstRow="1" bandRow="1">
+                <a:tableStyleId>{5C22544A-7EE6-4342-B048-85BDC9FD1C3A}</a:tableStyleId>
+              </a:tblPr>
+              <a:tblGrid>
+                <a:gridCol w="698500"/>
+                <a:gridCol w="1294765"/>
+              </a:tblGrid>
+              <a:tr h="247650">
+                <a:tc>
+                  <a:txBody>
+                    <a:bodyPr/>
+                    <a:lstStyle/>
+                    <a:p>
+                      <a:pPr marL="0" indent="0" algn="l" defTabSz="914400" eaLnBrk="1" latinLnBrk="1" hangingPunct="1">
+                        <a:lnSpc>
+                          <a:spcPct val="100000"/>
+                        </a:lnSpc>
+                        <a:spcBef>
+                          <a:spcPts val="0"/>
+                        </a:spcBef>
+                        <a:spcAft>
+                          <a:spcPts val="0"/>
+                        </a:spcAft>
+                        <a:buFontTx/>
+                        <a:buNone/>
+                      </a:pPr>
+                      <a:r>
+                        <a:rPr lang="en-US" altLang="ko-KR" sz="1000" kern="1200" i="0" b="0">
+                          <a:solidFill>
+                            <a:schemeClr val="tx1"/>
+                          </a:solidFill>
+                          <a:latin typeface="맑은 고딕" charset="0"/>
+                          <a:ea typeface="맑은 고딕" charset="0"/>
+                        </a:rPr>
+                        <a:t>작성자</a:t>
+                      </a:r>
+                      <a:endParaRPr lang="ko-KR" altLang="en-US" sz="1000" kern="1200" i="0" b="0">
+                        <a:solidFill>
+                          <a:schemeClr val="tx1"/>
+                        </a:solidFill>
+                        <a:latin typeface="맑은 고딕" charset="0"/>
+                        <a:ea typeface="맑은 고딕" charset="0"/>
+                      </a:endParaRPr>
+                    </a:p>
+                  </a:txBody>
+                  <a:tcPr marL="90170" marR="90170" marT="46990" marB="46990" anchor="t">
+                    <a:lnL w="12700" cap="flat" cmpd="sng" algn="ctr">
+                      <a:solidFill>
+                        <a:srgbClr val="000000">
+                          <a:alpha val="100000"/>
+                        </a:srgbClr>
+                      </a:solidFill>
+                      <a:prstDash val="solid"/>
+                      <a:round/>
+                      <a:headEnd type="none" w="med" len="med"/>
+                      <a:tailEnd type="none" w="med" len="med"/>
+                    </a:lnL>
+                    <a:lnR w="12700" cap="flat" cmpd="sng" algn="ctr">
+                      <a:solidFill>
+                        <a:srgbClr val="000000">
+                          <a:alpha val="100000"/>
+                        </a:srgbClr>
+                      </a:solidFill>
+                      <a:prstDash val="solid"/>
+                      <a:round/>
+                      <a:headEnd type="none" w="med" len="med"/>
+                      <a:tailEnd type="none" w="med" len="med"/>
+                    </a:lnR>
+                    <a:lnT w="12700" cap="flat" cmpd="sng" algn="ctr">
+                      <a:solidFill>
+                        <a:srgbClr val="000000">
+                          <a:alpha val="100000"/>
+                        </a:srgbClr>
+                      </a:solidFill>
+                      <a:prstDash val="solid"/>
+                      <a:round/>
+                      <a:headEnd type="none" w="med" len="med"/>
+                      <a:tailEnd type="none" w="med" len="med"/>
+                    </a:lnT>
+                    <a:lnB w="12700" cap="flat" cmpd="sng" algn="ctr">
+                      <a:solidFill>
+                        <a:srgbClr val="000000">
+                          <a:alpha val="100000"/>
+                        </a:srgbClr>
+                      </a:solidFill>
+                      <a:prstDash val="solid"/>
+                      <a:round/>
+                      <a:headEnd type="none" w="med" len="med"/>
+                      <a:tailEnd type="none" w="med" len="med"/>
+                    </a:lnB>
+                    <a:solidFill>
+                      <a:schemeClr val="bg1">
+                        <a:lumMod val="85000"/>
+                        <a:lumOff val="0"/>
+                      </a:schemeClr>
+                    </a:solidFill>
+                  </a:tcPr>
+                </a:tc>
+                <a:tc>
+                  <a:txBody>
+                    <a:bodyPr/>
+                    <a:lstStyle/>
+                    <a:p>
+                      <a:pPr marL="0" indent="0" algn="ctr" defTabSz="914400" eaLnBrk="1" latinLnBrk="1" hangingPunct="1">
+                        <a:lnSpc>
+                          <a:spcPct val="100000"/>
+                        </a:lnSpc>
+                        <a:spcBef>
+                          <a:spcPts val="0"/>
+                        </a:spcBef>
+                        <a:spcAft>
+                          <a:spcPts val="0"/>
+                        </a:spcAft>
+                        <a:buFontTx/>
+                        <a:buNone/>
+                      </a:pPr>
+                      <a:r>
+                        <a:rPr lang="ko-KR" altLang="en-US" sz="1000" kern="1200" i="0" b="1">
+                          <a:solidFill>
+                            <a:schemeClr val="tx1"/>
+                          </a:solidFill>
+                          <a:latin typeface="맑은 고딕" charset="0"/>
+                          <a:ea typeface="맑은 고딕" charset="0"/>
+                        </a:rPr>
+                        <a:t>안영우</a:t>
+                      </a:r>
+                      <a:endParaRPr lang="ko-KR" altLang="en-US" sz="1000" kern="1200" i="0" b="1">
+                        <a:solidFill>
+                          <a:schemeClr val="tx1"/>
+                        </a:solidFill>
+                        <a:latin typeface="맑은 고딕" charset="0"/>
+                        <a:ea typeface="맑은 고딕" charset="0"/>
+                      </a:endParaRPr>
+                    </a:p>
+                  </a:txBody>
+                  <a:tcPr marL="90170" marR="90170" marT="46990" marB="46990" anchor="t">
+                    <a:lnL w="12700" cap="flat" cmpd="sng" algn="ctr">
+                      <a:solidFill>
+                        <a:srgbClr val="000000">
+                          <a:alpha val="100000"/>
+                        </a:srgbClr>
+                      </a:solidFill>
+                      <a:prstDash val="solid"/>
+                      <a:round/>
+                      <a:headEnd type="none" w="med" len="med"/>
+                      <a:tailEnd type="none" w="med" len="med"/>
+                    </a:lnL>
+                    <a:lnR w="12700" cap="flat" cmpd="sng" algn="ctr">
+                      <a:solidFill>
+                        <a:srgbClr val="000000">
+                          <a:alpha val="100000"/>
+                        </a:srgbClr>
+                      </a:solidFill>
+                      <a:prstDash val="solid"/>
+                      <a:round/>
+                      <a:headEnd type="none" w="med" len="med"/>
+                      <a:tailEnd type="none" w="med" len="med"/>
+                    </a:lnR>
+                    <a:lnT w="12700" cap="flat" cmpd="sng" algn="ctr">
+                      <a:solidFill>
+                        <a:srgbClr val="000000">
+                          <a:alpha val="100000"/>
+                        </a:srgbClr>
+                      </a:solidFill>
+                      <a:prstDash val="solid"/>
+                      <a:round/>
+                      <a:headEnd type="none" w="med" len="med"/>
+                      <a:tailEnd type="none" w="med" len="med"/>
+                    </a:lnT>
+                    <a:lnB w="12700" cap="flat" cmpd="sng" algn="ctr">
+                      <a:solidFill>
+                        <a:srgbClr val="000000">
+                          <a:alpha val="100000"/>
+                        </a:srgbClr>
+                      </a:solidFill>
+                      <a:prstDash val="solid"/>
+                      <a:round/>
+                      <a:headEnd type="none" w="med" len="med"/>
+                      <a:tailEnd type="none" w="med" len="med"/>
+                    </a:lnB>
+                    <a:solidFill>
+                      <a:schemeClr val="bg1"/>
+                    </a:solidFill>
+                  </a:tcPr>
+                </a:tc>
+              </a:tr>
+            </a:tbl>
+          </a:graphicData>
+        </a:graphic>
+      </p:graphicFrame>
     </p:spTree>
     <p:extLst>
       <p:ext uri="{BB962C8B-B14F-4D97-AF65-F5344CB8AC3E}">
@@ -32095,11 +28465,11 @@
   <p:clrMapOvr>
     <a:masterClrMapping/>
   </p:clrMapOvr>
-  <mc:AlternateContent xmlns:mc="http://schemas.openxmlformats.org/markup-compatibility/2006" xmlns:p14="http://schemas.microsoft.com/office/powerpoint/2010/main">
-    <mc:Choice Requires="p14">
+  <mc:AlternateContent xmlns:mc="http://schemas.openxmlformats.org/markup-compatibility/2006">
+    <mc:Choice xmlns:p14="http://schemas.microsoft.com/office/powerpoint/2010/main" Requires="p14">
       <p:transition spd="slow" p14:dur="2000"/>
     </mc:Choice>
-    <mc:Fallback xmlns="">
+    <mc:Fallback>
       <p:transition spd="slow"/>
     </mc:Fallback>
   </mc:AlternateContent>
@@ -32172,7 +28542,7 @@
                         <a:buNone/>
                       </a:pPr>
                       <a:r>
-                        <a:rPr lang="en-US" altLang="ko-KR" sz="1000" b="0" i="0" kern="1200">
+                        <a:rPr lang="en-US" altLang="ko-KR" sz="1000" kern="1200" i="0" b="0">
                           <a:solidFill>
                             <a:schemeClr val="tx1"/>
                           </a:solidFill>
@@ -32181,7 +28551,7 @@
                         </a:rPr>
                         <a:t>화면 코드</a:t>
                       </a:r>
-                      <a:endParaRPr lang="ko-KR" altLang="en-US" sz="1000" b="0" i="0" kern="1200">
+                      <a:endParaRPr lang="ko-KR" altLang="en-US" sz="1000" kern="1200" i="0" b="0">
                         <a:solidFill>
                           <a:schemeClr val="tx1"/>
                         </a:solidFill>
@@ -32190,7 +28560,196 @@
                       </a:endParaRPr>
                     </a:p>
                   </a:txBody>
-                  <a:tcPr marL="90170" marR="90170" marT="46990" marB="46990">
+                  <a:tcPr marL="90170" marR="90170" marT="46990" marB="46990" anchor="t">
+                    <a:lnL w="12700" cap="flat" cmpd="sng" algn="ctr">
+                      <a:solidFill>
+                        <a:srgbClr val="000000">
+                          <a:alpha val="100000"/>
+                        </a:srgbClr>
+                      </a:solidFill>
+                      <a:prstDash val="solid"/>
+                      <a:round/>
+                      <a:headEnd type="none" w="med" len="med"/>
+                      <a:tailEnd type="none" w="med" len="med"/>
+                    </a:lnL>
+                    <a:lnR w="12700" cap="flat" cmpd="sng" algn="ctr">
+                      <a:solidFill>
+                        <a:srgbClr val="000000">
+                          <a:alpha val="100000"/>
+                        </a:srgbClr>
+                      </a:solidFill>
+                      <a:prstDash val="solid"/>
+                      <a:round/>
+                      <a:headEnd type="none" w="med" len="med"/>
+                      <a:tailEnd type="none" w="med" len="med"/>
+                    </a:lnR>
+                    <a:lnT w="12700" cap="flat" cmpd="sng" algn="ctr">
+                      <a:solidFill>
+                        <a:srgbClr val="000000">
+                          <a:alpha val="100000"/>
+                        </a:srgbClr>
+                      </a:solidFill>
+                      <a:prstDash val="solid"/>
+                      <a:round/>
+                      <a:headEnd type="none" w="med" len="med"/>
+                      <a:tailEnd type="none" w="med" len="med"/>
+                    </a:lnT>
+                    <a:lnB w="12700" cap="flat" cmpd="sng" algn="ctr">
+                      <a:solidFill>
+                        <a:srgbClr val="000000">
+                          <a:alpha val="100000"/>
+                        </a:srgbClr>
+                      </a:solidFill>
+                      <a:prstDash val="solid"/>
+                      <a:round/>
+                      <a:headEnd type="none" w="med" len="med"/>
+                      <a:tailEnd type="none" w="med" len="med"/>
+                    </a:lnB>
+                    <a:solidFill>
+                      <a:schemeClr val="bg1">
+                        <a:lumMod val="85000"/>
+                        <a:lumOff val="0"/>
+                      </a:schemeClr>
+                    </a:solidFill>
+                  </a:tcPr>
+                </a:tc>
+                <a:tc>
+                  <a:txBody>
+                    <a:bodyPr/>
+                    <a:lstStyle/>
+                    <a:p>
+                      <a:pPr marL="0" indent="0" algn="ctr" fontAlgn="ctr" defTabSz="914400" eaLnBrk="1" latinLnBrk="1" hangingPunct="1">
+                        <a:lnSpc>
+                          <a:spcPct val="100000"/>
+                        </a:lnSpc>
+                        <a:spcBef>
+                          <a:spcPts val="0"/>
+                        </a:spcBef>
+                        <a:spcAft>
+                          <a:spcPts val="0"/>
+                        </a:spcAft>
+                        <a:buFontTx/>
+                        <a:buNone/>
+                      </a:pPr>
+                      <a:r>
+                        <a:rPr lang="en-US" sz="1100" kern="1200" i="0" b="0" strike="noStrike">
+                          <a:solidFill>
+                            <a:srgbClr val="000000"/>
+                          </a:solidFill>
+                          <a:latin typeface="맑은 고딕" charset="0"/>
+                          <a:ea typeface="맑은 고딕" charset="0"/>
+                        </a:rPr>
+                        <a:t>F-BC-P</a:t>
+                      </a:r>
+                      <a:r>
+                        <a:rPr lang="en-US" sz="1100" kern="1200" i="0" b="0" strike="noStrike">
+                          <a:solidFill>
+                            <a:srgbClr val="000000"/>
+                          </a:solidFill>
+                          <a:latin typeface="맑은 고딕" charset="0"/>
+                          <a:ea typeface="맑은 고딕" charset="0"/>
+                        </a:rPr>
+                        <a:t>R</a:t>
+                      </a:r>
+                      <a:endParaRPr lang="ko-KR" altLang="en-US" sz="1100" kern="1200" i="0" b="0" strike="noStrike">
+                        <a:solidFill>
+                          <a:srgbClr val="000000"/>
+                        </a:solidFill>
+                        <a:latin typeface="맑은 고딕" charset="0"/>
+                        <a:ea typeface="맑은 고딕" charset="0"/>
+                      </a:endParaRPr>
+                    </a:p>
+                  </a:txBody>
+                  <a:tcPr marL="9525" marR="9525" marT="9525" marB="0" anchor="ctr">
+                    <a:lnL w="12700" cap="flat" cmpd="sng" algn="ctr">
+                      <a:solidFill>
+                        <a:srgbClr val="000000">
+                          <a:alpha val="100000"/>
+                        </a:srgbClr>
+                      </a:solidFill>
+                      <a:prstDash val="solid"/>
+                      <a:round/>
+                      <a:headEnd type="none" w="med" len="med"/>
+                      <a:tailEnd type="none" w="med" len="med"/>
+                    </a:lnL>
+                    <a:lnR w="12700" cap="flat" cmpd="sng" algn="ctr">
+                      <a:solidFill>
+                        <a:srgbClr val="000000">
+                          <a:alpha val="100000"/>
+                        </a:srgbClr>
+                      </a:solidFill>
+                      <a:prstDash val="solid"/>
+                      <a:round/>
+                      <a:headEnd type="none" w="med" len="med"/>
+                      <a:tailEnd type="none" w="med" len="med"/>
+                    </a:lnR>
+                    <a:lnT w="12700" cap="flat" cmpd="sng" algn="ctr">
+                      <a:solidFill>
+                        <a:srgbClr val="000000">
+                          <a:alpha val="100000"/>
+                        </a:srgbClr>
+                      </a:solidFill>
+                      <a:prstDash val="solid"/>
+                      <a:round/>
+                      <a:headEnd type="none" w="med" len="med"/>
+                      <a:tailEnd type="none" w="med" len="med"/>
+                    </a:lnT>
+                    <a:lnB w="12700" cap="flat" cmpd="sng" algn="ctr">
+                      <a:solidFill>
+                        <a:srgbClr val="000000">
+                          <a:alpha val="100000"/>
+                        </a:srgbClr>
+                      </a:solidFill>
+                      <a:prstDash val="solid"/>
+                      <a:round/>
+                      <a:headEnd type="none" w="med" len="med"/>
+                      <a:tailEnd type="none" w="med" len="med"/>
+                    </a:lnB>
+                    <a:solidFill>
+                      <a:schemeClr val="bg1"/>
+                    </a:solidFill>
+                  </a:tcPr>
+                </a:tc>
+              </a:tr>
+              <a:tr h="247650">
+                <a:tc>
+                  <a:txBody>
+                    <a:bodyPr/>
+                    <a:lstStyle/>
+                    <a:p>
+                      <a:pPr marL="0" indent="0" algn="l" defTabSz="914400" eaLnBrk="1" latinLnBrk="1" hangingPunct="1">
+                        <a:lnSpc>
+                          <a:spcPct val="100000"/>
+                        </a:lnSpc>
+                        <a:spcBef>
+                          <a:spcPts val="0"/>
+                        </a:spcBef>
+                        <a:spcAft>
+                          <a:spcPts val="0"/>
+                        </a:spcAft>
+                        <a:buFontTx/>
+                        <a:buNone/>
+                      </a:pPr>
+                      <a:r>
+                        <a:rPr lang="en-US" altLang="ko-KR" sz="1000" kern="1200" i="0" b="0">
+                          <a:solidFill>
+                            <a:schemeClr val="tx1"/>
+                          </a:solidFill>
+                          <a:latin typeface="맑은 고딕" charset="0"/>
+                          <a:ea typeface="맑은 고딕" charset="0"/>
+                        </a:rPr>
+                        <a:t>화면명</a:t>
+                      </a:r>
+                      <a:endParaRPr lang="ko-KR" altLang="en-US" sz="1000" kern="1200" i="0" b="0">
+                        <a:solidFill>
+                          <a:schemeClr val="tx1"/>
+                        </a:solidFill>
+                        <a:latin typeface="맑은 고딕" charset="0"/>
+                        <a:ea typeface="맑은 고딕" charset="0"/>
+                      </a:endParaRPr>
+                    </a:p>
+                  </a:txBody>
+                  <a:tcPr marL="90170" marR="90170" marT="46990" marB="46990" anchor="t">
                     <a:lnL w="12700" cap="flat" cmpd="sng" algn="ctr">
                       <a:solidFill>
                         <a:srgbClr val="000000">
@@ -32262,16 +28821,26 @@
                         <a:buNone/>
                       </a:pPr>
                       <a:r>
-                        <a:rPr lang="en-US" altLang="ko-KR" sz="1000" b="1" i="0" kern="1200">
+                        <a:rPr lang="ko-KR" altLang="en-US" sz="1000" kern="1200" i="0" b="0">
                           <a:solidFill>
                             <a:schemeClr val="tx1"/>
                           </a:solidFill>
                           <a:latin typeface="맑은 고딕" charset="0"/>
                           <a:ea typeface="맑은 고딕" charset="0"/>
                         </a:rPr>
-                        <a:t>F-MA</a:t>
-                      </a:r>
-                      <a:endParaRPr lang="ko-KR" altLang="en-US" sz="1000" b="1" i="0" kern="1200">
+                        <a:t>게시글</a:t>
+                      </a:r>
+                      <a:r>
+                        <a:rPr lang="ko-KR" altLang="en-US" sz="1000" kern="1200" i="0" b="0">
+                          <a:solidFill>
+                            <a:schemeClr val="tx1"/>
+                          </a:solidFill>
+                          <a:latin typeface="맑은 고딕" charset="0"/>
+                          <a:ea typeface="맑은 고딕" charset="0"/>
+                        </a:rPr>
+                        <a:t>읽기</a:t>
+                      </a:r>
+                      <a:endParaRPr lang="ko-KR" altLang="en-US" sz="1000" kern="1200" i="0" b="0">
                         <a:solidFill>
                           <a:schemeClr val="tx1"/>
                         </a:solidFill>
@@ -32280,176 +28849,7 @@
                       </a:endParaRPr>
                     </a:p>
                   </a:txBody>
-                  <a:tcPr marL="90170" marR="90170" marT="46990" marB="46990">
-                    <a:lnL w="12700" cap="flat" cmpd="sng" algn="ctr">
-                      <a:solidFill>
-                        <a:srgbClr val="000000">
-                          <a:alpha val="100000"/>
-                        </a:srgbClr>
-                      </a:solidFill>
-                      <a:prstDash val="solid"/>
-                      <a:round/>
-                      <a:headEnd type="none" w="med" len="med"/>
-                      <a:tailEnd type="none" w="med" len="med"/>
-                    </a:lnL>
-                    <a:lnR w="12700" cap="flat" cmpd="sng" algn="ctr">
-                      <a:solidFill>
-                        <a:srgbClr val="000000">
-                          <a:alpha val="100000"/>
-                        </a:srgbClr>
-                      </a:solidFill>
-                      <a:prstDash val="solid"/>
-                      <a:round/>
-                      <a:headEnd type="none" w="med" len="med"/>
-                      <a:tailEnd type="none" w="med" len="med"/>
-                    </a:lnR>
-                    <a:lnT w="12700" cap="flat" cmpd="sng" algn="ctr">
-                      <a:solidFill>
-                        <a:srgbClr val="000000">
-                          <a:alpha val="100000"/>
-                        </a:srgbClr>
-                      </a:solidFill>
-                      <a:prstDash val="solid"/>
-                      <a:round/>
-                      <a:headEnd type="none" w="med" len="med"/>
-                      <a:tailEnd type="none" w="med" len="med"/>
-                    </a:lnT>
-                    <a:lnB w="12700" cap="flat" cmpd="sng" algn="ctr">
-                      <a:solidFill>
-                        <a:srgbClr val="000000">
-                          <a:alpha val="100000"/>
-                        </a:srgbClr>
-                      </a:solidFill>
-                      <a:prstDash val="solid"/>
-                      <a:round/>
-                      <a:headEnd type="none" w="med" len="med"/>
-                      <a:tailEnd type="none" w="med" len="med"/>
-                    </a:lnB>
-                    <a:solidFill>
-                      <a:schemeClr val="bg1"/>
-                    </a:solidFill>
-                  </a:tcPr>
-                </a:tc>
-              </a:tr>
-              <a:tr h="247650">
-                <a:tc>
-                  <a:txBody>
-                    <a:bodyPr/>
-                    <a:lstStyle/>
-                    <a:p>
-                      <a:pPr marL="0" indent="0" algn="l" defTabSz="914400" eaLnBrk="1" latinLnBrk="1" hangingPunct="1">
-                        <a:lnSpc>
-                          <a:spcPct val="100000"/>
-                        </a:lnSpc>
-                        <a:spcBef>
-                          <a:spcPts val="0"/>
-                        </a:spcBef>
-                        <a:spcAft>
-                          <a:spcPts val="0"/>
-                        </a:spcAft>
-                        <a:buFontTx/>
-                        <a:buNone/>
-                      </a:pPr>
-                      <a:r>
-                        <a:rPr lang="en-US" altLang="ko-KR" sz="1000" b="0" i="0" kern="1200">
-                          <a:solidFill>
-                            <a:schemeClr val="tx1"/>
-                          </a:solidFill>
-                          <a:latin typeface="맑은 고딕" charset="0"/>
-                          <a:ea typeface="맑은 고딕" charset="0"/>
-                        </a:rPr>
-                        <a:t>화면명</a:t>
-                      </a:r>
-                      <a:endParaRPr lang="ko-KR" altLang="en-US" sz="1000" b="0" i="0" kern="1200">
-                        <a:solidFill>
-                          <a:schemeClr val="tx1"/>
-                        </a:solidFill>
-                        <a:latin typeface="맑은 고딕" charset="0"/>
-                        <a:ea typeface="맑은 고딕" charset="0"/>
-                      </a:endParaRPr>
-                    </a:p>
-                  </a:txBody>
-                  <a:tcPr marL="90170" marR="90170" marT="46990" marB="46990">
-                    <a:lnL w="12700" cap="flat" cmpd="sng" algn="ctr">
-                      <a:solidFill>
-                        <a:srgbClr val="000000">
-                          <a:alpha val="100000"/>
-                        </a:srgbClr>
-                      </a:solidFill>
-                      <a:prstDash val="solid"/>
-                      <a:round/>
-                      <a:headEnd type="none" w="med" len="med"/>
-                      <a:tailEnd type="none" w="med" len="med"/>
-                    </a:lnL>
-                    <a:lnR w="12700" cap="flat" cmpd="sng" algn="ctr">
-                      <a:solidFill>
-                        <a:srgbClr val="000000">
-                          <a:alpha val="100000"/>
-                        </a:srgbClr>
-                      </a:solidFill>
-                      <a:prstDash val="solid"/>
-                      <a:round/>
-                      <a:headEnd type="none" w="med" len="med"/>
-                      <a:tailEnd type="none" w="med" len="med"/>
-                    </a:lnR>
-                    <a:lnT w="12700" cap="flat" cmpd="sng" algn="ctr">
-                      <a:solidFill>
-                        <a:srgbClr val="000000">
-                          <a:alpha val="100000"/>
-                        </a:srgbClr>
-                      </a:solidFill>
-                      <a:prstDash val="solid"/>
-                      <a:round/>
-                      <a:headEnd type="none" w="med" len="med"/>
-                      <a:tailEnd type="none" w="med" len="med"/>
-                    </a:lnT>
-                    <a:lnB w="12700" cap="flat" cmpd="sng" algn="ctr">
-                      <a:solidFill>
-                        <a:srgbClr val="000000">
-                          <a:alpha val="100000"/>
-                        </a:srgbClr>
-                      </a:solidFill>
-                      <a:prstDash val="solid"/>
-                      <a:round/>
-                      <a:headEnd type="none" w="med" len="med"/>
-                      <a:tailEnd type="none" w="med" len="med"/>
-                    </a:lnB>
-                    <a:solidFill>
-                      <a:schemeClr val="bg1">
-                        <a:lumMod val="85000"/>
-                        <a:lumOff val="0"/>
-                      </a:schemeClr>
-                    </a:solidFill>
-                  </a:tcPr>
-                </a:tc>
-                <a:tc>
-                  <a:txBody>
-                    <a:bodyPr/>
-                    <a:lstStyle/>
-                    <a:p>
-                      <a:pPr marL="0" indent="0" algn="ctr" defTabSz="914400" eaLnBrk="1" latinLnBrk="1" hangingPunct="1">
-                        <a:lnSpc>
-                          <a:spcPct val="100000"/>
-                        </a:lnSpc>
-                        <a:spcBef>
-                          <a:spcPts val="0"/>
-                        </a:spcBef>
-                        <a:spcAft>
-                          <a:spcPts val="0"/>
-                        </a:spcAft>
-                        <a:buFontTx/>
-                        <a:buNone/>
-                      </a:pPr>
-                      <a:endParaRPr lang="ko-KR" altLang="en-US" sz="1000" b="0" i="0" kern="1200">
-                        <a:solidFill>
-                          <a:schemeClr val="tx1"/>
-                        </a:solidFill>
-                        <a:latin typeface="맑은 고딕" charset="0"/>
-                        <a:ea typeface="맑은 고딕" charset="0"/>
-                      </a:endParaRPr>
-                    </a:p>
-                  </a:txBody>
-                  <a:tcPr marL="90170" marR="90170" marT="46990" marB="46990">
+                  <a:tcPr marL="90170" marR="90170" marT="46990" marB="46990" anchor="t">
                     <a:lnL w="12700" cap="flat" cmpd="sng" algn="ctr">
                       <a:solidFill>
                         <a:srgbClr val="000000">
@@ -32513,13 +28913,11 @@
           <p:nvPr/>
         </p:nvSpPr>
         <p:spPr>
-          <a:xfrm>
+          <a:xfrm rot="0">
             <a:off x="142875" y="714375"/>
-            <a:ext cx="8992870" cy="5944870"/>
+            <a:ext cx="8993505" cy="5945505"/>
           </a:xfrm>
-          <a:prstGeom prst="rect">
-            <a:avLst/>
-          </a:prstGeom>
+          <a:prstGeom prst="rect"/>
           <a:noFill/>
           <a:ln w="12700" cap="flat" cmpd="sng">
             <a:solidFill>
@@ -32548,7 +28946,7 @@
           </a:fontRef>
         </p:style>
         <p:txBody>
-          <a:bodyPr vert="horz" wrap="square" lIns="91440" tIns="45720" rIns="91440" bIns="45720" numCol="1" anchor="ctr">
+          <a:bodyPr wrap="square" lIns="91440" tIns="45720" rIns="91440" bIns="45720" numCol="1" vert="horz" anchor="ctr">
             <a:noAutofit/>
           </a:bodyPr>
           <a:lstStyle/>
@@ -32586,7 +28984,7 @@
         </p:nvGraphicFramePr>
         <p:xfrm>
           <a:off x="9196070" y="718185"/>
-          <a:ext cx="2900680" cy="5925820"/>
+          <a:ext cx="2900680" cy="4837430"/>
         </p:xfrm>
         <a:graphic>
           <a:graphicData uri="http://schemas.openxmlformats.org/drawingml/2006/table">
@@ -32619,7 +29017,7 @@
                         <a:buNone/>
                       </a:pPr>
                       <a:r>
-                        <a:rPr lang="en-US" altLang="ko-KR" sz="1000" b="1" i="0" kern="1200">
+                        <a:rPr lang="en-US" altLang="ko-KR" sz="1000" kern="1200" i="0" b="1">
                           <a:solidFill>
                             <a:schemeClr val="tx1"/>
                           </a:solidFill>
@@ -32628,7 +29026,7 @@
                         </a:rPr>
                         <a:t>No.</a:t>
                       </a:r>
-                      <a:endParaRPr lang="ko-KR" altLang="en-US" sz="1000" b="1" i="0" kern="1200">
+                      <a:endParaRPr lang="ko-KR" altLang="en-US" sz="1000" kern="1200" i="0" b="1">
                         <a:solidFill>
                           <a:schemeClr val="tx1"/>
                         </a:solidFill>
@@ -32709,7 +29107,7 @@
                         <a:buNone/>
                       </a:pPr>
                       <a:r>
-                        <a:rPr lang="en-US" altLang="ko-KR" sz="1000" b="1" i="0" kern="1200">
+                        <a:rPr lang="en-US" altLang="ko-KR" sz="1000" kern="1200" i="0" b="1">
                           <a:solidFill>
                             <a:schemeClr val="tx1"/>
                           </a:solidFill>
@@ -32718,7 +29116,7 @@
                         </a:rPr>
                         <a:t>CRUD</a:t>
                       </a:r>
-                      <a:endParaRPr lang="ko-KR" altLang="en-US" sz="1000" b="1" i="0" kern="1200">
+                      <a:endParaRPr lang="ko-KR" altLang="en-US" sz="1000" kern="1200" i="0" b="1">
                         <a:solidFill>
                           <a:schemeClr val="tx1"/>
                         </a:solidFill>
@@ -32799,7 +29197,7 @@
                         <a:buNone/>
                       </a:pPr>
                       <a:r>
-                        <a:rPr lang="en-US" altLang="ko-KR" sz="1000" b="1" i="0" kern="1200">
+                        <a:rPr lang="en-US" altLang="ko-KR" sz="1000" kern="1200" i="0" b="1">
                           <a:solidFill>
                             <a:schemeClr val="tx1"/>
                           </a:solidFill>
@@ -32808,7 +29206,7 @@
                         </a:rPr>
                         <a:t>기능</a:t>
                       </a:r>
-                      <a:endParaRPr lang="ko-KR" altLang="en-US" sz="1000" b="1" i="0" kern="1200">
+                      <a:endParaRPr lang="ko-KR" altLang="en-US" sz="1000" kern="1200" i="0" b="1">
                         <a:solidFill>
                           <a:schemeClr val="tx1"/>
                         </a:solidFill>
@@ -32890,7 +29288,17 @@
                         <a:buFontTx/>
                         <a:buNone/>
                       </a:pPr>
-                      <a:endParaRPr lang="ko-KR" altLang="en-US" sz="1000" b="0" i="0" kern="1200">
+                      <a:r>
+                        <a:rPr lang="en-US" altLang="ko-KR" sz="1000" kern="1200" i="0" b="0">
+                          <a:solidFill>
+                            <a:schemeClr val="tx1"/>
+                          </a:solidFill>
+                          <a:latin typeface="맑은 고딕" charset="0"/>
+                          <a:ea typeface="맑은 고딕" charset="0"/>
+                        </a:rPr>
+                        <a:t>06</a:t>
+                      </a:r>
+                      <a:endParaRPr lang="ko-KR" altLang="en-US" sz="1000" kern="1200" i="0" b="0">
                         <a:solidFill>
                           <a:schemeClr val="tx1"/>
                         </a:solidFill>
@@ -32952,7 +29360,7 @@
                     <a:bodyPr/>
                     <a:lstStyle/>
                     <a:p>
-                      <a:pPr marL="0" indent="0" algn="ctr" defTabSz="914400" eaLnBrk="1" latinLnBrk="1" hangingPunct="1">
+                      <a:pPr marL="0" indent="0" algn="ctr" fontAlgn="ctr" defTabSz="914400" eaLnBrk="1" latinLnBrk="1" hangingPunct="1">
                         <a:lnSpc>
                           <a:spcPct val="100000"/>
                         </a:lnSpc>
@@ -32965,16 +29373,26 @@
                         <a:buFontTx/>
                         <a:buNone/>
                       </a:pPr>
-                      <a:endParaRPr lang="ko-KR" altLang="en-US" sz="1000" b="0" i="0" kern="1200">
+                      <a:r>
+                        <a:rPr lang="en-US" sz="1100" kern="1200" i="0" b="0" strike="noStrike">
+                          <a:solidFill>
+                            <a:srgbClr val="000000"/>
+                          </a:solidFill>
+                          <a:latin typeface="맑은 고딕" charset="0"/>
+                          <a:ea typeface="맑은 고딕" charset="0"/>
+                        </a:rPr>
+                        <a:t>R</a:t>
+                      </a:r>
+                      <a:endParaRPr lang="ko-KR" altLang="en-US" sz="1100" kern="1200" i="0" b="0" strike="noStrike">
                         <a:solidFill>
-                          <a:schemeClr val="tx1"/>
+                          <a:srgbClr val="000000"/>
                         </a:solidFill>
                         <a:latin typeface="맑은 고딕" charset="0"/>
                         <a:ea typeface="맑은 고딕" charset="0"/>
                       </a:endParaRPr>
                     </a:p>
                   </a:txBody>
-                  <a:tcPr marL="0" marR="0" marT="0" marB="0" anchor="ctr">
+                  <a:tcPr marL="9525" marR="9525" marT="9525" marB="0" anchor="ctr">
                     <a:lnL w="12700" cap="flat" cmpd="sng" algn="ctr">
                       <a:solidFill>
                         <a:srgbClr val="000000">
@@ -33040,16 +29458,28 @@
                         <a:buFontTx/>
                         <a:buNone/>
                       </a:pPr>
-                      <a:endParaRPr lang="ko-KR" altLang="en-US" sz="1000" b="0" i="0" kern="1200">
+                      <a:r>
+                        <a:rPr lang="ko-KR" altLang="en-US" sz="1100" kern="1200" i="0" b="0" strike="noStrike">
+                          <a:solidFill>
+                            <a:srgbClr val="000000"/>
+                          </a:solidFill>
+                          <a:latin typeface="맑은 고딕" charset="0"/>
+                          <a:ea typeface="맑은 고딕" charset="0"/>
+                          <a:cs typeface="+mn-cs"/>
+                        </a:rPr>
+                        <a:t>- 제목 READ 후 표시</a:t>
+                      </a:r>
+                      <a:endParaRPr lang="ko-KR" altLang="en-US" sz="1100" kern="1200" i="0" b="0" strike="noStrike">
                         <a:solidFill>
-                          <a:schemeClr val="tx1"/>
+                          <a:srgbClr val="000000"/>
                         </a:solidFill>
                         <a:latin typeface="맑은 고딕" charset="0"/>
                         <a:ea typeface="맑은 고딕" charset="0"/>
+                        <a:cs typeface="+mn-cs"/>
                       </a:endParaRPr>
                     </a:p>
                   </a:txBody>
-                  <a:tcPr marL="0" marR="0" marT="0" marB="0" anchor="ctr">
+                  <a:tcPr marL="9525" marR="9525" marT="9525" marB="0" anchor="ctr">
                     <a:lnL w="12700" cap="flat" cmpd="sng" algn="ctr">
                       <a:solidFill>
                         <a:srgbClr val="000000">
@@ -33119,7 +29549,17 @@
                         <a:buFontTx/>
                         <a:buNone/>
                       </a:pPr>
-                      <a:endParaRPr lang="ko-KR" altLang="en-US" sz="1000" b="0" i="0" kern="1200">
+                      <a:r>
+                        <a:rPr lang="en-US" altLang="ko-KR" sz="1000" kern="1200" i="0" b="0">
+                          <a:solidFill>
+                            <a:schemeClr val="tx1"/>
+                          </a:solidFill>
+                          <a:latin typeface="맑은 고딕" charset="0"/>
+                          <a:ea typeface="맑은 고딕" charset="0"/>
+                        </a:rPr>
+                        <a:t>07</a:t>
+                      </a:r>
+                      <a:endParaRPr lang="ko-KR" altLang="en-US" sz="1000" kern="1200" i="0" b="0">
                         <a:solidFill>
                           <a:schemeClr val="tx1"/>
                         </a:solidFill>
@@ -33181,7 +29621,7 @@
                     <a:bodyPr/>
                     <a:lstStyle/>
                     <a:p>
-                      <a:pPr marL="0" indent="0" algn="ctr" defTabSz="914400" eaLnBrk="1" latinLnBrk="1" hangingPunct="1">
+                      <a:pPr marL="0" indent="0" algn="ctr" fontAlgn="ctr" defTabSz="914400" eaLnBrk="1" latinLnBrk="1" hangingPunct="1">
                         <a:lnSpc>
                           <a:spcPct val="100000"/>
                         </a:lnSpc>
@@ -33194,16 +29634,28 @@
                         <a:buFontTx/>
                         <a:buNone/>
                       </a:pPr>
-                      <a:endParaRPr lang="ko-KR" altLang="en-US" sz="1000" b="0" i="0" kern="1200">
+                      <a:r>
+                        <a:rPr lang="ko-KR" altLang="en-US" sz="1100" kern="1200" i="0" b="0" strike="noStrike">
+                          <a:solidFill>
+                            <a:srgbClr val="000000"/>
+                          </a:solidFill>
+                          <a:latin typeface="맑은 고딕" charset="0"/>
+                          <a:ea typeface="맑은 고딕" charset="0"/>
+                          <a:cs typeface="+mn-cs"/>
+                        </a:rPr>
+                        <a:t>R</a:t>
+                      </a:r>
+                      <a:endParaRPr lang="ko-KR" altLang="en-US" sz="1100" kern="1200" i="0" b="0" strike="noStrike">
                         <a:solidFill>
-                          <a:schemeClr val="tx1"/>
+                          <a:srgbClr val="000000"/>
                         </a:solidFill>
                         <a:latin typeface="맑은 고딕" charset="0"/>
                         <a:ea typeface="맑은 고딕" charset="0"/>
+                        <a:cs typeface="+mn-cs"/>
                       </a:endParaRPr>
                     </a:p>
                   </a:txBody>
-                  <a:tcPr marL="0" marR="0" marT="0" marB="0" anchor="ctr">
+                  <a:tcPr marL="9525" marR="9525" marT="9525" marB="0" anchor="ctr">
                     <a:lnL w="12700" cap="flat" cmpd="sng" algn="ctr">
                       <a:solidFill>
                         <a:srgbClr val="000000">
@@ -33269,16 +29721,28 @@
                         <a:buFontTx/>
                         <a:buNone/>
                       </a:pPr>
-                      <a:endParaRPr lang="ko-KR" altLang="en-US" sz="1000" b="0" i="0" kern="1200">
+                      <a:r>
+                        <a:rPr lang="ko-KR" altLang="en-US" sz="1100" kern="1200" i="0" b="0" strike="noStrike">
+                          <a:solidFill>
+                            <a:srgbClr val="000000"/>
+                          </a:solidFill>
+                          <a:latin typeface="맑은 고딕" charset="0"/>
+                          <a:ea typeface="맑은 고딕" charset="0"/>
+                          <a:cs typeface="+mn-cs"/>
+                        </a:rPr>
+                        <a:t>- 작성자 READ 후 표시</a:t>
+                      </a:r>
+                      <a:endParaRPr lang="ko-KR" altLang="en-US" sz="1100" kern="1200" i="0" b="0" strike="noStrike">
                         <a:solidFill>
-                          <a:schemeClr val="tx1"/>
+                          <a:srgbClr val="000000"/>
                         </a:solidFill>
                         <a:latin typeface="맑은 고딕" charset="0"/>
                         <a:ea typeface="맑은 고딕" charset="0"/>
+                        <a:cs typeface="+mn-cs"/>
                       </a:endParaRPr>
                     </a:p>
                   </a:txBody>
-                  <a:tcPr marL="0" marR="0" marT="0" marB="0" anchor="ctr">
+                  <a:tcPr marL="9525" marR="9525" marT="9525" marB="0" anchor="ctr">
                     <a:lnL w="12700" cap="flat" cmpd="sng" algn="ctr">
                       <a:solidFill>
                         <a:srgbClr val="000000">
@@ -33348,7 +29812,17 @@
                         <a:buFontTx/>
                         <a:buNone/>
                       </a:pPr>
-                      <a:endParaRPr lang="ko-KR" altLang="en-US" sz="1000" b="0" i="0" kern="1200">
+                      <a:r>
+                        <a:rPr lang="ko-KR" altLang="en-US" sz="1000" kern="1200" i="0" b="0">
+                          <a:solidFill>
+                            <a:schemeClr val="tx1"/>
+                          </a:solidFill>
+                          <a:latin typeface="맑은 고딕" charset="0"/>
+                          <a:ea typeface="맑은 고딕" charset="0"/>
+                        </a:rPr>
+                        <a:t>08</a:t>
+                      </a:r>
+                      <a:endParaRPr lang="ko-KR" altLang="en-US" sz="1000" kern="1200" i="0" b="0">
                         <a:solidFill>
                           <a:schemeClr val="tx1"/>
                         </a:solidFill>
@@ -33423,7 +29897,17 @@
                         <a:buFontTx/>
                         <a:buNone/>
                       </a:pPr>
-                      <a:endParaRPr lang="ko-KR" altLang="en-US" sz="1000" b="0" i="0" kern="1200">
+                      <a:r>
+                        <a:rPr lang="ko-KR" altLang="en-US" sz="1000" kern="1200" i="0" b="0">
+                          <a:solidFill>
+                            <a:schemeClr val="tx1"/>
+                          </a:solidFill>
+                          <a:latin typeface="맑은 고딕" charset="0"/>
+                          <a:ea typeface="맑은 고딕" charset="0"/>
+                        </a:rPr>
+                        <a:t>R</a:t>
+                      </a:r>
+                      <a:endParaRPr lang="ko-KR" altLang="en-US" sz="1000" kern="1200" i="0" b="0">
                         <a:solidFill>
                           <a:schemeClr val="tx1"/>
                         </a:solidFill>
@@ -33498,12 +29982,24 @@
                         <a:buFontTx/>
                         <a:buNone/>
                       </a:pPr>
-                      <a:endParaRPr lang="ko-KR" altLang="en-US" sz="1000" b="0" i="0" kern="1200">
+                      <a:r>
+                        <a:rPr lang="ko-KR" altLang="en-US" sz="1100" kern="1200" i="0" b="0" strike="noStrike">
+                          <a:solidFill>
+                            <a:srgbClr val="000000"/>
+                          </a:solidFill>
+                          <a:latin typeface="맑은 고딕" charset="0"/>
+                          <a:ea typeface="맑은 고딕" charset="0"/>
+                          <a:cs typeface="+mn-cs"/>
+                        </a:rPr>
+                        <a:t>- 작성일 READ 후 표시</a:t>
+                      </a:r>
+                      <a:endParaRPr lang="ko-KR" altLang="en-US" sz="1100" kern="1200" i="0" b="0" strike="noStrike">
                         <a:solidFill>
-                          <a:schemeClr val="tx1"/>
+                          <a:srgbClr val="000000"/>
                         </a:solidFill>
                         <a:latin typeface="맑은 고딕" charset="0"/>
                         <a:ea typeface="맑은 고딕" charset="0"/>
+                        <a:cs typeface="+mn-cs"/>
                       </a:endParaRPr>
                     </a:p>
                   </a:txBody>
@@ -33577,7 +30073,17 @@
                         <a:buFontTx/>
                         <a:buNone/>
                       </a:pPr>
-                      <a:endParaRPr lang="ko-KR" altLang="en-US" sz="1000" b="0" i="0" kern="1200">
+                      <a:r>
+                        <a:rPr lang="ko-KR" altLang="en-US" sz="1000" kern="1200" i="0" b="0">
+                          <a:solidFill>
+                            <a:schemeClr val="tx1"/>
+                          </a:solidFill>
+                          <a:latin typeface="맑은 고딕" charset="0"/>
+                          <a:ea typeface="맑은 고딕" charset="0"/>
+                        </a:rPr>
+                        <a:t>09</a:t>
+                      </a:r>
+                      <a:endParaRPr lang="ko-KR" altLang="en-US" sz="1000" kern="1200" i="0" b="0">
                         <a:solidFill>
                           <a:schemeClr val="tx1"/>
                         </a:solidFill>
@@ -33652,7 +30158,17 @@
                         <a:buFontTx/>
                         <a:buNone/>
                       </a:pPr>
-                      <a:endParaRPr lang="ko-KR" altLang="en-US" sz="1000" b="0" i="0" kern="1200">
+                      <a:r>
+                        <a:rPr lang="ko-KR" altLang="en-US" sz="1000" kern="1200" i="0" b="0">
+                          <a:solidFill>
+                            <a:schemeClr val="tx1"/>
+                          </a:solidFill>
+                          <a:latin typeface="맑은 고딕" charset="0"/>
+                          <a:ea typeface="맑은 고딕" charset="0"/>
+                        </a:rPr>
+                        <a:t>R</a:t>
+                      </a:r>
+                      <a:endParaRPr lang="ko-KR" altLang="en-US" sz="1000" kern="1200" i="0" b="0">
                         <a:solidFill>
                           <a:schemeClr val="tx1"/>
                         </a:solidFill>
@@ -33727,12 +30243,24 @@
                         <a:buFontTx/>
                         <a:buNone/>
                       </a:pPr>
-                      <a:endParaRPr lang="ko-KR" altLang="en-US" sz="1000" b="0" i="0" kern="1200">
+                      <a:r>
+                        <a:rPr lang="ko-KR" altLang="en-US" sz="1100" kern="1200" i="0" b="0" strike="noStrike">
+                          <a:solidFill>
+                            <a:srgbClr val="000000"/>
+                          </a:solidFill>
+                          <a:latin typeface="맑은 고딕" charset="0"/>
+                          <a:ea typeface="맑은 고딕" charset="0"/>
+                          <a:cs typeface="+mn-cs"/>
+                        </a:rPr>
+                        <a:t>- 내용 READ 후 표시</a:t>
+                      </a:r>
+                      <a:endParaRPr lang="ko-KR" altLang="en-US" sz="1100" kern="1200" i="0" b="0" strike="noStrike">
                         <a:solidFill>
-                          <a:schemeClr val="tx1"/>
+                          <a:srgbClr val="000000"/>
                         </a:solidFill>
                         <a:latin typeface="맑은 고딕" charset="0"/>
                         <a:ea typeface="맑은 고딕" charset="0"/>
+                        <a:cs typeface="+mn-cs"/>
                       </a:endParaRPr>
                     </a:p>
                   </a:txBody>
@@ -33806,7 +30334,17 @@
                         <a:buFontTx/>
                         <a:buNone/>
                       </a:pPr>
-                      <a:endParaRPr lang="ko-KR" altLang="en-US" sz="1000" b="0" i="0" kern="1200">
+                      <a:r>
+                        <a:rPr lang="ko-KR" altLang="en-US" sz="1000" kern="1200" i="0" b="0">
+                          <a:solidFill>
+                            <a:schemeClr val="tx1"/>
+                          </a:solidFill>
+                          <a:latin typeface="맑은 고딕" charset="0"/>
+                          <a:ea typeface="맑은 고딕" charset="0"/>
+                        </a:rPr>
+                        <a:t>10</a:t>
+                      </a:r>
+                      <a:endParaRPr lang="ko-KR" altLang="en-US" sz="1000" kern="1200" i="0" b="0">
                         <a:solidFill>
                           <a:schemeClr val="tx1"/>
                         </a:solidFill>
@@ -33881,7 +30419,7 @@
                         <a:buFontTx/>
                         <a:buNone/>
                       </a:pPr>
-                      <a:endParaRPr lang="ko-KR" altLang="en-US" sz="1000" b="0" i="0" kern="1200">
+                      <a:endParaRPr lang="ko-KR" altLang="en-US" sz="1000" kern="1200" i="0" b="0">
                         <a:solidFill>
                           <a:schemeClr val="tx1"/>
                         </a:solidFill>
@@ -33956,7 +30494,17 @@
                         <a:buFontTx/>
                         <a:buNone/>
                       </a:pPr>
-                      <a:endParaRPr lang="ko-KR" altLang="en-US" sz="1000" b="0" i="0" kern="1200">
+                      <a:r>
+                        <a:rPr lang="ko-KR" altLang="en-US" sz="1000" kern="1200" i="0" b="0">
+                          <a:solidFill>
+                            <a:schemeClr val="tx1"/>
+                          </a:solidFill>
+                          <a:latin typeface="맑은 고딕" charset="0"/>
+                          <a:ea typeface="맑은 고딕" charset="0"/>
+                        </a:rPr>
+                        <a:t>- 답글 버튼 클릭시 게시글답글 페이지로 이동</a:t>
+                      </a:r>
+                      <a:endParaRPr lang="ko-KR" altLang="en-US" sz="1000" kern="1200" i="0" b="0">
                         <a:solidFill>
                           <a:schemeClr val="tx1"/>
                         </a:solidFill>
@@ -34035,7 +30583,17 @@
                         <a:buFontTx/>
                         <a:buNone/>
                       </a:pPr>
-                      <a:endParaRPr lang="ko-KR" altLang="en-US" sz="1000" b="0" i="0" kern="1200">
+                      <a:r>
+                        <a:rPr lang="ko-KR" altLang="en-US" sz="1000" kern="1200" i="0" b="0">
+                          <a:solidFill>
+                            <a:schemeClr val="tx1"/>
+                          </a:solidFill>
+                          <a:latin typeface="맑은 고딕" charset="0"/>
+                          <a:ea typeface="맑은 고딕" charset="0"/>
+                        </a:rPr>
+                        <a:t>11</a:t>
+                      </a:r>
+                      <a:endParaRPr lang="ko-KR" altLang="en-US" sz="1000" kern="1200" i="0" b="0">
                         <a:solidFill>
                           <a:schemeClr val="tx1"/>
                         </a:solidFill>
@@ -34110,7 +30668,7 @@
                         <a:buFontTx/>
                         <a:buNone/>
                       </a:pPr>
-                      <a:endParaRPr lang="ko-KR" altLang="en-US" sz="1000" b="0" i="0" kern="1200">
+                      <a:endParaRPr lang="ko-KR" altLang="en-US" sz="1000" kern="1200" i="0" b="0">
                         <a:solidFill>
                           <a:schemeClr val="tx1"/>
                         </a:solidFill>
@@ -34185,7 +30743,49 @@
                         <a:buFontTx/>
                         <a:buNone/>
                       </a:pPr>
-                      <a:endParaRPr lang="ko-KR" altLang="en-US" sz="1000" b="0" i="0" kern="1200">
+                      <a:r>
+                        <a:rPr lang="ko-KR" altLang="en-US" sz="1000" kern="1200" i="0" b="0">
+                          <a:solidFill>
+                            <a:schemeClr val="tx1"/>
+                          </a:solidFill>
+                          <a:latin typeface="맑은 고딕" charset="0"/>
+                          <a:ea typeface="맑은 고딕" charset="0"/>
+                        </a:rPr>
+                        <a:t>- 작성자 본인일 경우에만 표시</a:t>
+                      </a:r>
+                      <a:endParaRPr lang="ko-KR" altLang="en-US" sz="1000" kern="1200" i="0" b="0">
+                        <a:solidFill>
+                          <a:schemeClr val="tx1"/>
+                        </a:solidFill>
+                        <a:latin typeface="맑은 고딕" charset="0"/>
+                        <a:ea typeface="맑은 고딕" charset="0"/>
+                      </a:endParaRPr>
+                    </a:p>
+                    <a:p>
+                      <a:pPr marL="0" indent="0" algn="l" defTabSz="914400" eaLnBrk="1" latinLnBrk="1" hangingPunct="1">
+                        <a:lnSpc>
+                          <a:spcPct val="100000"/>
+                        </a:lnSpc>
+                        <a:spcBef>
+                          <a:spcPts val="0"/>
+                        </a:spcBef>
+                        <a:spcAft>
+                          <a:spcPts val="0"/>
+                        </a:spcAft>
+                        <a:buFontTx/>
+                        <a:buNone/>
+                      </a:pPr>
+                      <a:r>
+                        <a:rPr lang="ko-KR" altLang="en-US" sz="1000" kern="1200" i="0" b="0">
+                          <a:solidFill>
+                            <a:schemeClr val="tx1"/>
+                          </a:solidFill>
+                          <a:latin typeface="맑은 고딕" charset="0"/>
+                          <a:ea typeface="맑은 고딕" charset="0"/>
+                        </a:rPr>
+                        <a:t>- 수정 버튼 클릭시 게시글수정 페이지로 이동</a:t>
+                      </a:r>
+                      <a:endParaRPr lang="ko-KR" altLang="en-US" sz="1000" kern="1200" i="0" b="0">
                         <a:solidFill>
                           <a:schemeClr val="tx1"/>
                         </a:solidFill>
@@ -34245,7 +30845,7 @@
                   </a:tcPr>
                 </a:tc>
               </a:tr>
-              <a:tr h="500380">
+              <a:tr h="922020">
                 <a:tc>
                   <a:txBody>
                     <a:bodyPr/>
@@ -34264,7 +30864,17 @@
                         <a:buFontTx/>
                         <a:buNone/>
                       </a:pPr>
-                      <a:endParaRPr lang="ko-KR" altLang="en-US" sz="1000" b="0" i="0" kern="1200">
+                      <a:r>
+                        <a:rPr lang="ko-KR" altLang="en-US" sz="1000" kern="1200" i="0" b="0">
+                          <a:solidFill>
+                            <a:schemeClr val="tx1"/>
+                          </a:solidFill>
+                          <a:latin typeface="맑은 고딕" charset="0"/>
+                          <a:ea typeface="맑은 고딕" charset="0"/>
+                        </a:rPr>
+                        <a:t>12</a:t>
+                      </a:r>
+                      <a:endParaRPr lang="ko-KR" altLang="en-US" sz="1000" kern="1200" i="0" b="0">
                         <a:solidFill>
                           <a:schemeClr val="tx1"/>
                         </a:solidFill>
@@ -34339,7 +30949,7 @@
                         <a:buFontTx/>
                         <a:buNone/>
                       </a:pPr>
-                      <a:endParaRPr lang="ko-KR" altLang="en-US" sz="1000" b="0" i="0" kern="1200">
+                      <a:endParaRPr lang="ko-KR" altLang="en-US" sz="1000" kern="1200" i="0" b="0">
                         <a:solidFill>
                           <a:schemeClr val="tx1"/>
                         </a:solidFill>
@@ -34414,7 +31024,49 @@
                         <a:buFontTx/>
                         <a:buNone/>
                       </a:pPr>
-                      <a:endParaRPr lang="ko-KR" altLang="en-US" sz="1000" b="0" i="0" kern="1200">
+                      <a:r>
+                        <a:rPr lang="ko-KR" altLang="en-US" sz="1000" kern="1200" i="0" b="0">
+                          <a:solidFill>
+                            <a:schemeClr val="tx1"/>
+                          </a:solidFill>
+                          <a:latin typeface="맑은 고딕" charset="0"/>
+                          <a:ea typeface="맑은 고딕" charset="0"/>
+                        </a:rPr>
+                        <a:t>- 작성자 본인 or 관리자인 경우에만 표시</a:t>
+                      </a:r>
+                      <a:endParaRPr lang="ko-KR" altLang="en-US" sz="1000" kern="1200" i="0" b="0">
+                        <a:solidFill>
+                          <a:schemeClr val="tx1"/>
+                        </a:solidFill>
+                        <a:latin typeface="맑은 고딕" charset="0"/>
+                        <a:ea typeface="맑은 고딕" charset="0"/>
+                      </a:endParaRPr>
+                    </a:p>
+                    <a:p>
+                      <a:pPr marL="0" indent="0" algn="l" defTabSz="914400" eaLnBrk="1" latinLnBrk="1" hangingPunct="1">
+                        <a:lnSpc>
+                          <a:spcPct val="100000"/>
+                        </a:lnSpc>
+                        <a:spcBef>
+                          <a:spcPts val="0"/>
+                        </a:spcBef>
+                        <a:spcAft>
+                          <a:spcPts val="0"/>
+                        </a:spcAft>
+                        <a:buFontTx/>
+                        <a:buNone/>
+                      </a:pPr>
+                      <a:r>
+                        <a:rPr lang="ko-KR" altLang="en-US" sz="1000" kern="1200" i="0" b="0">
+                          <a:solidFill>
+                            <a:schemeClr val="tx1"/>
+                          </a:solidFill>
+                          <a:latin typeface="맑은 고딕" charset="0"/>
+                          <a:ea typeface="맑은 고딕" charset="0"/>
+                        </a:rPr>
+                        <a:t>- 삭제 버튼 클릭시 confirm("정말 삭제 하시겠습니까?")창 띄우고 확인을 누르면 게시글삭제 페이지로 이동</a:t>
+                      </a:r>
+                      <a:endParaRPr lang="ko-KR" altLang="en-US" sz="1000" kern="1200" i="0" b="0">
                         <a:solidFill>
                           <a:schemeClr val="tx1"/>
                         </a:solidFill>
@@ -34493,7 +31145,17 @@
                         <a:buFontTx/>
                         <a:buNone/>
                       </a:pPr>
-                      <a:endParaRPr lang="ko-KR" altLang="en-US" sz="1000" b="0" i="0" kern="1200">
+                      <a:r>
+                        <a:rPr lang="ko-KR" altLang="en-US" sz="1000" kern="1200" i="0" b="0">
+                          <a:solidFill>
+                            <a:schemeClr val="tx1"/>
+                          </a:solidFill>
+                          <a:latin typeface="맑은 고딕" charset="0"/>
+                          <a:ea typeface="맑은 고딕" charset="0"/>
+                        </a:rPr>
+                        <a:t>13</a:t>
+                      </a:r>
+                      <a:endParaRPr lang="ko-KR" altLang="en-US" sz="1000" kern="1200" i="0" b="0">
                         <a:solidFill>
                           <a:schemeClr val="tx1"/>
                         </a:solidFill>
@@ -34568,7 +31230,7 @@
                         <a:buFontTx/>
                         <a:buNone/>
                       </a:pPr>
-                      <a:endParaRPr lang="ko-KR" altLang="en-US" sz="1000" b="0" i="0" kern="1200">
+                      <a:endParaRPr lang="ko-KR" altLang="en-US" sz="1000" kern="1200" i="0" b="0">
                         <a:solidFill>
                           <a:schemeClr val="tx1"/>
                         </a:solidFill>
@@ -34643,694 +31305,27 @@
                         <a:buFontTx/>
                         <a:buNone/>
                       </a:pPr>
-                      <a:endParaRPr lang="ko-KR" altLang="en-US" sz="1000" b="0" i="0" kern="1200">
-                        <a:solidFill>
-                          <a:schemeClr val="tx1"/>
-                        </a:solidFill>
-                        <a:latin typeface="맑은 고딕" charset="0"/>
-                        <a:ea typeface="맑은 고딕" charset="0"/>
-                      </a:endParaRPr>
-                    </a:p>
-                  </a:txBody>
-                  <a:tcPr marL="0" marR="0" marT="0" marB="0" anchor="ctr">
-                    <a:lnL w="12700" cap="flat" cmpd="sng" algn="ctr">
-                      <a:solidFill>
-                        <a:srgbClr val="000000">
-                          <a:alpha val="100000"/>
-                        </a:srgbClr>
-                      </a:solidFill>
-                      <a:prstDash val="solid"/>
-                      <a:round/>
-                      <a:headEnd type="none" w="med" len="med"/>
-                      <a:tailEnd type="none" w="med" len="med"/>
-                    </a:lnL>
-                    <a:lnR w="12700" cap="flat" cmpd="sng" algn="ctr">
-                      <a:solidFill>
-                        <a:srgbClr val="000000">
-                          <a:alpha val="100000"/>
-                        </a:srgbClr>
-                      </a:solidFill>
-                      <a:prstDash val="solid"/>
-                      <a:round/>
-                      <a:headEnd type="none" w="med" len="med"/>
-                      <a:tailEnd type="none" w="med" len="med"/>
-                    </a:lnR>
-                    <a:lnT w="12700" cap="flat" cmpd="sng" algn="ctr">
-                      <a:solidFill>
-                        <a:srgbClr val="000000">
-                          <a:alpha val="100000"/>
-                        </a:srgbClr>
-                      </a:solidFill>
-                      <a:prstDash val="solid"/>
-                      <a:round/>
-                      <a:headEnd type="none" w="med" len="med"/>
-                      <a:tailEnd type="none" w="med" len="med"/>
-                    </a:lnT>
-                    <a:lnB w="12700" cap="flat" cmpd="sng" algn="ctr">
-                      <a:solidFill>
-                        <a:srgbClr val="000000">
-                          <a:alpha val="100000"/>
-                        </a:srgbClr>
-                      </a:solidFill>
-                      <a:prstDash val="solid"/>
-                      <a:round/>
-                      <a:headEnd type="none" w="med" len="med"/>
-                      <a:tailEnd type="none" w="med" len="med"/>
-                    </a:lnB>
-                    <a:solidFill>
-                      <a:schemeClr val="bg1"/>
-                    </a:solidFill>
-                  </a:tcPr>
-                </a:tc>
-              </a:tr>
-              <a:tr h="509270">
-                <a:tc>
-                  <a:txBody>
-                    <a:bodyPr/>
-                    <a:lstStyle/>
-                    <a:p>
-                      <a:pPr marL="0" indent="0" algn="ctr" defTabSz="914400" eaLnBrk="1" latinLnBrk="1" hangingPunct="1">
-                        <a:lnSpc>
-                          <a:spcPct val="100000"/>
-                        </a:lnSpc>
-                        <a:spcBef>
-                          <a:spcPts val="0"/>
-                        </a:spcBef>
-                        <a:spcAft>
-                          <a:spcPts val="0"/>
-                        </a:spcAft>
-                        <a:buFontTx/>
-                        <a:buNone/>
-                      </a:pPr>
-                      <a:endParaRPr lang="ko-KR" altLang="en-US" sz="1000" b="0" i="0" kern="1200">
-                        <a:solidFill>
-                          <a:schemeClr val="tx1"/>
-                        </a:solidFill>
-                        <a:latin typeface="맑은 고딕" charset="0"/>
-                        <a:ea typeface="맑은 고딕" charset="0"/>
-                      </a:endParaRPr>
-                    </a:p>
-                  </a:txBody>
-                  <a:tcPr marL="0" marR="0" marT="0" marB="0" anchor="ctr">
-                    <a:lnL w="12700" cap="flat" cmpd="sng" algn="ctr">
-                      <a:solidFill>
-                        <a:srgbClr val="000000">
-                          <a:alpha val="100000"/>
-                        </a:srgbClr>
-                      </a:solidFill>
-                      <a:prstDash val="solid"/>
-                      <a:round/>
-                      <a:headEnd type="none" w="med" len="med"/>
-                      <a:tailEnd type="none" w="med" len="med"/>
-                    </a:lnL>
-                    <a:lnR w="12700" cap="flat" cmpd="sng" algn="ctr">
-                      <a:solidFill>
-                        <a:srgbClr val="000000">
-                          <a:alpha val="100000"/>
-                        </a:srgbClr>
-                      </a:solidFill>
-                      <a:prstDash val="solid"/>
-                      <a:round/>
-                      <a:headEnd type="none" w="med" len="med"/>
-                      <a:tailEnd type="none" w="med" len="med"/>
-                    </a:lnR>
-                    <a:lnT w="12700" cap="flat" cmpd="sng" algn="ctr">
-                      <a:solidFill>
-                        <a:srgbClr val="000000">
-                          <a:alpha val="100000"/>
-                        </a:srgbClr>
-                      </a:solidFill>
-                      <a:prstDash val="solid"/>
-                      <a:round/>
-                      <a:headEnd type="none" w="med" len="med"/>
-                      <a:tailEnd type="none" w="med" len="med"/>
-                    </a:lnT>
-                    <a:lnB w="12700" cap="flat" cmpd="sng" algn="ctr">
-                      <a:solidFill>
-                        <a:srgbClr val="000000">
-                          <a:alpha val="100000"/>
-                        </a:srgbClr>
-                      </a:solidFill>
-                      <a:prstDash val="solid"/>
-                      <a:round/>
-                      <a:headEnd type="none" w="med" len="med"/>
-                      <a:tailEnd type="none" w="med" len="med"/>
-                    </a:lnB>
-                    <a:noFill/>
-                  </a:tcPr>
-                </a:tc>
-                <a:tc>
-                  <a:txBody>
-                    <a:bodyPr/>
-                    <a:lstStyle/>
-                    <a:p>
-                      <a:pPr marL="0" indent="0" algn="ctr" defTabSz="914400" eaLnBrk="1" latinLnBrk="1" hangingPunct="1">
-                        <a:lnSpc>
-                          <a:spcPct val="100000"/>
-                        </a:lnSpc>
-                        <a:spcBef>
-                          <a:spcPts val="0"/>
-                        </a:spcBef>
-                        <a:spcAft>
-                          <a:spcPts val="0"/>
-                        </a:spcAft>
-                        <a:buFontTx/>
-                        <a:buNone/>
-                      </a:pPr>
-                      <a:endParaRPr lang="ko-KR" altLang="en-US" sz="1000" b="0" i="0" kern="1200">
-                        <a:solidFill>
-                          <a:schemeClr val="tx1"/>
-                        </a:solidFill>
-                        <a:latin typeface="맑은 고딕" charset="0"/>
-                        <a:ea typeface="맑은 고딕" charset="0"/>
-                      </a:endParaRPr>
-                    </a:p>
-                  </a:txBody>
-                  <a:tcPr marL="0" marR="0" marT="0" marB="0" anchor="ctr">
-                    <a:lnL w="12700" cap="flat" cmpd="sng" algn="ctr">
-                      <a:solidFill>
-                        <a:srgbClr val="000000">
-                          <a:alpha val="100000"/>
-                        </a:srgbClr>
-                      </a:solidFill>
-                      <a:prstDash val="solid"/>
-                      <a:round/>
-                      <a:headEnd type="none" w="med" len="med"/>
-                      <a:tailEnd type="none" w="med" len="med"/>
-                    </a:lnL>
-                    <a:lnR w="12700" cap="flat" cmpd="sng" algn="ctr">
-                      <a:solidFill>
-                        <a:srgbClr val="000000">
-                          <a:alpha val="100000"/>
-                        </a:srgbClr>
-                      </a:solidFill>
-                      <a:prstDash val="solid"/>
-                      <a:round/>
-                      <a:headEnd type="none" w="med" len="med"/>
-                      <a:tailEnd type="none" w="med" len="med"/>
-                    </a:lnR>
-                    <a:lnT w="12700" cap="flat" cmpd="sng" algn="ctr">
-                      <a:solidFill>
-                        <a:srgbClr val="000000">
-                          <a:alpha val="100000"/>
-                        </a:srgbClr>
-                      </a:solidFill>
-                      <a:prstDash val="solid"/>
-                      <a:round/>
-                      <a:headEnd type="none" w="med" len="med"/>
-                      <a:tailEnd type="none" w="med" len="med"/>
-                    </a:lnT>
-                    <a:lnB w="12700" cap="flat" cmpd="sng" algn="ctr">
-                      <a:solidFill>
-                        <a:srgbClr val="000000">
-                          <a:alpha val="100000"/>
-                        </a:srgbClr>
-                      </a:solidFill>
-                      <a:prstDash val="solid"/>
-                      <a:round/>
-                      <a:headEnd type="none" w="med" len="med"/>
-                      <a:tailEnd type="none" w="med" len="med"/>
-                    </a:lnB>
-                    <a:noFill/>
-                  </a:tcPr>
-                </a:tc>
-                <a:tc>
-                  <a:txBody>
-                    <a:bodyPr/>
-                    <a:lstStyle/>
-                    <a:p>
-                      <a:pPr marL="0" indent="0" algn="l" defTabSz="914400" eaLnBrk="1" latinLnBrk="1" hangingPunct="1">
-                        <a:lnSpc>
-                          <a:spcPct val="100000"/>
-                        </a:lnSpc>
-                        <a:spcBef>
-                          <a:spcPts val="0"/>
-                        </a:spcBef>
-                        <a:spcAft>
-                          <a:spcPts val="0"/>
-                        </a:spcAft>
-                        <a:buFontTx/>
-                        <a:buNone/>
-                      </a:pPr>
-                      <a:endParaRPr lang="ko-KR" altLang="en-US" sz="1000" b="0" i="0" kern="1200">
-                        <a:solidFill>
-                          <a:schemeClr val="tx1"/>
-                        </a:solidFill>
-                        <a:latin typeface="맑은 고딕" charset="0"/>
-                        <a:ea typeface="맑은 고딕" charset="0"/>
-                      </a:endParaRPr>
-                    </a:p>
-                  </a:txBody>
-                  <a:tcPr marL="0" marR="0" marT="0" marB="0" anchor="ctr">
-                    <a:lnL w="12700" cap="flat" cmpd="sng" algn="ctr">
-                      <a:solidFill>
-                        <a:srgbClr val="000000">
-                          <a:alpha val="100000"/>
-                        </a:srgbClr>
-                      </a:solidFill>
-                      <a:prstDash val="solid"/>
-                      <a:round/>
-                      <a:headEnd type="none" w="med" len="med"/>
-                      <a:tailEnd type="none" w="med" len="med"/>
-                    </a:lnL>
-                    <a:lnR w="12700" cap="flat" cmpd="sng" algn="ctr">
-                      <a:solidFill>
-                        <a:srgbClr val="000000">
-                          <a:alpha val="100000"/>
-                        </a:srgbClr>
-                      </a:solidFill>
-                      <a:prstDash val="solid"/>
-                      <a:round/>
-                      <a:headEnd type="none" w="med" len="med"/>
-                      <a:tailEnd type="none" w="med" len="med"/>
-                    </a:lnR>
-                    <a:lnT w="12700" cap="flat" cmpd="sng" algn="ctr">
-                      <a:solidFill>
-                        <a:srgbClr val="000000">
-                          <a:alpha val="100000"/>
-                        </a:srgbClr>
-                      </a:solidFill>
-                      <a:prstDash val="solid"/>
-                      <a:round/>
-                      <a:headEnd type="none" w="med" len="med"/>
-                      <a:tailEnd type="none" w="med" len="med"/>
-                    </a:lnT>
-                    <a:lnB w="12700" cap="flat" cmpd="sng" algn="ctr">
-                      <a:solidFill>
-                        <a:srgbClr val="000000">
-                          <a:alpha val="100000"/>
-                        </a:srgbClr>
-                      </a:solidFill>
-                      <a:prstDash val="solid"/>
-                      <a:round/>
-                      <a:headEnd type="none" w="med" len="med"/>
-                      <a:tailEnd type="none" w="med" len="med"/>
-                    </a:lnB>
-                    <a:solidFill>
-                      <a:schemeClr val="bg1"/>
-                    </a:solidFill>
-                  </a:tcPr>
-                </a:tc>
-              </a:tr>
-              <a:tr h="509270">
-                <a:tc>
-                  <a:txBody>
-                    <a:bodyPr/>
-                    <a:lstStyle/>
-                    <a:p>
-                      <a:pPr marL="0" indent="0" algn="ctr" defTabSz="914400" eaLnBrk="1" latinLnBrk="1" hangingPunct="1">
-                        <a:lnSpc>
-                          <a:spcPct val="100000"/>
-                        </a:lnSpc>
-                        <a:spcBef>
-                          <a:spcPts val="0"/>
-                        </a:spcBef>
-                        <a:spcAft>
-                          <a:spcPts val="0"/>
-                        </a:spcAft>
-                        <a:buFontTx/>
-                        <a:buNone/>
-                      </a:pPr>
-                      <a:endParaRPr lang="ko-KR" altLang="en-US" sz="1000" b="0" i="0" kern="1200">
-                        <a:solidFill>
-                          <a:schemeClr val="tx1"/>
-                        </a:solidFill>
-                        <a:latin typeface="맑은 고딕" charset="0"/>
-                        <a:ea typeface="맑은 고딕" charset="0"/>
-                      </a:endParaRPr>
-                    </a:p>
-                  </a:txBody>
-                  <a:tcPr marL="0" marR="0" marT="0" marB="0" anchor="ctr">
-                    <a:lnL w="12700" cap="flat" cmpd="sng" algn="ctr">
-                      <a:solidFill>
-                        <a:srgbClr val="000000">
-                          <a:alpha val="100000"/>
-                        </a:srgbClr>
-                      </a:solidFill>
-                      <a:prstDash val="solid"/>
-                      <a:round/>
-                      <a:headEnd type="none" w="med" len="med"/>
-                      <a:tailEnd type="none" w="med" len="med"/>
-                    </a:lnL>
-                    <a:lnR w="12700" cap="flat" cmpd="sng" algn="ctr">
-                      <a:solidFill>
-                        <a:srgbClr val="000000">
-                          <a:alpha val="100000"/>
-                        </a:srgbClr>
-                      </a:solidFill>
-                      <a:prstDash val="solid"/>
-                      <a:round/>
-                      <a:headEnd type="none" w="med" len="med"/>
-                      <a:tailEnd type="none" w="med" len="med"/>
-                    </a:lnR>
-                    <a:lnT w="12700" cap="flat" cmpd="sng" algn="ctr">
-                      <a:solidFill>
-                        <a:srgbClr val="000000">
-                          <a:alpha val="100000"/>
-                        </a:srgbClr>
-                      </a:solidFill>
-                      <a:prstDash val="solid"/>
-                      <a:round/>
-                      <a:headEnd type="none" w="med" len="med"/>
-                      <a:tailEnd type="none" w="med" len="med"/>
-                    </a:lnT>
-                    <a:lnB w="12700" cap="flat" cmpd="sng" algn="ctr">
-                      <a:solidFill>
-                        <a:srgbClr val="000000">
-                          <a:alpha val="100000"/>
-                        </a:srgbClr>
-                      </a:solidFill>
-                      <a:prstDash val="solid"/>
-                      <a:round/>
-                      <a:headEnd type="none" w="med" len="med"/>
-                      <a:tailEnd type="none" w="med" len="med"/>
-                    </a:lnB>
-                    <a:noFill/>
-                  </a:tcPr>
-                </a:tc>
-                <a:tc>
-                  <a:txBody>
-                    <a:bodyPr/>
-                    <a:lstStyle/>
-                    <a:p>
-                      <a:pPr marL="0" indent="0" algn="ctr" defTabSz="914400" eaLnBrk="1" latinLnBrk="1" hangingPunct="1">
-                        <a:lnSpc>
-                          <a:spcPct val="100000"/>
-                        </a:lnSpc>
-                        <a:spcBef>
-                          <a:spcPts val="0"/>
-                        </a:spcBef>
-                        <a:spcAft>
-                          <a:spcPts val="0"/>
-                        </a:spcAft>
-                        <a:buFontTx/>
-                        <a:buNone/>
-                      </a:pPr>
-                      <a:endParaRPr lang="ko-KR" altLang="en-US" sz="1000" b="0" i="0" kern="1200">
-                        <a:solidFill>
-                          <a:schemeClr val="tx1"/>
-                        </a:solidFill>
-                        <a:latin typeface="맑은 고딕" charset="0"/>
-                        <a:ea typeface="맑은 고딕" charset="0"/>
-                      </a:endParaRPr>
-                    </a:p>
-                  </a:txBody>
-                  <a:tcPr marL="0" marR="0" marT="0" marB="0" anchor="ctr">
-                    <a:lnL w="12700" cap="flat" cmpd="sng" algn="ctr">
-                      <a:solidFill>
-                        <a:srgbClr val="000000">
-                          <a:alpha val="100000"/>
-                        </a:srgbClr>
-                      </a:solidFill>
-                      <a:prstDash val="solid"/>
-                      <a:round/>
-                      <a:headEnd type="none" w="med" len="med"/>
-                      <a:tailEnd type="none" w="med" len="med"/>
-                    </a:lnL>
-                    <a:lnR w="12700" cap="flat" cmpd="sng" algn="ctr">
-                      <a:solidFill>
-                        <a:srgbClr val="000000">
-                          <a:alpha val="100000"/>
-                        </a:srgbClr>
-                      </a:solidFill>
-                      <a:prstDash val="solid"/>
-                      <a:round/>
-                      <a:headEnd type="none" w="med" len="med"/>
-                      <a:tailEnd type="none" w="med" len="med"/>
-                    </a:lnR>
-                    <a:lnT w="12700" cap="flat" cmpd="sng" algn="ctr">
-                      <a:solidFill>
-                        <a:srgbClr val="000000">
-                          <a:alpha val="100000"/>
-                        </a:srgbClr>
-                      </a:solidFill>
-                      <a:prstDash val="solid"/>
-                      <a:round/>
-                      <a:headEnd type="none" w="med" len="med"/>
-                      <a:tailEnd type="none" w="med" len="med"/>
-                    </a:lnT>
-                    <a:lnB w="12700" cap="flat" cmpd="sng" algn="ctr">
-                      <a:solidFill>
-                        <a:srgbClr val="000000">
-                          <a:alpha val="100000"/>
-                        </a:srgbClr>
-                      </a:solidFill>
-                      <a:prstDash val="solid"/>
-                      <a:round/>
-                      <a:headEnd type="none" w="med" len="med"/>
-                      <a:tailEnd type="none" w="med" len="med"/>
-                    </a:lnB>
-                    <a:noFill/>
-                  </a:tcPr>
-                </a:tc>
-                <a:tc>
-                  <a:txBody>
-                    <a:bodyPr/>
-                    <a:lstStyle/>
-                    <a:p>
-                      <a:pPr marL="0" indent="0" algn="l" defTabSz="914400" eaLnBrk="1" latinLnBrk="1" hangingPunct="1">
-                        <a:lnSpc>
-                          <a:spcPct val="100000"/>
-                        </a:lnSpc>
-                        <a:spcBef>
-                          <a:spcPts val="0"/>
-                        </a:spcBef>
-                        <a:spcAft>
-                          <a:spcPts val="0"/>
-                        </a:spcAft>
-                        <a:buFontTx/>
-                        <a:buNone/>
-                      </a:pPr>
-                      <a:endParaRPr lang="ko-KR" altLang="en-US" sz="1000" b="0" i="0" kern="1200">
-                        <a:solidFill>
-                          <a:schemeClr val="tx1"/>
-                        </a:solidFill>
-                        <a:latin typeface="맑은 고딕" charset="0"/>
-                        <a:ea typeface="맑은 고딕" charset="0"/>
-                      </a:endParaRPr>
-                    </a:p>
-                  </a:txBody>
-                  <a:tcPr marL="0" marR="0" marT="0" marB="0" anchor="ctr">
-                    <a:lnL w="12700" cap="flat" cmpd="sng" algn="ctr">
-                      <a:solidFill>
-                        <a:srgbClr val="000000">
-                          <a:alpha val="100000"/>
-                        </a:srgbClr>
-                      </a:solidFill>
-                      <a:prstDash val="solid"/>
-                      <a:round/>
-                      <a:headEnd type="none" w="med" len="med"/>
-                      <a:tailEnd type="none" w="med" len="med"/>
-                    </a:lnL>
-                    <a:lnR w="12700" cap="flat" cmpd="sng" algn="ctr">
-                      <a:solidFill>
-                        <a:srgbClr val="000000">
-                          <a:alpha val="100000"/>
-                        </a:srgbClr>
-                      </a:solidFill>
-                      <a:prstDash val="solid"/>
-                      <a:round/>
-                      <a:headEnd type="none" w="med" len="med"/>
-                      <a:tailEnd type="none" w="med" len="med"/>
-                    </a:lnR>
-                    <a:lnT w="12700" cap="flat" cmpd="sng" algn="ctr">
-                      <a:solidFill>
-                        <a:srgbClr val="000000">
-                          <a:alpha val="100000"/>
-                        </a:srgbClr>
-                      </a:solidFill>
-                      <a:prstDash val="solid"/>
-                      <a:round/>
-                      <a:headEnd type="none" w="med" len="med"/>
-                      <a:tailEnd type="none" w="med" len="med"/>
-                    </a:lnT>
-                    <a:lnB w="12700" cap="flat" cmpd="sng" algn="ctr">
-                      <a:solidFill>
-                        <a:srgbClr val="000000">
-                          <a:alpha val="100000"/>
-                        </a:srgbClr>
-                      </a:solidFill>
-                      <a:prstDash val="solid"/>
-                      <a:round/>
-                      <a:headEnd type="none" w="med" len="med"/>
-                      <a:tailEnd type="none" w="med" len="med"/>
-                    </a:lnB>
-                    <a:solidFill>
-                      <a:schemeClr val="bg1"/>
-                    </a:solidFill>
-                  </a:tcPr>
-                </a:tc>
-              </a:tr>
-              <a:tr h="491490">
-                <a:tc>
-                  <a:txBody>
-                    <a:bodyPr/>
-                    <a:lstStyle/>
-                    <a:p>
-                      <a:pPr marL="0" indent="0" algn="ctr" defTabSz="914400" eaLnBrk="1" latinLnBrk="1" hangingPunct="1">
-                        <a:lnSpc>
-                          <a:spcPct val="100000"/>
-                        </a:lnSpc>
-                        <a:spcBef>
-                          <a:spcPts val="0"/>
-                        </a:spcBef>
-                        <a:spcAft>
-                          <a:spcPts val="0"/>
-                        </a:spcAft>
-                        <a:buFontTx/>
-                        <a:buNone/>
-                      </a:pPr>
-                      <a:endParaRPr lang="ko-KR" altLang="en-US" sz="1000" b="0" i="0" kern="1200">
-                        <a:solidFill>
-                          <a:schemeClr val="tx1"/>
-                        </a:solidFill>
-                        <a:latin typeface="맑은 고딕" charset="0"/>
-                        <a:ea typeface="맑은 고딕" charset="0"/>
-                      </a:endParaRPr>
-                    </a:p>
-                  </a:txBody>
-                  <a:tcPr marL="0" marR="0" marT="0" marB="0" anchor="ctr">
-                    <a:lnL w="12700" cap="flat" cmpd="sng" algn="ctr">
-                      <a:solidFill>
-                        <a:srgbClr val="000000">
-                          <a:alpha val="100000"/>
-                        </a:srgbClr>
-                      </a:solidFill>
-                      <a:prstDash val="solid"/>
-                      <a:round/>
-                      <a:headEnd type="none" w="med" len="med"/>
-                      <a:tailEnd type="none" w="med" len="med"/>
-                    </a:lnL>
-                    <a:lnR w="12700" cap="flat" cmpd="sng" algn="ctr">
-                      <a:solidFill>
-                        <a:srgbClr val="000000">
-                          <a:alpha val="100000"/>
-                        </a:srgbClr>
-                      </a:solidFill>
-                      <a:prstDash val="solid"/>
-                      <a:round/>
-                      <a:headEnd type="none" w="med" len="med"/>
-                      <a:tailEnd type="none" w="med" len="med"/>
-                    </a:lnR>
-                    <a:lnT w="12700" cap="flat" cmpd="sng" algn="ctr">
-                      <a:solidFill>
-                        <a:srgbClr val="000000">
-                          <a:alpha val="100000"/>
-                        </a:srgbClr>
-                      </a:solidFill>
-                      <a:prstDash val="solid"/>
-                      <a:round/>
-                      <a:headEnd type="none" w="med" len="med"/>
-                      <a:tailEnd type="none" w="med" len="med"/>
-                    </a:lnT>
-                    <a:lnB w="12700" cap="flat" cmpd="sng" algn="ctr">
-                      <a:solidFill>
-                        <a:srgbClr val="000000">
-                          <a:alpha val="100000"/>
-                        </a:srgbClr>
-                      </a:solidFill>
-                      <a:prstDash val="solid"/>
-                      <a:round/>
-                      <a:headEnd type="none" w="med" len="med"/>
-                      <a:tailEnd type="none" w="med" len="med"/>
-                    </a:lnB>
-                    <a:noFill/>
-                  </a:tcPr>
-                </a:tc>
-                <a:tc>
-                  <a:txBody>
-                    <a:bodyPr/>
-                    <a:lstStyle/>
-                    <a:p>
-                      <a:pPr marL="0" indent="0" algn="ctr" defTabSz="914400" eaLnBrk="1" latinLnBrk="1" hangingPunct="1">
-                        <a:lnSpc>
-                          <a:spcPct val="100000"/>
-                        </a:lnSpc>
-                        <a:spcBef>
-                          <a:spcPts val="0"/>
-                        </a:spcBef>
-                        <a:spcAft>
-                          <a:spcPts val="0"/>
-                        </a:spcAft>
-                        <a:buFontTx/>
-                        <a:buNone/>
-                      </a:pPr>
-                      <a:endParaRPr lang="ko-KR" altLang="en-US" sz="1000" b="0" i="0" kern="1200">
-                        <a:solidFill>
-                          <a:schemeClr val="tx1"/>
-                        </a:solidFill>
-                        <a:latin typeface="맑은 고딕" charset="0"/>
-                        <a:ea typeface="맑은 고딕" charset="0"/>
-                      </a:endParaRPr>
-                    </a:p>
-                  </a:txBody>
-                  <a:tcPr marL="0" marR="0" marT="0" marB="0" anchor="ctr">
-                    <a:lnL w="12700" cap="flat" cmpd="sng" algn="ctr">
-                      <a:solidFill>
-                        <a:srgbClr val="000000">
-                          <a:alpha val="100000"/>
-                        </a:srgbClr>
-                      </a:solidFill>
-                      <a:prstDash val="solid"/>
-                      <a:round/>
-                      <a:headEnd type="none" w="med" len="med"/>
-                      <a:tailEnd type="none" w="med" len="med"/>
-                    </a:lnL>
-                    <a:lnR w="12700" cap="flat" cmpd="sng" algn="ctr">
-                      <a:solidFill>
-                        <a:srgbClr val="000000">
-                          <a:alpha val="100000"/>
-                        </a:srgbClr>
-                      </a:solidFill>
-                      <a:prstDash val="solid"/>
-                      <a:round/>
-                      <a:headEnd type="none" w="med" len="med"/>
-                      <a:tailEnd type="none" w="med" len="med"/>
-                    </a:lnR>
-                    <a:lnT w="12700" cap="flat" cmpd="sng" algn="ctr">
-                      <a:solidFill>
-                        <a:srgbClr val="000000">
-                          <a:alpha val="100000"/>
-                        </a:srgbClr>
-                      </a:solidFill>
-                      <a:prstDash val="solid"/>
-                      <a:round/>
-                      <a:headEnd type="none" w="med" len="med"/>
-                      <a:tailEnd type="none" w="med" len="med"/>
-                    </a:lnT>
-                    <a:lnB w="12700" cap="flat" cmpd="sng" algn="ctr">
-                      <a:solidFill>
-                        <a:srgbClr val="000000">
-                          <a:alpha val="100000"/>
-                        </a:srgbClr>
-                      </a:solidFill>
-                      <a:prstDash val="solid"/>
-                      <a:round/>
-                      <a:headEnd type="none" w="med" len="med"/>
-                      <a:tailEnd type="none" w="med" len="med"/>
-                    </a:lnB>
-                    <a:noFill/>
-                  </a:tcPr>
-                </a:tc>
-                <a:tc>
-                  <a:txBody>
-                    <a:bodyPr/>
-                    <a:lstStyle/>
-                    <a:p>
-                      <a:pPr marL="0" indent="0" algn="l" defTabSz="914400" eaLnBrk="1" latinLnBrk="1" hangingPunct="1">
-                        <a:lnSpc>
-                          <a:spcPct val="100000"/>
-                        </a:lnSpc>
-                        <a:spcBef>
-                          <a:spcPts val="0"/>
-                        </a:spcBef>
-                        <a:spcAft>
-                          <a:spcPts val="0"/>
-                        </a:spcAft>
-                        <a:buFontTx/>
-                        <a:buNone/>
-                      </a:pPr>
-                      <a:endParaRPr lang="ko-KR" altLang="en-US" sz="1000" b="0" i="0" kern="1200">
+                      <a:r>
+                        <a:rPr lang="ko-KR" altLang="en-US" sz="1000" kern="1200" i="0" b="0">
+                          <a:solidFill>
+                            <a:schemeClr val="tx1"/>
+                          </a:solidFill>
+                          <a:latin typeface="맑은 고딕" charset="0"/>
+                          <a:ea typeface="맑은 고딕" charset="0"/>
+                        </a:rPr>
+                        <a:t>- </a:t>
+                      </a:r>
+                      <a:r>
+                        <a:rPr lang="ko-KR" altLang="en-US" sz="1000" kern="1200" i="0" b="0">
+                          <a:solidFill>
+                            <a:schemeClr val="tx1"/>
+                          </a:solidFill>
+                          <a:latin typeface="맑은 고딕" charset="0"/>
+                          <a:ea typeface="맑은 고딕" charset="0"/>
+                        </a:rPr>
+                        <a:t> 목록 버튼 클릭시 게시판으로 이동</a:t>
+                      </a:r>
+                      <a:endParaRPr lang="ko-KR" altLang="en-US" sz="1000" kern="1200" i="0" b="0">
                         <a:solidFill>
                           <a:schemeClr val="tx1"/>
                         </a:solidFill>
@@ -35436,7 +31431,7 @@
                         <a:buNone/>
                       </a:pPr>
                       <a:r>
-                        <a:rPr lang="en-US" altLang="ko-KR" sz="1000" b="0" i="0" kern="1200">
+                        <a:rPr lang="en-US" altLang="ko-KR" sz="1000" kern="1200" i="0" b="0">
                           <a:solidFill>
                             <a:schemeClr val="tx1"/>
                           </a:solidFill>
@@ -35445,7 +31440,7 @@
                         </a:rPr>
                         <a:t>현재 버전</a:t>
                       </a:r>
-                      <a:endParaRPr lang="ko-KR" altLang="en-US" sz="1000" b="0" i="0" kern="1200">
+                      <a:endParaRPr lang="ko-KR" altLang="en-US" sz="1000" kern="1200" i="0" b="0">
                         <a:solidFill>
                           <a:schemeClr val="tx1"/>
                         </a:solidFill>
@@ -35454,7 +31449,7 @@
                       </a:endParaRPr>
                     </a:p>
                   </a:txBody>
-                  <a:tcPr marL="90170" marR="90170" marT="46990" marB="46990">
+                  <a:tcPr marL="90170" marR="90170" marT="46990" marB="46990" anchor="t">
                     <a:lnL w="12700" cap="flat" cmpd="sng" algn="ctr">
                       <a:solidFill>
                         <a:srgbClr val="000000">
@@ -35525,7 +31520,7 @@
                         <a:buFontTx/>
                         <a:buNone/>
                       </a:pPr>
-                      <a:endParaRPr lang="ko-KR" altLang="en-US" sz="1000" b="1" i="0" kern="1200">
+                      <a:endParaRPr lang="ko-KR" altLang="en-US" sz="1000" kern="1200" i="0" b="1">
                         <a:solidFill>
                           <a:schemeClr val="tx1"/>
                         </a:solidFill>
@@ -35534,7 +31529,7 @@
                       </a:endParaRPr>
                     </a:p>
                   </a:txBody>
-                  <a:tcPr marL="90170" marR="90170" marT="46990" marB="46990">
+                  <a:tcPr marL="90170" marR="90170" marT="46990" marB="46990" anchor="t">
                     <a:lnL w="12700" cap="flat" cmpd="sng" algn="ctr">
                       <a:solidFill>
                         <a:srgbClr val="000000">
@@ -35591,7 +31586,7 @@
       </p:graphicFrame>
       <p:graphicFrame>
         <p:nvGraphicFramePr>
-          <p:cNvPr id="6" name="표 5"/>
+          <p:cNvPr id="5123" name="표 5122"/>
           <p:cNvGraphicFramePr>
             <a:graphicFrameLocks noGrp="1"/>
           </p:cNvGraphicFramePr>
@@ -35631,7 +31626,7 @@
                         <a:buNone/>
                       </a:pPr>
                       <a:r>
-                        <a:rPr lang="en-US" altLang="ko-KR" sz="1000" b="0" i="0" kern="1200">
+                        <a:rPr lang="en-US" altLang="ko-KR" sz="1000" kern="1200" i="0" b="0">
                           <a:solidFill>
                             <a:schemeClr val="tx1"/>
                           </a:solidFill>
@@ -35640,7 +31635,7 @@
                         </a:rPr>
                         <a:t>작성자</a:t>
                       </a:r>
-                      <a:endParaRPr lang="ko-KR" altLang="en-US" sz="1000" b="0" i="0" kern="1200">
+                      <a:endParaRPr lang="ko-KR" altLang="en-US" sz="1000" kern="1200" i="0" b="0">
                         <a:solidFill>
                           <a:schemeClr val="tx1"/>
                         </a:solidFill>
@@ -35649,7 +31644,7 @@
                       </a:endParaRPr>
                     </a:p>
                   </a:txBody>
-                  <a:tcPr marL="90170" marR="90170" marT="46990" marB="46990">
+                  <a:tcPr marL="90170" marR="90170" marT="46990" marB="46990" anchor="t">
                     <a:lnL w="12700" cap="flat" cmpd="sng" algn="ctr">
                       <a:solidFill>
                         <a:srgbClr val="000000">
@@ -35720,7 +31715,17 @@
                         <a:buFontTx/>
                         <a:buNone/>
                       </a:pPr>
-                      <a:endParaRPr lang="ko-KR" altLang="en-US" sz="1000" b="1" i="0" kern="1200">
+                      <a:r>
+                        <a:rPr lang="ko-KR" altLang="en-US" sz="1000" kern="1200" i="0" b="1">
+                          <a:solidFill>
+                            <a:schemeClr val="tx1"/>
+                          </a:solidFill>
+                          <a:latin typeface="맑은 고딕" charset="0"/>
+                          <a:ea typeface="맑은 고딕" charset="0"/>
+                        </a:rPr>
+                        <a:t>안영우</a:t>
+                      </a:r>
+                      <a:endParaRPr lang="ko-KR" altLang="en-US" sz="1000" kern="1200" i="0" b="1">
                         <a:solidFill>
                           <a:schemeClr val="tx1"/>
                         </a:solidFill>
@@ -35729,7 +31734,7 @@
                       </a:endParaRPr>
                     </a:p>
                   </a:txBody>
-                  <a:tcPr marL="90170" marR="90170" marT="46990" marB="46990">
+                  <a:tcPr marL="90170" marR="90170" marT="46990" marB="46990" anchor="t">
                     <a:lnL w="12700" cap="flat" cmpd="sng" algn="ctr">
                       <a:solidFill>
                         <a:srgbClr val="000000">
@@ -35784,21 +31789,45 @@
           </a:graphicData>
         </a:graphic>
       </p:graphicFrame>
+      <p:pic>
+        <p:nvPicPr>
+          <p:cNvPr id="5124" name="그림 5123" descr="C:/Users/mk/AppData/Roaming/PolarisOffice/ETemp/13096_8347160/fImage109733187872.png"/>
+          <p:cNvPicPr>
+            <a:picLocks noChangeAspect="1"/>
+          </p:cNvPicPr>
+          <p:nvPr/>
+        </p:nvPicPr>
+        <p:blipFill rotWithShape="1">
+          <a:blip r:embed="rId2" cstate="print">
+            <a:extLst>
+              <a:ext uri="{28A0092B-C50C-407E-A947-70E740481C1C}">
+                <a14:useLocalDpi xmlns:a14="http://schemas.microsoft.com/office/drawing/2010/main" val="0"/>
+              </a:ext>
+            </a:extLst>
+          </a:blip>
+          <a:stretch>
+            <a:fillRect/>
+          </a:stretch>
+        </p:blipFill>
+        <p:spPr>
+          <a:xfrm rot="0">
+            <a:off x="1226820" y="1461770"/>
+            <a:ext cx="6725285" cy="4086860"/>
+          </a:xfrm>
+          <a:prstGeom prst="rect"/>
+          <a:noFill/>
+        </p:spPr>
+      </p:pic>
     </p:spTree>
-    <p:extLst>
-      <p:ext uri="{BB962C8B-B14F-4D97-AF65-F5344CB8AC3E}">
-        <p14:creationId xmlns:p14="http://schemas.microsoft.com/office/powerpoint/2010/main" val="1885309877"/>
-      </p:ext>
-    </p:extLst>
   </p:cSld>
   <p:clrMapOvr>
     <a:masterClrMapping/>
   </p:clrMapOvr>
-  <mc:AlternateContent xmlns:mc="http://schemas.openxmlformats.org/markup-compatibility/2006" xmlns:p14="http://schemas.microsoft.com/office/powerpoint/2010/main">
-    <mc:Choice Requires="p14">
+  <mc:AlternateContent xmlns:mc="http://schemas.openxmlformats.org/markup-compatibility/2006">
+    <mc:Choice xmlns:p14="http://schemas.microsoft.com/office/powerpoint/2010/main" Requires="p14">
       <p:transition spd="slow" p14:dur="2000"/>
     </mc:Choice>
-    <mc:Fallback xmlns="">
+    <mc:Fallback>
       <p:transition spd="slow"/>
     </mc:Fallback>
   </mc:AlternateContent>
@@ -35813,7 +31842,7 @@
 </file>
 
 <file path=ppt/slides/slide8.xml><?xml version="1.0" encoding="utf-8"?>
-<p:sld xmlns:a="http://schemas.openxmlformats.org/drawingml/2006/main" xmlns:r="http://schemas.openxmlformats.org/officeDocument/2006/relationships" xmlns:p="http://schemas.openxmlformats.org/presentationml/2006/main">
+<p:sld xmlns:a="http://schemas.openxmlformats.org/drawingml/2006/main" xmlns:r="http://schemas.openxmlformats.org/officeDocument/2006/relationships" xmlns:p="http://schemas.openxmlformats.org/presentationml/2006/main" xmlns:p14="http://schemas.microsoft.com/office/powerpoint/2010/main">
   <p:cSld>
     <p:spTree>
       <p:nvGrpSpPr>
@@ -39398,9 +35427,48 @@
           </a:graphicData>
         </a:graphic>
       </p:graphicFrame>
+      <p:pic>
+        <p:nvPicPr>
+          <p:cNvPr id="5122" name="Picture 2"/>
+          <p:cNvPicPr>
+            <a:picLocks noChangeAspect="1" noChangeArrowheads="1"/>
+          </p:cNvPicPr>
+          <p:nvPr/>
+        </p:nvPicPr>
+        <p:blipFill rotWithShape="1">
+          <a:blip r:embed="rId3" cstate="print">
+            <a:extLst>
+              <a:ext uri="{28A0092B-C50C-407E-A947-70E740481C1C}">
+                <a14:useLocalDpi xmlns:a14="http://schemas.microsoft.com/office/drawing/2010/main" val="0"/>
+              </a:ext>
+            </a:extLst>
+          </a:blip>
+          <a:srcRect l="17449" t="12402" r="12843" b="6342"/>
+          <a:stretch/>
+        </p:blipFill>
+        <p:spPr bwMode="auto">
+          <a:xfrm>
+            <a:off x="2118995" y="989330"/>
+            <a:ext cx="5039995" cy="5394960"/>
+          </a:xfrm>
+          <a:prstGeom prst="rect">
+            <a:avLst/>
+          </a:prstGeom>
+          <a:noFill/>
+          <a:extLst>
+            <a:ext uri="{909E8E84-426E-40DD-AFC4-6F175D3DCCD1}">
+              <a14:hiddenFill xmlns:a14="http://schemas.microsoft.com/office/drawing/2010/main">
+                <a:solidFill>
+                  <a:srgbClr val="FFFFFF"/>
+                </a:solidFill>
+              </a14:hiddenFill>
+            </a:ext>
+          </a:extLst>
+        </p:spPr>
+      </p:pic>
       <p:graphicFrame>
         <p:nvGraphicFramePr>
-          <p:cNvPr id="6" name="표 5"/>
+          <p:cNvPr id="5123" name="표 5122"/>
           <p:cNvGraphicFramePr>
             <a:graphicFrameLocks noGrp="1"/>
           </p:cNvGraphicFramePr>
@@ -39440,7 +35508,7 @@
                         <a:buNone/>
                       </a:pPr>
                       <a:r>
-                        <a:rPr lang="en-US" altLang="ko-KR" sz="1000" b="0" i="0" kern="1200">
+                        <a:rPr lang="en-US" altLang="ko-KR" sz="1000" kern="1200" i="0" b="0">
                           <a:solidFill>
                             <a:schemeClr val="tx1"/>
                           </a:solidFill>
@@ -39449,7 +35517,7 @@
                         </a:rPr>
                         <a:t>작성자</a:t>
                       </a:r>
-                      <a:endParaRPr lang="ko-KR" altLang="en-US" sz="1000" b="0" i="0" kern="1200">
+                      <a:endParaRPr lang="ko-KR" altLang="en-US" sz="1000" kern="1200" i="0" b="0">
                         <a:solidFill>
                           <a:schemeClr val="tx1"/>
                         </a:solidFill>
@@ -39458,7 +35526,7 @@
                       </a:endParaRPr>
                     </a:p>
                   </a:txBody>
-                  <a:tcPr marL="90170" marR="90170" marT="46990" marB="46990">
+                  <a:tcPr marL="90170" marR="90170" marT="46990" marB="46990" anchor="t">
                     <a:lnL w="12700" cap="flat" cmpd="sng" algn="ctr">
                       <a:solidFill>
                         <a:srgbClr val="000000">
@@ -39529,7 +35597,17 @@
                         <a:buFontTx/>
                         <a:buNone/>
                       </a:pPr>
-                      <a:endParaRPr lang="ko-KR" altLang="en-US" sz="1000" b="1" i="0" kern="1200">
+                      <a:r>
+                        <a:rPr lang="ko-KR" altLang="en-US" sz="1000" kern="1200" i="0" b="1">
+                          <a:solidFill>
+                            <a:schemeClr val="tx1"/>
+                          </a:solidFill>
+                          <a:latin typeface="맑은 고딕" charset="0"/>
+                          <a:ea typeface="맑은 고딕" charset="0"/>
+                        </a:rPr>
+                        <a:t>안영우</a:t>
+                      </a:r>
+                      <a:endParaRPr lang="ko-KR" altLang="en-US" sz="1000" kern="1200" i="0" b="1">
                         <a:solidFill>
                           <a:schemeClr val="tx1"/>
                         </a:solidFill>
@@ -39538,7 +35616,7 @@
                       </a:endParaRPr>
                     </a:p>
                   </a:txBody>
-                  <a:tcPr marL="90170" marR="90170" marT="46990" marB="46990">
+                  <a:tcPr marL="90170" marR="90170" marT="46990" marB="46990" anchor="t">
                     <a:lnL w="12700" cap="flat" cmpd="sng" algn="ctr">
                       <a:solidFill>
                         <a:srgbClr val="000000">
@@ -39593,45 +35671,6 @@
           </a:graphicData>
         </a:graphic>
       </p:graphicFrame>
-      <p:pic>
-        <p:nvPicPr>
-          <p:cNvPr id="5122" name="Picture 2" descr="C:\Users\mk\Downloads\[글 (상세보기, 글쓰기 폼) - (영우)] 게시글쓰기.png"/>
-          <p:cNvPicPr>
-            <a:picLocks noChangeAspect="1" noChangeArrowheads="1"/>
-          </p:cNvPicPr>
-          <p:nvPr/>
-        </p:nvPicPr>
-        <p:blipFill rotWithShape="1">
-          <a:blip r:embed="rId3" cstate="print">
-            <a:extLst>
-              <a:ext uri="{28A0092B-C50C-407E-A947-70E740481C1C}">
-                <a14:useLocalDpi xmlns:a14="http://schemas.microsoft.com/office/drawing/2010/main" val="0"/>
-              </a:ext>
-            </a:extLst>
-          </a:blip>
-          <a:srcRect l="17449" t="12402" r="12843" b="6342"/>
-          <a:stretch/>
-        </p:blipFill>
-        <p:spPr bwMode="auto">
-          <a:xfrm>
-            <a:off x="2119310" y="989239"/>
-            <a:ext cx="5040000" cy="5395142"/>
-          </a:xfrm>
-          <a:prstGeom prst="rect">
-            <a:avLst/>
-          </a:prstGeom>
-          <a:noFill/>
-          <a:extLst>
-            <a:ext uri="{909E8E84-426E-40DD-AFC4-6F175D3DCCD1}">
-              <a14:hiddenFill xmlns:a14="http://schemas.microsoft.com/office/drawing/2010/main">
-                <a:solidFill>
-                  <a:srgbClr val="FFFFFF"/>
-                </a:solidFill>
-              </a14:hiddenFill>
-            </a:ext>
-          </a:extLst>
-        </p:spPr>
-      </p:pic>
     </p:spTree>
     <p:extLst>
       <p:ext uri="{BB962C8B-B14F-4D97-AF65-F5344CB8AC3E}">
@@ -39642,11 +35681,11 @@
   <p:clrMapOvr>
     <a:masterClrMapping/>
   </p:clrMapOvr>
-  <mc:AlternateContent xmlns:mc="http://schemas.openxmlformats.org/markup-compatibility/2006" xmlns:p14="http://schemas.microsoft.com/office/powerpoint/2010/main">
-    <mc:Choice Requires="p14">
+  <mc:AlternateContent xmlns:mc="http://schemas.openxmlformats.org/markup-compatibility/2006">
+    <mc:Choice xmlns:p14="http://schemas.microsoft.com/office/powerpoint/2010/main" Requires="p14">
       <p:transition spd="slow" p14:dur="2000"/>
     </mc:Choice>
-    <mc:Fallback xmlns="">
+    <mc:Fallback>
       <p:transition spd="slow"/>
     </mc:Fallback>
   </mc:AlternateContent>
@@ -39661,7 +35700,7 @@
 </file>
 
 <file path=ppt/slides/slide9.xml><?xml version="1.0" encoding="utf-8"?>
-<p:sld xmlns:a="http://schemas.openxmlformats.org/drawingml/2006/main" xmlns:r="http://schemas.openxmlformats.org/officeDocument/2006/relationships" xmlns:p="http://schemas.openxmlformats.org/presentationml/2006/main">
+<p:sld xmlns:a="http://schemas.openxmlformats.org/drawingml/2006/main" xmlns:r="http://schemas.openxmlformats.org/officeDocument/2006/relationships" xmlns:p="http://schemas.openxmlformats.org/presentationml/2006/main" xmlns:p14="http://schemas.microsoft.com/office/powerpoint/2010/main">
   <p:cSld>
     <p:spTree>
       <p:nvGrpSpPr>
@@ -43236,9 +39275,48 @@
           </a:graphicData>
         </a:graphic>
       </p:graphicFrame>
+      <p:pic>
+        <p:nvPicPr>
+          <p:cNvPr id="6146" name="Picture 2"/>
+          <p:cNvPicPr>
+            <a:picLocks noChangeAspect="1" noChangeArrowheads="1"/>
+          </p:cNvPicPr>
+          <p:nvPr/>
+        </p:nvPicPr>
+        <p:blipFill rotWithShape="1">
+          <a:blip r:embed="rId3" cstate="print">
+            <a:extLst>
+              <a:ext uri="{28A0092B-C50C-407E-A947-70E740481C1C}">
+                <a14:useLocalDpi xmlns:a14="http://schemas.microsoft.com/office/drawing/2010/main" val="0"/>
+              </a:ext>
+            </a:extLst>
+          </a:blip>
+          <a:srcRect l="17674" t="13676" r="17836" b="7479"/>
+          <a:stretch/>
+        </p:blipFill>
+        <p:spPr bwMode="auto">
+          <a:xfrm>
+            <a:off x="2118995" y="958215"/>
+            <a:ext cx="4860290" cy="5456555"/>
+          </a:xfrm>
+          <a:prstGeom prst="rect">
+            <a:avLst/>
+          </a:prstGeom>
+          <a:noFill/>
+          <a:extLst>
+            <a:ext uri="{909E8E84-426E-40DD-AFC4-6F175D3DCCD1}">
+              <a14:hiddenFill xmlns:a14="http://schemas.microsoft.com/office/drawing/2010/main">
+                <a:solidFill>
+                  <a:srgbClr val="FFFFFF"/>
+                </a:solidFill>
+              </a14:hiddenFill>
+            </a:ext>
+          </a:extLst>
+        </p:spPr>
+      </p:pic>
       <p:graphicFrame>
         <p:nvGraphicFramePr>
-          <p:cNvPr id="6" name="표 5"/>
+          <p:cNvPr id="6147" name="표 6146"/>
           <p:cNvGraphicFramePr>
             <a:graphicFrameLocks noGrp="1"/>
           </p:cNvGraphicFramePr>
@@ -43278,7 +39356,7 @@
                         <a:buNone/>
                       </a:pPr>
                       <a:r>
-                        <a:rPr lang="en-US" altLang="ko-KR" sz="1000" b="0" i="0" kern="1200">
+                        <a:rPr lang="en-US" altLang="ko-KR" sz="1000" kern="1200" i="0" b="0">
                           <a:solidFill>
                             <a:schemeClr val="tx1"/>
                           </a:solidFill>
@@ -43287,7 +39365,7 @@
                         </a:rPr>
                         <a:t>작성자</a:t>
                       </a:r>
-                      <a:endParaRPr lang="ko-KR" altLang="en-US" sz="1000" b="0" i="0" kern="1200">
+                      <a:endParaRPr lang="ko-KR" altLang="en-US" sz="1000" kern="1200" i="0" b="0">
                         <a:solidFill>
                           <a:schemeClr val="tx1"/>
                         </a:solidFill>
@@ -43296,7 +39374,7 @@
                       </a:endParaRPr>
                     </a:p>
                   </a:txBody>
-                  <a:tcPr marL="90170" marR="90170" marT="46990" marB="46990">
+                  <a:tcPr marL="90170" marR="90170" marT="46990" marB="46990" anchor="t">
                     <a:lnL w="12700" cap="flat" cmpd="sng" algn="ctr">
                       <a:solidFill>
                         <a:srgbClr val="000000">
@@ -43367,7 +39445,17 @@
                         <a:buFontTx/>
                         <a:buNone/>
                       </a:pPr>
-                      <a:endParaRPr lang="ko-KR" altLang="en-US" sz="1000" b="1" i="0" kern="1200">
+                      <a:r>
+                        <a:rPr lang="ko-KR" altLang="en-US" sz="1000" kern="1200" i="0" b="1">
+                          <a:solidFill>
+                            <a:schemeClr val="tx1"/>
+                          </a:solidFill>
+                          <a:latin typeface="맑은 고딕" charset="0"/>
+                          <a:ea typeface="맑은 고딕" charset="0"/>
+                        </a:rPr>
+                        <a:t>안영우</a:t>
+                      </a:r>
+                      <a:endParaRPr lang="ko-KR" altLang="en-US" sz="1000" kern="1200" i="0" b="1">
                         <a:solidFill>
                           <a:schemeClr val="tx1"/>
                         </a:solidFill>
@@ -43376,7 +39464,7 @@
                       </a:endParaRPr>
                     </a:p>
                   </a:txBody>
-                  <a:tcPr marL="90170" marR="90170" marT="46990" marB="46990">
+                  <a:tcPr marL="90170" marR="90170" marT="46990" marB="46990" anchor="t">
                     <a:lnL w="12700" cap="flat" cmpd="sng" algn="ctr">
                       <a:solidFill>
                         <a:srgbClr val="000000">
@@ -43431,45 +39519,6 @@
           </a:graphicData>
         </a:graphic>
       </p:graphicFrame>
-      <p:pic>
-        <p:nvPicPr>
-          <p:cNvPr id="6146" name="Picture 2" descr="C:\Users\mk\Downloads\[글 (상세보기, 글쓰기 폼) - (영우)] 게시글답변.png"/>
-          <p:cNvPicPr>
-            <a:picLocks noChangeAspect="1" noChangeArrowheads="1"/>
-          </p:cNvPicPr>
-          <p:nvPr/>
-        </p:nvPicPr>
-        <p:blipFill rotWithShape="1">
-          <a:blip r:embed="rId3" cstate="print">
-            <a:extLst>
-              <a:ext uri="{28A0092B-C50C-407E-A947-70E740481C1C}">
-                <a14:useLocalDpi xmlns:a14="http://schemas.microsoft.com/office/drawing/2010/main" val="0"/>
-              </a:ext>
-            </a:extLst>
-          </a:blip>
-          <a:srcRect l="17674" t="13676" r="17836" b="7479"/>
-          <a:stretch/>
-        </p:blipFill>
-        <p:spPr bwMode="auto">
-          <a:xfrm>
-            <a:off x="2119310" y="958497"/>
-            <a:ext cx="4860000" cy="5456626"/>
-          </a:xfrm>
-          <a:prstGeom prst="rect">
-            <a:avLst/>
-          </a:prstGeom>
-          <a:noFill/>
-          <a:extLst>
-            <a:ext uri="{909E8E84-426E-40DD-AFC4-6F175D3DCCD1}">
-              <a14:hiddenFill xmlns:a14="http://schemas.microsoft.com/office/drawing/2010/main">
-                <a:solidFill>
-                  <a:srgbClr val="FFFFFF"/>
-                </a:solidFill>
-              </a14:hiddenFill>
-            </a:ext>
-          </a:extLst>
-        </p:spPr>
-      </p:pic>
     </p:spTree>
     <p:extLst>
       <p:ext uri="{BB962C8B-B14F-4D97-AF65-F5344CB8AC3E}">
@@ -43480,11 +39529,11 @@
   <p:clrMapOvr>
     <a:masterClrMapping/>
   </p:clrMapOvr>
-  <mc:AlternateContent xmlns:mc="http://schemas.openxmlformats.org/markup-compatibility/2006" xmlns:p14="http://schemas.microsoft.com/office/powerpoint/2010/main">
-    <mc:Choice Requires="p14">
+  <mc:AlternateContent xmlns:mc="http://schemas.openxmlformats.org/markup-compatibility/2006">
+    <mc:Choice xmlns:p14="http://schemas.microsoft.com/office/powerpoint/2010/main" Requires="p14">
       <p:transition spd="slow" p14:dur="2000"/>
     </mc:Choice>
-    <mc:Fallback xmlns="">
+    <mc:Fallback>
       <p:transition spd="slow"/>
     </mc:Fallback>
   </mc:AlternateContent>
